--- a/Extracting Text File From Downloaded Packet File.pptx
+++ b/Extracting Text File From Downloaded Packet File.pptx
@@ -2,7 +2,7 @@
 <file path=ppt/presentation.xml><?xml version="1.0" encoding="utf-8"?>
 <p:presentation xmlns:a="http://schemas.openxmlformats.org/drawingml/2006/main" xmlns:r="http://schemas.openxmlformats.org/officeDocument/2006/relationships" xmlns:p="http://schemas.openxmlformats.org/presentationml/2006/main" saveSubsetFonts="1">
   <p:sldMasterIdLst>
-    <p:sldMasterId id="2147483648" r:id="rId1"/>
+    <p:sldMasterId id="2147483708" r:id="rId1"/>
   </p:sldMasterIdLst>
   <p:sldIdLst>
     <p:sldId id="256" r:id="rId2"/>
@@ -18,7 +18,7 @@
     <a:defPPr>
       <a:defRPr lang="en-US"/>
     </a:defPPr>
-    <a:lvl1pPr marL="0" algn="l" defTabSz="914400" rtl="0" eaLnBrk="1" latinLnBrk="0" hangingPunct="1">
+    <a:lvl1pPr marL="0" algn="l" defTabSz="457200" rtl="0" eaLnBrk="1" latinLnBrk="0" hangingPunct="1">
       <a:defRPr sz="1800" kern="1200">
         <a:solidFill>
           <a:schemeClr val="tx1"/>
@@ -28,7 +28,7 @@
         <a:cs typeface="+mn-cs"/>
       </a:defRPr>
     </a:lvl1pPr>
-    <a:lvl2pPr marL="457200" algn="l" defTabSz="914400" rtl="0" eaLnBrk="1" latinLnBrk="0" hangingPunct="1">
+    <a:lvl2pPr marL="457200" algn="l" defTabSz="457200" rtl="0" eaLnBrk="1" latinLnBrk="0" hangingPunct="1">
       <a:defRPr sz="1800" kern="1200">
         <a:solidFill>
           <a:schemeClr val="tx1"/>
@@ -38,7 +38,7 @@
         <a:cs typeface="+mn-cs"/>
       </a:defRPr>
     </a:lvl2pPr>
-    <a:lvl3pPr marL="914400" algn="l" defTabSz="914400" rtl="0" eaLnBrk="1" latinLnBrk="0" hangingPunct="1">
+    <a:lvl3pPr marL="914400" algn="l" defTabSz="457200" rtl="0" eaLnBrk="1" latinLnBrk="0" hangingPunct="1">
       <a:defRPr sz="1800" kern="1200">
         <a:solidFill>
           <a:schemeClr val="tx1"/>
@@ -48,7 +48,7 @@
         <a:cs typeface="+mn-cs"/>
       </a:defRPr>
     </a:lvl3pPr>
-    <a:lvl4pPr marL="1371600" algn="l" defTabSz="914400" rtl="0" eaLnBrk="1" latinLnBrk="0" hangingPunct="1">
+    <a:lvl4pPr marL="1371600" algn="l" defTabSz="457200" rtl="0" eaLnBrk="1" latinLnBrk="0" hangingPunct="1">
       <a:defRPr sz="1800" kern="1200">
         <a:solidFill>
           <a:schemeClr val="tx1"/>
@@ -58,7 +58,7 @@
         <a:cs typeface="+mn-cs"/>
       </a:defRPr>
     </a:lvl4pPr>
-    <a:lvl5pPr marL="1828800" algn="l" defTabSz="914400" rtl="0" eaLnBrk="1" latinLnBrk="0" hangingPunct="1">
+    <a:lvl5pPr marL="1828800" algn="l" defTabSz="457200" rtl="0" eaLnBrk="1" latinLnBrk="0" hangingPunct="1">
       <a:defRPr sz="1800" kern="1200">
         <a:solidFill>
           <a:schemeClr val="tx1"/>
@@ -68,7 +68,7 @@
         <a:cs typeface="+mn-cs"/>
       </a:defRPr>
     </a:lvl5pPr>
-    <a:lvl6pPr marL="2286000" algn="l" defTabSz="914400" rtl="0" eaLnBrk="1" latinLnBrk="0" hangingPunct="1">
+    <a:lvl6pPr marL="2286000" algn="l" defTabSz="457200" rtl="0" eaLnBrk="1" latinLnBrk="0" hangingPunct="1">
       <a:defRPr sz="1800" kern="1200">
         <a:solidFill>
           <a:schemeClr val="tx1"/>
@@ -78,7 +78,7 @@
         <a:cs typeface="+mn-cs"/>
       </a:defRPr>
     </a:lvl6pPr>
-    <a:lvl7pPr marL="2743200" algn="l" defTabSz="914400" rtl="0" eaLnBrk="1" latinLnBrk="0" hangingPunct="1">
+    <a:lvl7pPr marL="2743200" algn="l" defTabSz="457200" rtl="0" eaLnBrk="1" latinLnBrk="0" hangingPunct="1">
       <a:defRPr sz="1800" kern="1200">
         <a:solidFill>
           <a:schemeClr val="tx1"/>
@@ -88,7 +88,7 @@
         <a:cs typeface="+mn-cs"/>
       </a:defRPr>
     </a:lvl7pPr>
-    <a:lvl8pPr marL="3200400" algn="l" defTabSz="914400" rtl="0" eaLnBrk="1" latinLnBrk="0" hangingPunct="1">
+    <a:lvl8pPr marL="3200400" algn="l" defTabSz="457200" rtl="0" eaLnBrk="1" latinLnBrk="0" hangingPunct="1">
       <a:defRPr sz="1800" kern="1200">
         <a:solidFill>
           <a:schemeClr val="tx1"/>
@@ -98,7 +98,7 @@
         <a:cs typeface="+mn-cs"/>
       </a:defRPr>
     </a:lvl8pPr>
-    <a:lvl9pPr marL="3657600" algn="l" defTabSz="914400" rtl="0" eaLnBrk="1" latinLnBrk="0" hangingPunct="1">
+    <a:lvl9pPr marL="3657600" algn="l" defTabSz="457200" rtl="0" eaLnBrk="1" latinLnBrk="0" hangingPunct="1">
       <a:defRPr sz="1800" kern="1200">
         <a:solidFill>
           <a:schemeClr val="tx1"/>
@@ -109,11 +109,31 @@
       </a:defRPr>
     </a:lvl9pPr>
   </p:defaultTextStyle>
+  <p:extLst>
+    <p:ext uri="{EFAFB233-063F-42B5-8137-9DF3F51BA10A}">
+      <p15:sldGuideLst xmlns:p15="http://schemas.microsoft.com/office/powerpoint/2012/main">
+        <p15:guide id="1" orient="horz" pos="2160">
+          <p15:clr>
+            <a:srgbClr val="A4A3A4"/>
+          </p15:clr>
+        </p15:guide>
+        <p15:guide id="2" pos="2880">
+          <p15:clr>
+            <a:srgbClr val="A4A3A4"/>
+          </p15:clr>
+        </p15:guide>
+      </p15:sldGuideLst>
+    </p:ext>
+  </p:extLst>
 </p:presentation>
 </file>
 
+<file path=ppt/revisionInfo.xml><?xml version="1.0" encoding="utf-8"?>
+<p1510:revInfo xmlns:a="http://schemas.openxmlformats.org/drawingml/2006/main" xmlns:r="http://schemas.openxmlformats.org/officeDocument/2006/relationships" xmlns:p1510="http://schemas.microsoft.com/office/powerpoint/2015/10/main"/>
+</file>
+
 <file path=ppt/slideLayouts/slideLayout1.xml><?xml version="1.0" encoding="utf-8"?>
-<p:sldLayout xmlns:a="http://schemas.openxmlformats.org/drawingml/2006/main" xmlns:r="http://schemas.openxmlformats.org/officeDocument/2006/relationships" xmlns:p="http://schemas.openxmlformats.org/presentationml/2006/main" type="title" preserve="1">
+<p:sldLayout xmlns:a="http://schemas.openxmlformats.org/drawingml/2006/main" xmlns:r="http://schemas.openxmlformats.org/officeDocument/2006/relationships" xmlns:p="http://schemas.openxmlformats.org/presentationml/2006/main" showMasterSp="0" type="title" preserve="1">
   <p:cSld name="Title Slide">
     <p:spTree>
       <p:nvGrpSpPr>
@@ -129,6 +149,328 @@
           <a:chExt cx="0" cy="0"/>
         </a:xfrm>
       </p:grpSpPr>
+      <p:grpSp>
+        <p:nvGrpSpPr>
+          <p:cNvPr id="25" name="Group 24"/>
+          <p:cNvGrpSpPr/>
+          <p:nvPr/>
+        </p:nvGrpSpPr>
+        <p:grpSpPr>
+          <a:xfrm>
+            <a:off x="203200" y="0"/>
+            <a:ext cx="3778250" cy="6858001"/>
+            <a:chOff x="203200" y="0"/>
+            <a:chExt cx="3778250" cy="6858001"/>
+          </a:xfrm>
+        </p:grpSpPr>
+        <p:sp>
+          <p:nvSpPr>
+            <p:cNvPr id="14" name="Freeform 6"/>
+            <p:cNvSpPr/>
+            <p:nvPr/>
+          </p:nvSpPr>
+          <p:spPr bwMode="auto">
+            <a:xfrm>
+              <a:off x="641350" y="0"/>
+              <a:ext cx="1365250" cy="3971925"/>
+            </a:xfrm>
+            <a:custGeom>
+              <a:avLst/>
+              <a:gdLst/>
+              <a:ahLst/>
+              <a:cxnLst/>
+              <a:rect l="0" t="0" r="r" b="b"/>
+              <a:pathLst>
+                <a:path w="860" h="2502">
+                  <a:moveTo>
+                    <a:pt x="0" y="2445"/>
+                  </a:moveTo>
+                  <a:lnTo>
+                    <a:pt x="228" y="2502"/>
+                  </a:lnTo>
+                  <a:lnTo>
+                    <a:pt x="860" y="0"/>
+                  </a:lnTo>
+                  <a:lnTo>
+                    <a:pt x="620" y="0"/>
+                  </a:lnTo>
+                  <a:lnTo>
+                    <a:pt x="0" y="2445"/>
+                  </a:lnTo>
+                  <a:close/>
+                </a:path>
+              </a:pathLst>
+            </a:custGeom>
+            <a:solidFill>
+              <a:schemeClr val="accent1"/>
+            </a:solidFill>
+            <a:ln>
+              <a:noFill/>
+            </a:ln>
+          </p:spPr>
+        </p:sp>
+        <p:sp>
+          <p:nvSpPr>
+            <p:cNvPr id="15" name="Freeform 7"/>
+            <p:cNvSpPr/>
+            <p:nvPr/>
+          </p:nvSpPr>
+          <p:spPr bwMode="auto">
+            <a:xfrm>
+              <a:off x="203200" y="0"/>
+              <a:ext cx="1336675" cy="3862388"/>
+            </a:xfrm>
+            <a:custGeom>
+              <a:avLst/>
+              <a:gdLst/>
+              <a:ahLst/>
+              <a:cxnLst/>
+              <a:rect l="0" t="0" r="r" b="b"/>
+              <a:pathLst>
+                <a:path w="842" h="2433">
+                  <a:moveTo>
+                    <a:pt x="842" y="0"/>
+                  </a:moveTo>
+                  <a:lnTo>
+                    <a:pt x="602" y="0"/>
+                  </a:lnTo>
+                  <a:lnTo>
+                    <a:pt x="0" y="2376"/>
+                  </a:lnTo>
+                  <a:lnTo>
+                    <a:pt x="228" y="2433"/>
+                  </a:lnTo>
+                  <a:lnTo>
+                    <a:pt x="842" y="0"/>
+                  </a:lnTo>
+                  <a:close/>
+                </a:path>
+              </a:pathLst>
+            </a:custGeom>
+            <a:solidFill>
+              <a:schemeClr val="tx1">
+                <a:lumMod val="65000"/>
+                <a:lumOff val="35000"/>
+              </a:schemeClr>
+            </a:solidFill>
+            <a:ln>
+              <a:noFill/>
+            </a:ln>
+          </p:spPr>
+        </p:sp>
+        <p:sp>
+          <p:nvSpPr>
+            <p:cNvPr id="16" name="Freeform 8"/>
+            <p:cNvSpPr/>
+            <p:nvPr/>
+          </p:nvSpPr>
+          <p:spPr bwMode="auto">
+            <a:xfrm>
+              <a:off x="207963" y="3776663"/>
+              <a:ext cx="1936750" cy="3081338"/>
+            </a:xfrm>
+            <a:custGeom>
+              <a:avLst/>
+              <a:gdLst/>
+              <a:ahLst/>
+              <a:cxnLst/>
+              <a:rect l="0" t="0" r="r" b="b"/>
+              <a:pathLst>
+                <a:path w="1220" h="1941">
+                  <a:moveTo>
+                    <a:pt x="0" y="0"/>
+                  </a:moveTo>
+                  <a:lnTo>
+                    <a:pt x="1166" y="1941"/>
+                  </a:lnTo>
+                  <a:lnTo>
+                    <a:pt x="1220" y="1941"/>
+                  </a:lnTo>
+                  <a:lnTo>
+                    <a:pt x="0" y="0"/>
+                  </a:lnTo>
+                  <a:close/>
+                </a:path>
+              </a:pathLst>
+            </a:custGeom>
+            <a:solidFill>
+              <a:schemeClr val="tx1">
+                <a:lumMod val="85000"/>
+                <a:lumOff val="15000"/>
+              </a:schemeClr>
+            </a:solidFill>
+            <a:ln>
+              <a:noFill/>
+            </a:ln>
+          </p:spPr>
+        </p:sp>
+        <p:sp>
+          <p:nvSpPr>
+            <p:cNvPr id="20" name="Freeform 9"/>
+            <p:cNvSpPr/>
+            <p:nvPr/>
+          </p:nvSpPr>
+          <p:spPr bwMode="auto">
+            <a:xfrm>
+              <a:off x="646113" y="3886200"/>
+              <a:ext cx="2373313" cy="2971800"/>
+            </a:xfrm>
+            <a:custGeom>
+              <a:avLst/>
+              <a:gdLst/>
+              <a:ahLst/>
+              <a:cxnLst/>
+              <a:rect l="0" t="0" r="r" b="b"/>
+              <a:pathLst>
+                <a:path w="1495" h="1872">
+                  <a:moveTo>
+                    <a:pt x="1495" y="1872"/>
+                  </a:moveTo>
+                  <a:lnTo>
+                    <a:pt x="0" y="0"/>
+                  </a:lnTo>
+                  <a:lnTo>
+                    <a:pt x="1442" y="1872"/>
+                  </a:lnTo>
+                  <a:lnTo>
+                    <a:pt x="1495" y="1872"/>
+                  </a:lnTo>
+                  <a:close/>
+                </a:path>
+              </a:pathLst>
+            </a:custGeom>
+            <a:solidFill>
+              <a:schemeClr val="accent1">
+                <a:lumMod val="50000"/>
+              </a:schemeClr>
+            </a:solidFill>
+            <a:ln>
+              <a:noFill/>
+            </a:ln>
+          </p:spPr>
+        </p:sp>
+        <p:sp>
+          <p:nvSpPr>
+            <p:cNvPr id="21" name="Freeform 10"/>
+            <p:cNvSpPr/>
+            <p:nvPr/>
+          </p:nvSpPr>
+          <p:spPr bwMode="auto">
+            <a:xfrm>
+              <a:off x="641350" y="3881438"/>
+              <a:ext cx="3340100" cy="2976563"/>
+            </a:xfrm>
+            <a:custGeom>
+              <a:avLst/>
+              <a:gdLst/>
+              <a:ahLst/>
+              <a:cxnLst/>
+              <a:rect l="0" t="0" r="r" b="b"/>
+              <a:pathLst>
+                <a:path w="2104" h="1875">
+                  <a:moveTo>
+                    <a:pt x="0" y="0"/>
+                  </a:moveTo>
+                  <a:lnTo>
+                    <a:pt x="3" y="3"/>
+                  </a:lnTo>
+                  <a:lnTo>
+                    <a:pt x="1498" y="1875"/>
+                  </a:lnTo>
+                  <a:lnTo>
+                    <a:pt x="2104" y="1875"/>
+                  </a:lnTo>
+                  <a:lnTo>
+                    <a:pt x="228" y="57"/>
+                  </a:lnTo>
+                  <a:lnTo>
+                    <a:pt x="0" y="0"/>
+                  </a:lnTo>
+                  <a:close/>
+                </a:path>
+              </a:pathLst>
+            </a:custGeom>
+            <a:solidFill>
+              <a:schemeClr val="accent1">
+                <a:lumMod val="75000"/>
+              </a:schemeClr>
+            </a:solidFill>
+            <a:ln>
+              <a:noFill/>
+            </a:ln>
+          </p:spPr>
+        </p:sp>
+        <p:sp>
+          <p:nvSpPr>
+            <p:cNvPr id="22" name="Freeform 11"/>
+            <p:cNvSpPr/>
+            <p:nvPr/>
+          </p:nvSpPr>
+          <p:spPr bwMode="auto">
+            <a:xfrm>
+              <a:off x="203200" y="3771900"/>
+              <a:ext cx="2660650" cy="3086100"/>
+            </a:xfrm>
+            <a:custGeom>
+              <a:avLst/>
+              <a:gdLst/>
+              <a:ahLst/>
+              <a:cxnLst/>
+              <a:rect l="0" t="0" r="r" b="b"/>
+              <a:pathLst>
+                <a:path w="1676" h="1944">
+                  <a:moveTo>
+                    <a:pt x="1676" y="1944"/>
+                  </a:moveTo>
+                  <a:lnTo>
+                    <a:pt x="264" y="111"/>
+                  </a:lnTo>
+                  <a:lnTo>
+                    <a:pt x="225" y="60"/>
+                  </a:lnTo>
+                  <a:lnTo>
+                    <a:pt x="228" y="60"/>
+                  </a:lnTo>
+                  <a:lnTo>
+                    <a:pt x="264" y="111"/>
+                  </a:lnTo>
+                  <a:lnTo>
+                    <a:pt x="234" y="69"/>
+                  </a:lnTo>
+                  <a:lnTo>
+                    <a:pt x="228" y="57"/>
+                  </a:lnTo>
+                  <a:lnTo>
+                    <a:pt x="222" y="54"/>
+                  </a:lnTo>
+                  <a:lnTo>
+                    <a:pt x="0" y="0"/>
+                  </a:lnTo>
+                  <a:lnTo>
+                    <a:pt x="3" y="3"/>
+                  </a:lnTo>
+                  <a:lnTo>
+                    <a:pt x="1223" y="1944"/>
+                  </a:lnTo>
+                  <a:lnTo>
+                    <a:pt x="1676" y="1944"/>
+                  </a:lnTo>
+                  <a:close/>
+                </a:path>
+              </a:pathLst>
+            </a:custGeom>
+            <a:solidFill>
+              <a:schemeClr val="tx1">
+                <a:lumMod val="75000"/>
+                <a:lumOff val="25000"/>
+              </a:schemeClr>
+            </a:solidFill>
+            <a:ln>
+              <a:noFill/>
+            </a:ln>
+          </p:spPr>
+        </p:sp>
+      </p:grpSp>
       <p:sp>
         <p:nvSpPr>
           <p:cNvPr id="2" name="Title 1"/>
@@ -141,19 +483,27 @@
         </p:nvSpPr>
         <p:spPr>
           <a:xfrm>
-            <a:off x="685800" y="2130425"/>
-            <a:ext cx="7772400" cy="1470025"/>
+            <a:off x="1739673" y="914401"/>
+            <a:ext cx="6947127" cy="3488266"/>
           </a:xfrm>
         </p:spPr>
         <p:txBody>
-          <a:bodyPr/>
-          <a:lstStyle/>
-          <a:p>
-            <a:r>
-              <a:rPr lang="en-US" smtClean="0"/>
+          <a:bodyPr anchor="b">
+            <a:normAutofit/>
+          </a:bodyPr>
+          <a:lstStyle>
+            <a:lvl1pPr algn="r">
+              <a:defRPr sz="5400">
+                <a:effectLst/>
+              </a:defRPr>
+            </a:lvl1pPr>
+          </a:lstStyle>
+          <a:p>
+            <a:r>
+              <a:rPr lang="en-US"/>
               <a:t>Click to edit Master title style</a:t>
             </a:r>
-            <a:endParaRPr lang="en-US"/>
+            <a:endParaRPr lang="en-US" dirty="0"/>
           </a:p>
         </p:txBody>
       </p:sp>
@@ -169,14 +519,24 @@
         </p:nvSpPr>
         <p:spPr>
           <a:xfrm>
-            <a:off x="1371600" y="3886200"/>
-            <a:ext cx="6400800" cy="1752600"/>
+            <a:off x="2924238" y="4402666"/>
+            <a:ext cx="5762563" cy="1364531"/>
           </a:xfrm>
         </p:spPr>
         <p:txBody>
-          <a:bodyPr/>
+          <a:bodyPr anchor="t">
+            <a:normAutofit/>
+          </a:bodyPr>
           <a:lstStyle>
-            <a:lvl1pPr marL="0" indent="0" algn="ctr">
+            <a:lvl1pPr marL="0" indent="0" algn="r">
+              <a:buNone/>
+              <a:defRPr sz="1800">
+                <a:solidFill>
+                  <a:schemeClr val="tx1"/>
+                </a:solidFill>
+              </a:defRPr>
+            </a:lvl1pPr>
+            <a:lvl2pPr marL="457200" indent="0" algn="ctr">
               <a:buNone/>
               <a:defRPr>
                 <a:solidFill>
@@ -185,8 +545,8 @@
                   </a:schemeClr>
                 </a:solidFill>
               </a:defRPr>
-            </a:lvl1pPr>
-            <a:lvl2pPr marL="457200" indent="0" algn="ctr">
+            </a:lvl2pPr>
+            <a:lvl3pPr marL="914400" indent="0" algn="ctr">
               <a:buNone/>
               <a:defRPr>
                 <a:solidFill>
@@ -195,8 +555,8 @@
                   </a:schemeClr>
                 </a:solidFill>
               </a:defRPr>
-            </a:lvl2pPr>
-            <a:lvl3pPr marL="914400" indent="0" algn="ctr">
+            </a:lvl3pPr>
+            <a:lvl4pPr marL="1371600" indent="0" algn="ctr">
               <a:buNone/>
               <a:defRPr>
                 <a:solidFill>
@@ -205,8 +565,8 @@
                   </a:schemeClr>
                 </a:solidFill>
               </a:defRPr>
-            </a:lvl3pPr>
-            <a:lvl4pPr marL="1371600" indent="0" algn="ctr">
+            </a:lvl4pPr>
+            <a:lvl5pPr marL="1828800" indent="0" algn="ctr">
               <a:buNone/>
               <a:defRPr>
                 <a:solidFill>
@@ -215,8 +575,8 @@
                   </a:schemeClr>
                 </a:solidFill>
               </a:defRPr>
-            </a:lvl4pPr>
-            <a:lvl5pPr marL="1828800" indent="0" algn="ctr">
+            </a:lvl5pPr>
+            <a:lvl6pPr marL="2286000" indent="0" algn="ctr">
               <a:buNone/>
               <a:defRPr>
                 <a:solidFill>
@@ -225,8 +585,8 @@
                   </a:schemeClr>
                 </a:solidFill>
               </a:defRPr>
-            </a:lvl5pPr>
-            <a:lvl6pPr marL="2286000" indent="0" algn="ctr">
+            </a:lvl6pPr>
+            <a:lvl7pPr marL="2743200" indent="0" algn="ctr">
               <a:buNone/>
               <a:defRPr>
                 <a:solidFill>
@@ -235,8 +595,8 @@
                   </a:schemeClr>
                 </a:solidFill>
               </a:defRPr>
-            </a:lvl6pPr>
-            <a:lvl7pPr marL="2743200" indent="0" algn="ctr">
+            </a:lvl7pPr>
+            <a:lvl8pPr marL="3200400" indent="0" algn="ctr">
               <a:buNone/>
               <a:defRPr>
                 <a:solidFill>
@@ -245,8 +605,8 @@
                   </a:schemeClr>
                 </a:solidFill>
               </a:defRPr>
-            </a:lvl7pPr>
-            <a:lvl8pPr marL="3200400" indent="0" algn="ctr">
+            </a:lvl8pPr>
+            <a:lvl9pPr marL="3657600" indent="0" algn="ctr">
               <a:buNone/>
               <a:defRPr>
                 <a:solidFill>
@@ -255,24 +615,14 @@
                   </a:schemeClr>
                 </a:solidFill>
               </a:defRPr>
-            </a:lvl8pPr>
-            <a:lvl9pPr marL="3657600" indent="0" algn="ctr">
-              <a:buNone/>
-              <a:defRPr>
-                <a:solidFill>
-                  <a:schemeClr val="tx1">
-                    <a:tint val="75000"/>
-                  </a:schemeClr>
-                </a:solidFill>
-              </a:defRPr>
             </a:lvl9pPr>
           </a:lstStyle>
           <a:p>
             <a:r>
-              <a:rPr lang="en-US" smtClean="0"/>
+              <a:rPr lang="en-US"/>
               <a:t>Click to edit Master subtitle style</a:t>
             </a:r>
-            <a:endParaRPr lang="en-US"/>
+            <a:endParaRPr lang="en-US" dirty="0"/>
           </a:p>
         </p:txBody>
       </p:sp>
@@ -286,14 +636,19 @@
             <p:ph type="dt" sz="half" idx="10"/>
           </p:nvPr>
         </p:nvSpPr>
-        <p:spPr/>
+        <p:spPr>
+          <a:xfrm>
+            <a:off x="7325773" y="6117336"/>
+            <a:ext cx="857473" cy="365125"/>
+          </a:xfrm>
+        </p:spPr>
         <p:txBody>
           <a:bodyPr/>
           <a:lstStyle/>
           <a:p>
             <a:fld id="{F28143BE-8687-4D26-9AAF-8C4268D8E83E}" type="datetimeFigureOut">
               <a:rPr lang="en-US" smtClean="0"/>
-              <a:t>3/6/2018</a:t>
+              <a:t>06-Mar-18</a:t>
             </a:fld>
             <a:endParaRPr lang="en-US"/>
           </a:p>
@@ -309,7 +664,12 @@
             <p:ph type="ftr" sz="quarter" idx="11"/>
           </p:nvPr>
         </p:nvSpPr>
-        <p:spPr/>
+        <p:spPr>
+          <a:xfrm>
+            <a:off x="3623733" y="6117336"/>
+            <a:ext cx="3609438" cy="365125"/>
+          </a:xfrm>
+        </p:spPr>
         <p:txBody>
           <a:bodyPr/>
           <a:lstStyle/>
@@ -328,7 +688,12 @@
             <p:ph type="sldNum" sz="quarter" idx="12"/>
           </p:nvPr>
         </p:nvSpPr>
-        <p:spPr/>
+        <p:spPr>
+          <a:xfrm>
+            <a:off x="8275320" y="6117336"/>
+            <a:ext cx="411480" cy="365125"/>
+          </a:xfrm>
+        </p:spPr>
         <p:txBody>
           <a:bodyPr/>
           <a:lstStyle/>
@@ -341,10 +706,120 @@
           </a:p>
         </p:txBody>
       </p:sp>
+      <p:sp>
+        <p:nvSpPr>
+          <p:cNvPr id="23" name="Freeform 12"/>
+          <p:cNvSpPr/>
+          <p:nvPr/>
+        </p:nvSpPr>
+        <p:spPr bwMode="auto">
+          <a:xfrm>
+            <a:off x="203200" y="3771900"/>
+            <a:ext cx="361950" cy="90488"/>
+          </a:xfrm>
+          <a:custGeom>
+            <a:avLst/>
+            <a:gdLst/>
+            <a:ahLst/>
+            <a:cxnLst/>
+            <a:rect l="0" t="0" r="r" b="b"/>
+            <a:pathLst>
+              <a:path w="228" h="57">
+                <a:moveTo>
+                  <a:pt x="228" y="57"/>
+                </a:moveTo>
+                <a:lnTo>
+                  <a:pt x="0" y="0"/>
+                </a:lnTo>
+                <a:lnTo>
+                  <a:pt x="222" y="54"/>
+                </a:lnTo>
+                <a:lnTo>
+                  <a:pt x="228" y="57"/>
+                </a:lnTo>
+                <a:close/>
+              </a:path>
+            </a:pathLst>
+          </a:custGeom>
+          <a:solidFill>
+            <a:srgbClr val="29ABE2"/>
+          </a:solidFill>
+          <a:ln>
+            <a:noFill/>
+          </a:ln>
+          <a:extLst>
+            <a:ext uri="{91240B29-F687-4f45-9708-019B960494DF}">
+              <a14:hiddenLine xmlns="" xmlns:a14="http://schemas.microsoft.com/office/drawing/2010/main" w="9525">
+                <a:solidFill>
+                  <a:srgbClr val="000000"/>
+                </a:solidFill>
+                <a:round/>
+                <a:headEnd/>
+                <a:tailEnd/>
+              </a14:hiddenLine>
+            </a:ext>
+          </a:extLst>
+        </p:spPr>
+      </p:sp>
+      <p:sp>
+        <p:nvSpPr>
+          <p:cNvPr id="24" name="Freeform 13"/>
+          <p:cNvSpPr/>
+          <p:nvPr/>
+        </p:nvSpPr>
+        <p:spPr bwMode="auto">
+          <a:xfrm>
+            <a:off x="560388" y="3867150"/>
+            <a:ext cx="61913" cy="80963"/>
+          </a:xfrm>
+          <a:custGeom>
+            <a:avLst/>
+            <a:gdLst/>
+            <a:ahLst/>
+            <a:cxnLst/>
+            <a:rect l="0" t="0" r="r" b="b"/>
+            <a:pathLst>
+              <a:path w="39" h="51">
+                <a:moveTo>
+                  <a:pt x="0" y="0"/>
+                </a:moveTo>
+                <a:lnTo>
+                  <a:pt x="39" y="51"/>
+                </a:lnTo>
+                <a:lnTo>
+                  <a:pt x="3" y="0"/>
+                </a:lnTo>
+                <a:lnTo>
+                  <a:pt x="0" y="0"/>
+                </a:lnTo>
+                <a:close/>
+              </a:path>
+            </a:pathLst>
+          </a:custGeom>
+          <a:solidFill>
+            <a:srgbClr val="29ABE2"/>
+          </a:solidFill>
+          <a:ln>
+            <a:noFill/>
+          </a:ln>
+          <a:extLst>
+            <a:ext uri="{91240B29-F687-4f45-9708-019B960494DF}">
+              <a14:hiddenLine xmlns="" xmlns:a14="http://schemas.microsoft.com/office/drawing/2010/main" w="9525">
+                <a:solidFill>
+                  <a:srgbClr val="000000"/>
+                </a:solidFill>
+                <a:round/>
+                <a:headEnd/>
+                <a:tailEnd/>
+              </a14:hiddenLine>
+            </a:ext>
+          </a:extLst>
+        </p:spPr>
+      </p:sp>
     </p:spTree>
     <p:extLst>
       <p:ext uri="{BB962C8B-B14F-4D97-AF65-F5344CB8AC3E}">
-        <p14:creationId xmlns:p14="http://schemas.microsoft.com/office/powerpoint/2010/main" val="1651543874"/>
+        <p14:creationId xmlns:p14="http://schemas.microsoft.com/office/powerpoint/2010/main" val="2489895756"/>
       </p:ext>
     </p:extLst>
   </p:cSld>
@@ -355,6 +830,2162 @@
 </file>
 
 <file path=ppt/slideLayouts/slideLayout10.xml><?xml version="1.0" encoding="utf-8"?>
+<p:sldLayout xmlns:a="http://schemas.openxmlformats.org/drawingml/2006/main" xmlns:r="http://schemas.openxmlformats.org/officeDocument/2006/relationships" xmlns:p="http://schemas.openxmlformats.org/presentationml/2006/main" preserve="1">
+  <p:cSld name="Panoramic Picture with Caption">
+    <p:spTree>
+      <p:nvGrpSpPr>
+        <p:cNvPr id="1" name=""/>
+        <p:cNvGrpSpPr/>
+        <p:nvPr/>
+      </p:nvGrpSpPr>
+      <p:grpSpPr>
+        <a:xfrm>
+          <a:off x="0" y="0"/>
+          <a:ext cx="0" cy="0"/>
+          <a:chOff x="0" y="0"/>
+          <a:chExt cx="0" cy="0"/>
+        </a:xfrm>
+      </p:grpSpPr>
+      <p:sp>
+        <p:nvSpPr>
+          <p:cNvPr id="2" name="Title 1"/>
+          <p:cNvSpPr>
+            <a:spLocks noGrp="1"/>
+          </p:cNvSpPr>
+          <p:nvPr>
+            <p:ph type="title"/>
+          </p:nvPr>
+        </p:nvSpPr>
+        <p:spPr>
+          <a:xfrm>
+            <a:off x="1113523" y="4732865"/>
+            <a:ext cx="7515991" cy="566738"/>
+          </a:xfrm>
+        </p:spPr>
+        <p:txBody>
+          <a:bodyPr anchor="b">
+            <a:normAutofit/>
+          </a:bodyPr>
+          <a:lstStyle>
+            <a:lvl1pPr algn="ctr">
+              <a:defRPr sz="2400" b="0"/>
+            </a:lvl1pPr>
+          </a:lstStyle>
+          <a:p>
+            <a:r>
+              <a:rPr lang="en-US"/>
+              <a:t>Click to edit Master title style</a:t>
+            </a:r>
+            <a:endParaRPr lang="en-US" dirty="0"/>
+          </a:p>
+        </p:txBody>
+      </p:sp>
+      <p:sp>
+        <p:nvSpPr>
+          <p:cNvPr id="3" name="Picture Placeholder 2"/>
+          <p:cNvSpPr>
+            <a:spLocks noGrp="1" noChangeAspect="1"/>
+          </p:cNvSpPr>
+          <p:nvPr>
+            <p:ph type="pic" idx="1"/>
+          </p:nvPr>
+        </p:nvSpPr>
+        <p:spPr>
+          <a:xfrm>
+            <a:off x="1789975" y="932112"/>
+            <a:ext cx="6171065" cy="3164976"/>
+          </a:xfrm>
+          <a:prstGeom prst="roundRect">
+            <a:avLst>
+              <a:gd name="adj" fmla="val 4380"/>
+            </a:avLst>
+          </a:prstGeom>
+          <a:ln w="38100">
+            <a:gradFill flip="none" rotWithShape="1">
+              <a:gsLst>
+                <a:gs pos="0">
+                  <a:schemeClr val="bg2"/>
+                </a:gs>
+                <a:gs pos="100000">
+                  <a:schemeClr val="bg2">
+                    <a:lumMod val="75000"/>
+                  </a:schemeClr>
+                </a:gs>
+              </a:gsLst>
+              <a:lin ang="5400000" scaled="0"/>
+              <a:tileRect/>
+            </a:gradFill>
+          </a:ln>
+          <a:effectLst>
+            <a:innerShdw blurRad="57150" dist="38100" dir="14460000">
+              <a:srgbClr val="000000">
+                <a:alpha val="70000"/>
+              </a:srgbClr>
+            </a:innerShdw>
+          </a:effectLst>
+        </p:spPr>
+        <p:txBody>
+          <a:bodyPr anchor="t">
+            <a:normAutofit/>
+          </a:bodyPr>
+          <a:lstStyle>
+            <a:lvl1pPr marL="0" indent="0" algn="ctr">
+              <a:buNone/>
+              <a:defRPr sz="1600"/>
+            </a:lvl1pPr>
+            <a:lvl2pPr marL="457200" indent="0">
+              <a:buNone/>
+              <a:defRPr sz="1600"/>
+            </a:lvl2pPr>
+            <a:lvl3pPr marL="914400" indent="0">
+              <a:buNone/>
+              <a:defRPr sz="1600"/>
+            </a:lvl3pPr>
+            <a:lvl4pPr marL="1371600" indent="0">
+              <a:buNone/>
+              <a:defRPr sz="1600"/>
+            </a:lvl4pPr>
+            <a:lvl5pPr marL="1828800" indent="0">
+              <a:buNone/>
+              <a:defRPr sz="1600"/>
+            </a:lvl5pPr>
+            <a:lvl6pPr marL="2286000" indent="0">
+              <a:buNone/>
+              <a:defRPr sz="1600"/>
+            </a:lvl6pPr>
+            <a:lvl7pPr marL="2743200" indent="0">
+              <a:buNone/>
+              <a:defRPr sz="1600"/>
+            </a:lvl7pPr>
+            <a:lvl8pPr marL="3200400" indent="0">
+              <a:buNone/>
+              <a:defRPr sz="1600"/>
+            </a:lvl8pPr>
+            <a:lvl9pPr marL="3657600" indent="0">
+              <a:buNone/>
+              <a:defRPr sz="1600"/>
+            </a:lvl9pPr>
+          </a:lstStyle>
+          <a:p>
+            <a:r>
+              <a:rPr lang="en-US"/>
+              <a:t>Click icon to add picture</a:t>
+            </a:r>
+            <a:endParaRPr lang="en-US" dirty="0"/>
+          </a:p>
+        </p:txBody>
+      </p:sp>
+      <p:sp>
+        <p:nvSpPr>
+          <p:cNvPr id="4" name="Text Placeholder 3"/>
+          <p:cNvSpPr>
+            <a:spLocks noGrp="1"/>
+          </p:cNvSpPr>
+          <p:nvPr>
+            <p:ph type="body" sz="half" idx="2"/>
+          </p:nvPr>
+        </p:nvSpPr>
+        <p:spPr>
+          <a:xfrm>
+            <a:off x="1113523" y="5299603"/>
+            <a:ext cx="7515991" cy="493712"/>
+          </a:xfrm>
+        </p:spPr>
+        <p:txBody>
+          <a:bodyPr>
+            <a:normAutofit/>
+          </a:bodyPr>
+          <a:lstStyle>
+            <a:lvl1pPr marL="0" indent="0" algn="ctr">
+              <a:buNone/>
+              <a:defRPr sz="1400"/>
+            </a:lvl1pPr>
+            <a:lvl2pPr marL="457200" indent="0">
+              <a:buNone/>
+              <a:defRPr sz="1200"/>
+            </a:lvl2pPr>
+            <a:lvl3pPr marL="914400" indent="0">
+              <a:buNone/>
+              <a:defRPr sz="1000"/>
+            </a:lvl3pPr>
+            <a:lvl4pPr marL="1371600" indent="0">
+              <a:buNone/>
+              <a:defRPr sz="900"/>
+            </a:lvl4pPr>
+            <a:lvl5pPr marL="1828800" indent="0">
+              <a:buNone/>
+              <a:defRPr sz="900"/>
+            </a:lvl5pPr>
+            <a:lvl6pPr marL="2286000" indent="0">
+              <a:buNone/>
+              <a:defRPr sz="900"/>
+            </a:lvl6pPr>
+            <a:lvl7pPr marL="2743200" indent="0">
+              <a:buNone/>
+              <a:defRPr sz="900"/>
+            </a:lvl7pPr>
+            <a:lvl8pPr marL="3200400" indent="0">
+              <a:buNone/>
+              <a:defRPr sz="900"/>
+            </a:lvl8pPr>
+            <a:lvl9pPr marL="3657600" indent="0">
+              <a:buNone/>
+              <a:defRPr sz="900"/>
+            </a:lvl9pPr>
+          </a:lstStyle>
+          <a:p>
+            <a:pPr lvl="0"/>
+            <a:r>
+              <a:rPr lang="en-US"/>
+              <a:t>Edit Master text styles</a:t>
+            </a:r>
+          </a:p>
+        </p:txBody>
+      </p:sp>
+      <p:sp>
+        <p:nvSpPr>
+          <p:cNvPr id="5" name="Date Placeholder 4"/>
+          <p:cNvSpPr>
+            <a:spLocks noGrp="1"/>
+          </p:cNvSpPr>
+          <p:nvPr>
+            <p:ph type="dt" sz="half" idx="10"/>
+          </p:nvPr>
+        </p:nvSpPr>
+        <p:spPr/>
+        <p:txBody>
+          <a:bodyPr/>
+          <a:lstStyle/>
+          <a:p>
+            <a:fld id="{F28143BE-8687-4D26-9AAF-8C4268D8E83E}" type="datetimeFigureOut">
+              <a:rPr lang="en-US" smtClean="0"/>
+              <a:t>06-Mar-18</a:t>
+            </a:fld>
+            <a:endParaRPr lang="en-US"/>
+          </a:p>
+        </p:txBody>
+      </p:sp>
+      <p:sp>
+        <p:nvSpPr>
+          <p:cNvPr id="6" name="Footer Placeholder 5"/>
+          <p:cNvSpPr>
+            <a:spLocks noGrp="1"/>
+          </p:cNvSpPr>
+          <p:nvPr>
+            <p:ph type="ftr" sz="quarter" idx="11"/>
+          </p:nvPr>
+        </p:nvSpPr>
+        <p:spPr/>
+        <p:txBody>
+          <a:bodyPr/>
+          <a:lstStyle/>
+          <a:p>
+            <a:endParaRPr lang="en-US"/>
+          </a:p>
+        </p:txBody>
+      </p:sp>
+      <p:sp>
+        <p:nvSpPr>
+          <p:cNvPr id="7" name="Slide Number Placeholder 6"/>
+          <p:cNvSpPr>
+            <a:spLocks noGrp="1"/>
+          </p:cNvSpPr>
+          <p:nvPr>
+            <p:ph type="sldNum" sz="quarter" idx="12"/>
+          </p:nvPr>
+        </p:nvSpPr>
+        <p:spPr/>
+        <p:txBody>
+          <a:bodyPr/>
+          <a:lstStyle/>
+          <a:p>
+            <a:fld id="{78BE1E4A-1CC7-4EDF-98B4-9F35198FDD3D}" type="slidenum">
+              <a:rPr lang="en-US" smtClean="0"/>
+              <a:t>‹#›</a:t>
+            </a:fld>
+            <a:endParaRPr lang="en-US"/>
+          </a:p>
+        </p:txBody>
+      </p:sp>
+    </p:spTree>
+    <p:extLst>
+      <p:ext uri="{BB962C8B-B14F-4D97-AF65-F5344CB8AC3E}">
+        <p14:creationId xmlns:p14="http://schemas.microsoft.com/office/powerpoint/2010/main" val="1972861775"/>
+      </p:ext>
+    </p:extLst>
+  </p:cSld>
+  <p:clrMapOvr>
+    <a:masterClrMapping/>
+  </p:clrMapOvr>
+</p:sldLayout>
+</file>
+
+<file path=ppt/slideLayouts/slideLayout11.xml><?xml version="1.0" encoding="utf-8"?>
+<p:sldLayout xmlns:a="http://schemas.openxmlformats.org/drawingml/2006/main" xmlns:r="http://schemas.openxmlformats.org/officeDocument/2006/relationships" xmlns:p="http://schemas.openxmlformats.org/presentationml/2006/main" preserve="1">
+  <p:cSld name="Title and Caption">
+    <p:spTree>
+      <p:nvGrpSpPr>
+        <p:cNvPr id="1" name=""/>
+        <p:cNvGrpSpPr/>
+        <p:nvPr/>
+      </p:nvGrpSpPr>
+      <p:grpSpPr>
+        <a:xfrm>
+          <a:off x="0" y="0"/>
+          <a:ext cx="0" cy="0"/>
+          <a:chOff x="0" y="0"/>
+          <a:chExt cx="0" cy="0"/>
+        </a:xfrm>
+      </p:grpSpPr>
+      <p:sp>
+        <p:nvSpPr>
+          <p:cNvPr id="2" name="Title 1"/>
+          <p:cNvSpPr>
+            <a:spLocks noGrp="1"/>
+          </p:cNvSpPr>
+          <p:nvPr>
+            <p:ph type="title"/>
+          </p:nvPr>
+        </p:nvSpPr>
+        <p:spPr>
+          <a:xfrm>
+            <a:off x="1113524" y="685800"/>
+            <a:ext cx="7515991" cy="3048000"/>
+          </a:xfrm>
+        </p:spPr>
+        <p:txBody>
+          <a:bodyPr anchor="ctr">
+            <a:normAutofit/>
+          </a:bodyPr>
+          <a:lstStyle>
+            <a:lvl1pPr algn="ctr">
+              <a:defRPr sz="3200" b="0" cap="none"/>
+            </a:lvl1pPr>
+          </a:lstStyle>
+          <a:p>
+            <a:r>
+              <a:rPr lang="en-US"/>
+              <a:t>Click to edit Master title style</a:t>
+            </a:r>
+            <a:endParaRPr lang="en-US" dirty="0"/>
+          </a:p>
+        </p:txBody>
+      </p:sp>
+      <p:sp>
+        <p:nvSpPr>
+          <p:cNvPr id="3" name="Text Placeholder 2"/>
+          <p:cNvSpPr>
+            <a:spLocks noGrp="1"/>
+          </p:cNvSpPr>
+          <p:nvPr>
+            <p:ph type="body" idx="1"/>
+          </p:nvPr>
+        </p:nvSpPr>
+        <p:spPr>
+          <a:xfrm>
+            <a:off x="1113524" y="4343400"/>
+            <a:ext cx="7515992" cy="1447800"/>
+          </a:xfrm>
+        </p:spPr>
+        <p:txBody>
+          <a:bodyPr anchor="ctr">
+            <a:normAutofit/>
+          </a:bodyPr>
+          <a:lstStyle>
+            <a:lvl1pPr marL="0" indent="0" algn="ctr">
+              <a:buNone/>
+              <a:defRPr sz="2000">
+                <a:solidFill>
+                  <a:schemeClr val="tx1"/>
+                </a:solidFill>
+              </a:defRPr>
+            </a:lvl1pPr>
+            <a:lvl2pPr marL="457200" indent="0">
+              <a:buNone/>
+              <a:defRPr sz="1800">
+                <a:solidFill>
+                  <a:schemeClr val="tx1">
+                    <a:tint val="75000"/>
+                  </a:schemeClr>
+                </a:solidFill>
+              </a:defRPr>
+            </a:lvl2pPr>
+            <a:lvl3pPr marL="914400" indent="0">
+              <a:buNone/>
+              <a:defRPr sz="1600">
+                <a:solidFill>
+                  <a:schemeClr val="tx1">
+                    <a:tint val="75000"/>
+                  </a:schemeClr>
+                </a:solidFill>
+              </a:defRPr>
+            </a:lvl3pPr>
+            <a:lvl4pPr marL="1371600" indent="0">
+              <a:buNone/>
+              <a:defRPr sz="1400">
+                <a:solidFill>
+                  <a:schemeClr val="tx1">
+                    <a:tint val="75000"/>
+                  </a:schemeClr>
+                </a:solidFill>
+              </a:defRPr>
+            </a:lvl4pPr>
+            <a:lvl5pPr marL="1828800" indent="0">
+              <a:buNone/>
+              <a:defRPr sz="1400">
+                <a:solidFill>
+                  <a:schemeClr val="tx1">
+                    <a:tint val="75000"/>
+                  </a:schemeClr>
+                </a:solidFill>
+              </a:defRPr>
+            </a:lvl5pPr>
+            <a:lvl6pPr marL="2286000" indent="0">
+              <a:buNone/>
+              <a:defRPr sz="1400">
+                <a:solidFill>
+                  <a:schemeClr val="tx1">
+                    <a:tint val="75000"/>
+                  </a:schemeClr>
+                </a:solidFill>
+              </a:defRPr>
+            </a:lvl6pPr>
+            <a:lvl7pPr marL="2743200" indent="0">
+              <a:buNone/>
+              <a:defRPr sz="1400">
+                <a:solidFill>
+                  <a:schemeClr val="tx1">
+                    <a:tint val="75000"/>
+                  </a:schemeClr>
+                </a:solidFill>
+              </a:defRPr>
+            </a:lvl7pPr>
+            <a:lvl8pPr marL="3200400" indent="0">
+              <a:buNone/>
+              <a:defRPr sz="1400">
+                <a:solidFill>
+                  <a:schemeClr val="tx1">
+                    <a:tint val="75000"/>
+                  </a:schemeClr>
+                </a:solidFill>
+              </a:defRPr>
+            </a:lvl8pPr>
+            <a:lvl9pPr marL="3657600" indent="0">
+              <a:buNone/>
+              <a:defRPr sz="1400">
+                <a:solidFill>
+                  <a:schemeClr val="tx1">
+                    <a:tint val="75000"/>
+                  </a:schemeClr>
+                </a:solidFill>
+              </a:defRPr>
+            </a:lvl9pPr>
+          </a:lstStyle>
+          <a:p>
+            <a:pPr lvl="0"/>
+            <a:r>
+              <a:rPr lang="en-US"/>
+              <a:t>Edit Master text styles</a:t>
+            </a:r>
+          </a:p>
+        </p:txBody>
+      </p:sp>
+      <p:sp>
+        <p:nvSpPr>
+          <p:cNvPr id="4" name="Date Placeholder 3"/>
+          <p:cNvSpPr>
+            <a:spLocks noGrp="1"/>
+          </p:cNvSpPr>
+          <p:nvPr>
+            <p:ph type="dt" sz="half" idx="10"/>
+          </p:nvPr>
+        </p:nvSpPr>
+        <p:spPr/>
+        <p:txBody>
+          <a:bodyPr/>
+          <a:lstStyle/>
+          <a:p>
+            <a:fld id="{F28143BE-8687-4D26-9AAF-8C4268D8E83E}" type="datetimeFigureOut">
+              <a:rPr lang="en-US" smtClean="0"/>
+              <a:t>06-Mar-18</a:t>
+            </a:fld>
+            <a:endParaRPr lang="en-US"/>
+          </a:p>
+        </p:txBody>
+      </p:sp>
+      <p:sp>
+        <p:nvSpPr>
+          <p:cNvPr id="5" name="Footer Placeholder 4"/>
+          <p:cNvSpPr>
+            <a:spLocks noGrp="1"/>
+          </p:cNvSpPr>
+          <p:nvPr>
+            <p:ph type="ftr" sz="quarter" idx="11"/>
+          </p:nvPr>
+        </p:nvSpPr>
+        <p:spPr/>
+        <p:txBody>
+          <a:bodyPr/>
+          <a:lstStyle/>
+          <a:p>
+            <a:endParaRPr lang="en-US"/>
+          </a:p>
+        </p:txBody>
+      </p:sp>
+      <p:sp>
+        <p:nvSpPr>
+          <p:cNvPr id="6" name="Slide Number Placeholder 5"/>
+          <p:cNvSpPr>
+            <a:spLocks noGrp="1"/>
+          </p:cNvSpPr>
+          <p:nvPr>
+            <p:ph type="sldNum" sz="quarter" idx="12"/>
+          </p:nvPr>
+        </p:nvSpPr>
+        <p:spPr/>
+        <p:txBody>
+          <a:bodyPr/>
+          <a:lstStyle/>
+          <a:p>
+            <a:fld id="{78BE1E4A-1CC7-4EDF-98B4-9F35198FDD3D}" type="slidenum">
+              <a:rPr lang="en-US" smtClean="0"/>
+              <a:t>‹#›</a:t>
+            </a:fld>
+            <a:endParaRPr lang="en-US"/>
+          </a:p>
+        </p:txBody>
+      </p:sp>
+    </p:spTree>
+    <p:extLst>
+      <p:ext uri="{BB962C8B-B14F-4D97-AF65-F5344CB8AC3E}">
+        <p14:creationId xmlns:p14="http://schemas.microsoft.com/office/powerpoint/2010/main" val="2057229503"/>
+      </p:ext>
+    </p:extLst>
+  </p:cSld>
+  <p:clrMapOvr>
+    <a:masterClrMapping/>
+  </p:clrMapOvr>
+</p:sldLayout>
+</file>
+
+<file path=ppt/slideLayouts/slideLayout12.xml><?xml version="1.0" encoding="utf-8"?>
+<p:sldLayout xmlns:a="http://schemas.openxmlformats.org/drawingml/2006/main" xmlns:r="http://schemas.openxmlformats.org/officeDocument/2006/relationships" xmlns:p="http://schemas.openxmlformats.org/presentationml/2006/main" preserve="1">
+  <p:cSld name="Quote with Caption">
+    <p:spTree>
+      <p:nvGrpSpPr>
+        <p:cNvPr id="1" name=""/>
+        <p:cNvGrpSpPr/>
+        <p:nvPr/>
+      </p:nvGrpSpPr>
+      <p:grpSpPr>
+        <a:xfrm>
+          <a:off x="0" y="0"/>
+          <a:ext cx="0" cy="0"/>
+          <a:chOff x="0" y="0"/>
+          <a:chExt cx="0" cy="0"/>
+        </a:xfrm>
+      </p:grpSpPr>
+      <p:sp>
+        <p:nvSpPr>
+          <p:cNvPr id="14" name="TextBox 13"/>
+          <p:cNvSpPr txBox="1"/>
+          <p:nvPr/>
+        </p:nvSpPr>
+        <p:spPr>
+          <a:xfrm>
+            <a:off x="969421" y="863023"/>
+            <a:ext cx="457319" cy="584776"/>
+          </a:xfrm>
+          <a:prstGeom prst="rect">
+            <a:avLst/>
+          </a:prstGeom>
+        </p:spPr>
+        <p:txBody>
+          <a:bodyPr vert="horz" lIns="91440" tIns="45720" rIns="91440" bIns="45720" rtlCol="0" anchor="ctr">
+            <a:noAutofit/>
+          </a:bodyPr>
+          <a:lstStyle>
+            <a:lvl1pPr>
+              <a:spcBef>
+                <a:spcPct val="0"/>
+              </a:spcBef>
+              <a:buNone/>
+              <a:defRPr sz="3200" b="0" cap="all">
+                <a:ln w="3175" cmpd="sng">
+                  <a:noFill/>
+                </a:ln>
+                <a:effectLst>
+                  <a:glow rad="38100">
+                    <a:schemeClr val="bg1">
+                      <a:lumMod val="65000"/>
+                      <a:lumOff val="35000"/>
+                      <a:alpha val="40000"/>
+                    </a:schemeClr>
+                  </a:glow>
+                  <a:outerShdw blurRad="28575" dist="38100" dir="14040000" algn="tl" rotWithShape="0">
+                    <a:srgbClr val="000000">
+                      <a:alpha val="25000"/>
+                    </a:srgbClr>
+                  </a:outerShdw>
+                </a:effectLst>
+              </a:defRPr>
+            </a:lvl1pPr>
+            <a:lvl2pPr>
+              <a:defRPr>
+                <a:solidFill>
+                  <a:schemeClr val="tx2"/>
+                </a:solidFill>
+              </a:defRPr>
+            </a:lvl2pPr>
+            <a:lvl3pPr>
+              <a:defRPr>
+                <a:solidFill>
+                  <a:schemeClr val="tx2"/>
+                </a:solidFill>
+              </a:defRPr>
+            </a:lvl3pPr>
+            <a:lvl4pPr>
+              <a:defRPr>
+                <a:solidFill>
+                  <a:schemeClr val="tx2"/>
+                </a:solidFill>
+              </a:defRPr>
+            </a:lvl4pPr>
+            <a:lvl5pPr>
+              <a:defRPr>
+                <a:solidFill>
+                  <a:schemeClr val="tx2"/>
+                </a:solidFill>
+              </a:defRPr>
+            </a:lvl5pPr>
+            <a:lvl6pPr>
+              <a:defRPr>
+                <a:solidFill>
+                  <a:schemeClr val="tx2"/>
+                </a:solidFill>
+              </a:defRPr>
+            </a:lvl6pPr>
+            <a:lvl7pPr>
+              <a:defRPr>
+                <a:solidFill>
+                  <a:schemeClr val="tx2"/>
+                </a:solidFill>
+              </a:defRPr>
+            </a:lvl7pPr>
+            <a:lvl8pPr>
+              <a:defRPr>
+                <a:solidFill>
+                  <a:schemeClr val="tx2"/>
+                </a:solidFill>
+              </a:defRPr>
+            </a:lvl8pPr>
+            <a:lvl9pPr>
+              <a:defRPr>
+                <a:solidFill>
+                  <a:schemeClr val="tx2"/>
+                </a:solidFill>
+              </a:defRPr>
+            </a:lvl9pPr>
+          </a:lstStyle>
+          <a:p>
+            <a:pPr lvl="0"/>
+            <a:r>
+              <a:rPr lang="en-US" sz="8000" dirty="0">
+                <a:solidFill>
+                  <a:schemeClr val="tx1"/>
+                </a:solidFill>
+                <a:effectLst/>
+              </a:rPr>
+              <a:t>“</a:t>
+            </a:r>
+          </a:p>
+        </p:txBody>
+      </p:sp>
+      <p:sp>
+        <p:nvSpPr>
+          <p:cNvPr id="15" name="TextBox 14"/>
+          <p:cNvSpPr txBox="1"/>
+          <p:nvPr/>
+        </p:nvSpPr>
+        <p:spPr>
+          <a:xfrm>
+            <a:off x="8172197" y="2819399"/>
+            <a:ext cx="457319" cy="584776"/>
+          </a:xfrm>
+          <a:prstGeom prst="rect">
+            <a:avLst/>
+          </a:prstGeom>
+        </p:spPr>
+        <p:txBody>
+          <a:bodyPr vert="horz" lIns="91440" tIns="45720" rIns="91440" bIns="45720" rtlCol="0" anchor="ctr">
+            <a:noAutofit/>
+          </a:bodyPr>
+          <a:lstStyle>
+            <a:lvl1pPr>
+              <a:spcBef>
+                <a:spcPct val="0"/>
+              </a:spcBef>
+              <a:buNone/>
+              <a:defRPr sz="3200" b="0" cap="all">
+                <a:ln w="3175" cmpd="sng">
+                  <a:noFill/>
+                </a:ln>
+                <a:effectLst>
+                  <a:glow rad="38100">
+                    <a:schemeClr val="bg1">
+                      <a:lumMod val="65000"/>
+                      <a:lumOff val="35000"/>
+                      <a:alpha val="40000"/>
+                    </a:schemeClr>
+                  </a:glow>
+                  <a:outerShdw blurRad="28575" dist="38100" dir="14040000" algn="tl" rotWithShape="0">
+                    <a:srgbClr val="000000">
+                      <a:alpha val="25000"/>
+                    </a:srgbClr>
+                  </a:outerShdw>
+                </a:effectLst>
+              </a:defRPr>
+            </a:lvl1pPr>
+            <a:lvl2pPr>
+              <a:defRPr>
+                <a:solidFill>
+                  <a:schemeClr val="tx2"/>
+                </a:solidFill>
+              </a:defRPr>
+            </a:lvl2pPr>
+            <a:lvl3pPr>
+              <a:defRPr>
+                <a:solidFill>
+                  <a:schemeClr val="tx2"/>
+                </a:solidFill>
+              </a:defRPr>
+            </a:lvl3pPr>
+            <a:lvl4pPr>
+              <a:defRPr>
+                <a:solidFill>
+                  <a:schemeClr val="tx2"/>
+                </a:solidFill>
+              </a:defRPr>
+            </a:lvl4pPr>
+            <a:lvl5pPr>
+              <a:defRPr>
+                <a:solidFill>
+                  <a:schemeClr val="tx2"/>
+                </a:solidFill>
+              </a:defRPr>
+            </a:lvl5pPr>
+            <a:lvl6pPr>
+              <a:defRPr>
+                <a:solidFill>
+                  <a:schemeClr val="tx2"/>
+                </a:solidFill>
+              </a:defRPr>
+            </a:lvl6pPr>
+            <a:lvl7pPr>
+              <a:defRPr>
+                <a:solidFill>
+                  <a:schemeClr val="tx2"/>
+                </a:solidFill>
+              </a:defRPr>
+            </a:lvl7pPr>
+            <a:lvl8pPr>
+              <a:defRPr>
+                <a:solidFill>
+                  <a:schemeClr val="tx2"/>
+                </a:solidFill>
+              </a:defRPr>
+            </a:lvl8pPr>
+            <a:lvl9pPr>
+              <a:defRPr>
+                <a:solidFill>
+                  <a:schemeClr val="tx2"/>
+                </a:solidFill>
+              </a:defRPr>
+            </a:lvl9pPr>
+          </a:lstStyle>
+          <a:p>
+            <a:pPr lvl="0" algn="r"/>
+            <a:r>
+              <a:rPr lang="en-US" sz="8000" dirty="0">
+                <a:solidFill>
+                  <a:schemeClr val="tx1"/>
+                </a:solidFill>
+                <a:effectLst/>
+              </a:rPr>
+              <a:t>”</a:t>
+            </a:r>
+          </a:p>
+        </p:txBody>
+      </p:sp>
+      <p:sp>
+        <p:nvSpPr>
+          <p:cNvPr id="2" name="Title 1"/>
+          <p:cNvSpPr>
+            <a:spLocks noGrp="1"/>
+          </p:cNvSpPr>
+          <p:nvPr>
+            <p:ph type="title"/>
+          </p:nvPr>
+        </p:nvSpPr>
+        <p:spPr>
+          <a:xfrm>
+            <a:off x="1426741" y="685801"/>
+            <a:ext cx="6974115" cy="2743199"/>
+          </a:xfrm>
+        </p:spPr>
+        <p:txBody>
+          <a:bodyPr anchor="ctr">
+            <a:normAutofit/>
+          </a:bodyPr>
+          <a:lstStyle>
+            <a:lvl1pPr algn="ctr">
+              <a:defRPr sz="3200" b="0" cap="none">
+                <a:solidFill>
+                  <a:schemeClr val="tx1"/>
+                </a:solidFill>
+              </a:defRPr>
+            </a:lvl1pPr>
+          </a:lstStyle>
+          <a:p>
+            <a:r>
+              <a:rPr lang="en-US"/>
+              <a:t>Click to edit Master title style</a:t>
+            </a:r>
+            <a:endParaRPr lang="en-US" dirty="0"/>
+          </a:p>
+        </p:txBody>
+      </p:sp>
+      <p:sp>
+        <p:nvSpPr>
+          <p:cNvPr id="10" name="Text Placeholder 9"/>
+          <p:cNvSpPr>
+            <a:spLocks noGrp="1"/>
+          </p:cNvSpPr>
+          <p:nvPr>
+            <p:ph type="body" sz="quarter" idx="13"/>
+          </p:nvPr>
+        </p:nvSpPr>
+        <p:spPr>
+          <a:xfrm>
+            <a:off x="1598235" y="3428999"/>
+            <a:ext cx="6631128" cy="381000"/>
+          </a:xfrm>
+        </p:spPr>
+        <p:txBody>
+          <a:bodyPr anchor="ctr">
+            <a:normAutofit/>
+          </a:bodyPr>
+          <a:lstStyle>
+            <a:lvl1pPr marL="0" indent="0">
+              <a:buFontTx/>
+              <a:buNone/>
+              <a:defRPr sz="1800"/>
+            </a:lvl1pPr>
+            <a:lvl2pPr marL="457200" indent="0">
+              <a:buFontTx/>
+              <a:buNone/>
+              <a:defRPr/>
+            </a:lvl2pPr>
+            <a:lvl3pPr marL="914400" indent="0">
+              <a:buFontTx/>
+              <a:buNone/>
+              <a:defRPr/>
+            </a:lvl3pPr>
+            <a:lvl4pPr marL="1371600" indent="0">
+              <a:buFontTx/>
+              <a:buNone/>
+              <a:defRPr/>
+            </a:lvl4pPr>
+            <a:lvl5pPr marL="1828800" indent="0">
+              <a:buFontTx/>
+              <a:buNone/>
+              <a:defRPr/>
+            </a:lvl5pPr>
+          </a:lstStyle>
+          <a:p>
+            <a:pPr lvl="0"/>
+            <a:r>
+              <a:rPr lang="en-US"/>
+              <a:t>Edit Master text styles</a:t>
+            </a:r>
+          </a:p>
+        </p:txBody>
+      </p:sp>
+      <p:sp>
+        <p:nvSpPr>
+          <p:cNvPr id="3" name="Text Placeholder 2"/>
+          <p:cNvSpPr>
+            <a:spLocks noGrp="1"/>
+          </p:cNvSpPr>
+          <p:nvPr>
+            <p:ph type="body" idx="1"/>
+          </p:nvPr>
+        </p:nvSpPr>
+        <p:spPr>
+          <a:xfrm>
+            <a:off x="1113523" y="4343400"/>
+            <a:ext cx="7515991" cy="1447800"/>
+          </a:xfrm>
+        </p:spPr>
+        <p:txBody>
+          <a:bodyPr anchor="ctr">
+            <a:normAutofit/>
+          </a:bodyPr>
+          <a:lstStyle>
+            <a:lvl1pPr marL="0" indent="0" algn="ctr">
+              <a:buNone/>
+              <a:defRPr sz="2000">
+                <a:solidFill>
+                  <a:schemeClr val="tx1"/>
+                </a:solidFill>
+              </a:defRPr>
+            </a:lvl1pPr>
+            <a:lvl2pPr marL="457200" indent="0">
+              <a:buNone/>
+              <a:defRPr sz="1800">
+                <a:solidFill>
+                  <a:schemeClr val="tx1">
+                    <a:tint val="75000"/>
+                  </a:schemeClr>
+                </a:solidFill>
+              </a:defRPr>
+            </a:lvl2pPr>
+            <a:lvl3pPr marL="914400" indent="0">
+              <a:buNone/>
+              <a:defRPr sz="1600">
+                <a:solidFill>
+                  <a:schemeClr val="tx1">
+                    <a:tint val="75000"/>
+                  </a:schemeClr>
+                </a:solidFill>
+              </a:defRPr>
+            </a:lvl3pPr>
+            <a:lvl4pPr marL="1371600" indent="0">
+              <a:buNone/>
+              <a:defRPr sz="1400">
+                <a:solidFill>
+                  <a:schemeClr val="tx1">
+                    <a:tint val="75000"/>
+                  </a:schemeClr>
+                </a:solidFill>
+              </a:defRPr>
+            </a:lvl4pPr>
+            <a:lvl5pPr marL="1828800" indent="0">
+              <a:buNone/>
+              <a:defRPr sz="1400">
+                <a:solidFill>
+                  <a:schemeClr val="tx1">
+                    <a:tint val="75000"/>
+                  </a:schemeClr>
+                </a:solidFill>
+              </a:defRPr>
+            </a:lvl5pPr>
+            <a:lvl6pPr marL="2286000" indent="0">
+              <a:buNone/>
+              <a:defRPr sz="1400">
+                <a:solidFill>
+                  <a:schemeClr val="tx1">
+                    <a:tint val="75000"/>
+                  </a:schemeClr>
+                </a:solidFill>
+              </a:defRPr>
+            </a:lvl6pPr>
+            <a:lvl7pPr marL="2743200" indent="0">
+              <a:buNone/>
+              <a:defRPr sz="1400">
+                <a:solidFill>
+                  <a:schemeClr val="tx1">
+                    <a:tint val="75000"/>
+                  </a:schemeClr>
+                </a:solidFill>
+              </a:defRPr>
+            </a:lvl7pPr>
+            <a:lvl8pPr marL="3200400" indent="0">
+              <a:buNone/>
+              <a:defRPr sz="1400">
+                <a:solidFill>
+                  <a:schemeClr val="tx1">
+                    <a:tint val="75000"/>
+                  </a:schemeClr>
+                </a:solidFill>
+              </a:defRPr>
+            </a:lvl8pPr>
+            <a:lvl9pPr marL="3657600" indent="0">
+              <a:buNone/>
+              <a:defRPr sz="1400">
+                <a:solidFill>
+                  <a:schemeClr val="tx1">
+                    <a:tint val="75000"/>
+                  </a:schemeClr>
+                </a:solidFill>
+              </a:defRPr>
+            </a:lvl9pPr>
+          </a:lstStyle>
+          <a:p>
+            <a:pPr lvl="0"/>
+            <a:r>
+              <a:rPr lang="en-US"/>
+              <a:t>Edit Master text styles</a:t>
+            </a:r>
+          </a:p>
+        </p:txBody>
+      </p:sp>
+      <p:sp>
+        <p:nvSpPr>
+          <p:cNvPr id="4" name="Date Placeholder 3"/>
+          <p:cNvSpPr>
+            <a:spLocks noGrp="1"/>
+          </p:cNvSpPr>
+          <p:nvPr>
+            <p:ph type="dt" sz="half" idx="10"/>
+          </p:nvPr>
+        </p:nvSpPr>
+        <p:spPr/>
+        <p:txBody>
+          <a:bodyPr/>
+          <a:lstStyle/>
+          <a:p>
+            <a:fld id="{F28143BE-8687-4D26-9AAF-8C4268D8E83E}" type="datetimeFigureOut">
+              <a:rPr lang="en-US" smtClean="0"/>
+              <a:t>06-Mar-18</a:t>
+            </a:fld>
+            <a:endParaRPr lang="en-US"/>
+          </a:p>
+        </p:txBody>
+      </p:sp>
+      <p:sp>
+        <p:nvSpPr>
+          <p:cNvPr id="5" name="Footer Placeholder 4"/>
+          <p:cNvSpPr>
+            <a:spLocks noGrp="1"/>
+          </p:cNvSpPr>
+          <p:nvPr>
+            <p:ph type="ftr" sz="quarter" idx="11"/>
+          </p:nvPr>
+        </p:nvSpPr>
+        <p:spPr/>
+        <p:txBody>
+          <a:bodyPr/>
+          <a:lstStyle/>
+          <a:p>
+            <a:endParaRPr lang="en-US"/>
+          </a:p>
+        </p:txBody>
+      </p:sp>
+      <p:sp>
+        <p:nvSpPr>
+          <p:cNvPr id="6" name="Slide Number Placeholder 5"/>
+          <p:cNvSpPr>
+            <a:spLocks noGrp="1"/>
+          </p:cNvSpPr>
+          <p:nvPr>
+            <p:ph type="sldNum" sz="quarter" idx="12"/>
+          </p:nvPr>
+        </p:nvSpPr>
+        <p:spPr/>
+        <p:txBody>
+          <a:bodyPr/>
+          <a:lstStyle/>
+          <a:p>
+            <a:fld id="{78BE1E4A-1CC7-4EDF-98B4-9F35198FDD3D}" type="slidenum">
+              <a:rPr lang="en-US" smtClean="0"/>
+              <a:t>‹#›</a:t>
+            </a:fld>
+            <a:endParaRPr lang="en-US"/>
+          </a:p>
+        </p:txBody>
+      </p:sp>
+    </p:spTree>
+    <p:extLst>
+      <p:ext uri="{BB962C8B-B14F-4D97-AF65-F5344CB8AC3E}">
+        <p14:creationId xmlns:p14="http://schemas.microsoft.com/office/powerpoint/2010/main" val="3048771729"/>
+      </p:ext>
+    </p:extLst>
+  </p:cSld>
+  <p:clrMapOvr>
+    <a:masterClrMapping/>
+  </p:clrMapOvr>
+</p:sldLayout>
+</file>
+
+<file path=ppt/slideLayouts/slideLayout13.xml><?xml version="1.0" encoding="utf-8"?>
+<p:sldLayout xmlns:a="http://schemas.openxmlformats.org/drawingml/2006/main" xmlns:r="http://schemas.openxmlformats.org/officeDocument/2006/relationships" xmlns:p="http://schemas.openxmlformats.org/presentationml/2006/main" preserve="1">
+  <p:cSld name="Name Card">
+    <p:spTree>
+      <p:nvGrpSpPr>
+        <p:cNvPr id="1" name=""/>
+        <p:cNvGrpSpPr/>
+        <p:nvPr/>
+      </p:nvGrpSpPr>
+      <p:grpSpPr>
+        <a:xfrm>
+          <a:off x="0" y="0"/>
+          <a:ext cx="0" cy="0"/>
+          <a:chOff x="0" y="0"/>
+          <a:chExt cx="0" cy="0"/>
+        </a:xfrm>
+      </p:grpSpPr>
+      <p:sp>
+        <p:nvSpPr>
+          <p:cNvPr id="2" name="Title 1"/>
+          <p:cNvSpPr>
+            <a:spLocks noGrp="1"/>
+          </p:cNvSpPr>
+          <p:nvPr>
+            <p:ph type="title"/>
+          </p:nvPr>
+        </p:nvSpPr>
+        <p:spPr>
+          <a:xfrm>
+            <a:off x="1113525" y="3308581"/>
+            <a:ext cx="7515989" cy="1468800"/>
+          </a:xfrm>
+        </p:spPr>
+        <p:txBody>
+          <a:bodyPr anchor="b">
+            <a:normAutofit/>
+          </a:bodyPr>
+          <a:lstStyle>
+            <a:lvl1pPr algn="r">
+              <a:defRPr sz="3200" b="0" cap="none"/>
+            </a:lvl1pPr>
+          </a:lstStyle>
+          <a:p>
+            <a:r>
+              <a:rPr lang="en-US"/>
+              <a:t>Click to edit Master title style</a:t>
+            </a:r>
+            <a:endParaRPr lang="en-US" dirty="0"/>
+          </a:p>
+        </p:txBody>
+      </p:sp>
+      <p:sp>
+        <p:nvSpPr>
+          <p:cNvPr id="3" name="Text Placeholder 2"/>
+          <p:cNvSpPr>
+            <a:spLocks noGrp="1"/>
+          </p:cNvSpPr>
+          <p:nvPr>
+            <p:ph type="body" idx="1"/>
+          </p:nvPr>
+        </p:nvSpPr>
+        <p:spPr>
+          <a:xfrm>
+            <a:off x="1113524" y="4777381"/>
+            <a:ext cx="7515990" cy="860400"/>
+          </a:xfrm>
+        </p:spPr>
+        <p:txBody>
+          <a:bodyPr anchor="t">
+            <a:normAutofit/>
+          </a:bodyPr>
+          <a:lstStyle>
+            <a:lvl1pPr marL="0" indent="0" algn="r">
+              <a:buNone/>
+              <a:defRPr sz="2000">
+                <a:solidFill>
+                  <a:schemeClr val="tx1"/>
+                </a:solidFill>
+              </a:defRPr>
+            </a:lvl1pPr>
+            <a:lvl2pPr marL="457200" indent="0">
+              <a:buNone/>
+              <a:defRPr sz="1800">
+                <a:solidFill>
+                  <a:schemeClr val="tx1">
+                    <a:tint val="75000"/>
+                  </a:schemeClr>
+                </a:solidFill>
+              </a:defRPr>
+            </a:lvl2pPr>
+            <a:lvl3pPr marL="914400" indent="0">
+              <a:buNone/>
+              <a:defRPr sz="1600">
+                <a:solidFill>
+                  <a:schemeClr val="tx1">
+                    <a:tint val="75000"/>
+                  </a:schemeClr>
+                </a:solidFill>
+              </a:defRPr>
+            </a:lvl3pPr>
+            <a:lvl4pPr marL="1371600" indent="0">
+              <a:buNone/>
+              <a:defRPr sz="1400">
+                <a:solidFill>
+                  <a:schemeClr val="tx1">
+                    <a:tint val="75000"/>
+                  </a:schemeClr>
+                </a:solidFill>
+              </a:defRPr>
+            </a:lvl4pPr>
+            <a:lvl5pPr marL="1828800" indent="0">
+              <a:buNone/>
+              <a:defRPr sz="1400">
+                <a:solidFill>
+                  <a:schemeClr val="tx1">
+                    <a:tint val="75000"/>
+                  </a:schemeClr>
+                </a:solidFill>
+              </a:defRPr>
+            </a:lvl5pPr>
+            <a:lvl6pPr marL="2286000" indent="0">
+              <a:buNone/>
+              <a:defRPr sz="1400">
+                <a:solidFill>
+                  <a:schemeClr val="tx1">
+                    <a:tint val="75000"/>
+                  </a:schemeClr>
+                </a:solidFill>
+              </a:defRPr>
+            </a:lvl6pPr>
+            <a:lvl7pPr marL="2743200" indent="0">
+              <a:buNone/>
+              <a:defRPr sz="1400">
+                <a:solidFill>
+                  <a:schemeClr val="tx1">
+                    <a:tint val="75000"/>
+                  </a:schemeClr>
+                </a:solidFill>
+              </a:defRPr>
+            </a:lvl7pPr>
+            <a:lvl8pPr marL="3200400" indent="0">
+              <a:buNone/>
+              <a:defRPr sz="1400">
+                <a:solidFill>
+                  <a:schemeClr val="tx1">
+                    <a:tint val="75000"/>
+                  </a:schemeClr>
+                </a:solidFill>
+              </a:defRPr>
+            </a:lvl8pPr>
+            <a:lvl9pPr marL="3657600" indent="0">
+              <a:buNone/>
+              <a:defRPr sz="1400">
+                <a:solidFill>
+                  <a:schemeClr val="tx1">
+                    <a:tint val="75000"/>
+                  </a:schemeClr>
+                </a:solidFill>
+              </a:defRPr>
+            </a:lvl9pPr>
+          </a:lstStyle>
+          <a:p>
+            <a:pPr lvl="0"/>
+            <a:r>
+              <a:rPr lang="en-US"/>
+              <a:t>Edit Master text styles</a:t>
+            </a:r>
+          </a:p>
+        </p:txBody>
+      </p:sp>
+      <p:sp>
+        <p:nvSpPr>
+          <p:cNvPr id="4" name="Date Placeholder 3"/>
+          <p:cNvSpPr>
+            <a:spLocks noGrp="1"/>
+          </p:cNvSpPr>
+          <p:nvPr>
+            <p:ph type="dt" sz="half" idx="10"/>
+          </p:nvPr>
+        </p:nvSpPr>
+        <p:spPr/>
+        <p:txBody>
+          <a:bodyPr/>
+          <a:lstStyle/>
+          <a:p>
+            <a:fld id="{F28143BE-8687-4D26-9AAF-8C4268D8E83E}" type="datetimeFigureOut">
+              <a:rPr lang="en-US" smtClean="0"/>
+              <a:t>06-Mar-18</a:t>
+            </a:fld>
+            <a:endParaRPr lang="en-US"/>
+          </a:p>
+        </p:txBody>
+      </p:sp>
+      <p:sp>
+        <p:nvSpPr>
+          <p:cNvPr id="5" name="Footer Placeholder 4"/>
+          <p:cNvSpPr>
+            <a:spLocks noGrp="1"/>
+          </p:cNvSpPr>
+          <p:nvPr>
+            <p:ph type="ftr" sz="quarter" idx="11"/>
+          </p:nvPr>
+        </p:nvSpPr>
+        <p:spPr/>
+        <p:txBody>
+          <a:bodyPr/>
+          <a:lstStyle/>
+          <a:p>
+            <a:endParaRPr lang="en-US"/>
+          </a:p>
+        </p:txBody>
+      </p:sp>
+      <p:sp>
+        <p:nvSpPr>
+          <p:cNvPr id="6" name="Slide Number Placeholder 5"/>
+          <p:cNvSpPr>
+            <a:spLocks noGrp="1"/>
+          </p:cNvSpPr>
+          <p:nvPr>
+            <p:ph type="sldNum" sz="quarter" idx="12"/>
+          </p:nvPr>
+        </p:nvSpPr>
+        <p:spPr/>
+        <p:txBody>
+          <a:bodyPr/>
+          <a:lstStyle/>
+          <a:p>
+            <a:fld id="{78BE1E4A-1CC7-4EDF-98B4-9F35198FDD3D}" type="slidenum">
+              <a:rPr lang="en-US" smtClean="0"/>
+              <a:t>‹#›</a:t>
+            </a:fld>
+            <a:endParaRPr lang="en-US"/>
+          </a:p>
+        </p:txBody>
+      </p:sp>
+    </p:spTree>
+    <p:extLst>
+      <p:ext uri="{BB962C8B-B14F-4D97-AF65-F5344CB8AC3E}">
+        <p14:creationId xmlns:p14="http://schemas.microsoft.com/office/powerpoint/2010/main" val="1228115751"/>
+      </p:ext>
+    </p:extLst>
+  </p:cSld>
+  <p:clrMapOvr>
+    <a:masterClrMapping/>
+  </p:clrMapOvr>
+</p:sldLayout>
+</file>
+
+<file path=ppt/slideLayouts/slideLayout14.xml><?xml version="1.0" encoding="utf-8"?>
+<p:sldLayout xmlns:a="http://schemas.openxmlformats.org/drawingml/2006/main" xmlns:r="http://schemas.openxmlformats.org/officeDocument/2006/relationships" xmlns:p="http://schemas.openxmlformats.org/presentationml/2006/main" preserve="1">
+  <p:cSld name="Quote Name Card">
+    <p:spTree>
+      <p:nvGrpSpPr>
+        <p:cNvPr id="1" name=""/>
+        <p:cNvGrpSpPr/>
+        <p:nvPr/>
+      </p:nvGrpSpPr>
+      <p:grpSpPr>
+        <a:xfrm>
+          <a:off x="0" y="0"/>
+          <a:ext cx="0" cy="0"/>
+          <a:chOff x="0" y="0"/>
+          <a:chExt cx="0" cy="0"/>
+        </a:xfrm>
+      </p:grpSpPr>
+      <p:sp>
+        <p:nvSpPr>
+          <p:cNvPr id="14" name="TextBox 13"/>
+          <p:cNvSpPr txBox="1"/>
+          <p:nvPr/>
+        </p:nvSpPr>
+        <p:spPr>
+          <a:xfrm>
+            <a:off x="969421" y="863023"/>
+            <a:ext cx="457319" cy="584776"/>
+          </a:xfrm>
+          <a:prstGeom prst="rect">
+            <a:avLst/>
+          </a:prstGeom>
+        </p:spPr>
+        <p:txBody>
+          <a:bodyPr vert="horz" lIns="91440" tIns="45720" rIns="91440" bIns="45720" rtlCol="0" anchor="ctr">
+            <a:noAutofit/>
+          </a:bodyPr>
+          <a:lstStyle>
+            <a:lvl1pPr>
+              <a:spcBef>
+                <a:spcPct val="0"/>
+              </a:spcBef>
+              <a:buNone/>
+              <a:defRPr sz="3200" b="0" cap="all">
+                <a:ln w="3175" cmpd="sng">
+                  <a:noFill/>
+                </a:ln>
+                <a:effectLst>
+                  <a:glow rad="38100">
+                    <a:schemeClr val="bg1">
+                      <a:lumMod val="65000"/>
+                      <a:lumOff val="35000"/>
+                      <a:alpha val="40000"/>
+                    </a:schemeClr>
+                  </a:glow>
+                  <a:outerShdw blurRad="28575" dist="38100" dir="14040000" algn="tl" rotWithShape="0">
+                    <a:srgbClr val="000000">
+                      <a:alpha val="25000"/>
+                    </a:srgbClr>
+                  </a:outerShdw>
+                </a:effectLst>
+              </a:defRPr>
+            </a:lvl1pPr>
+            <a:lvl2pPr>
+              <a:defRPr>
+                <a:solidFill>
+                  <a:schemeClr val="tx2"/>
+                </a:solidFill>
+              </a:defRPr>
+            </a:lvl2pPr>
+            <a:lvl3pPr>
+              <a:defRPr>
+                <a:solidFill>
+                  <a:schemeClr val="tx2"/>
+                </a:solidFill>
+              </a:defRPr>
+            </a:lvl3pPr>
+            <a:lvl4pPr>
+              <a:defRPr>
+                <a:solidFill>
+                  <a:schemeClr val="tx2"/>
+                </a:solidFill>
+              </a:defRPr>
+            </a:lvl4pPr>
+            <a:lvl5pPr>
+              <a:defRPr>
+                <a:solidFill>
+                  <a:schemeClr val="tx2"/>
+                </a:solidFill>
+              </a:defRPr>
+            </a:lvl5pPr>
+            <a:lvl6pPr>
+              <a:defRPr>
+                <a:solidFill>
+                  <a:schemeClr val="tx2"/>
+                </a:solidFill>
+              </a:defRPr>
+            </a:lvl6pPr>
+            <a:lvl7pPr>
+              <a:defRPr>
+                <a:solidFill>
+                  <a:schemeClr val="tx2"/>
+                </a:solidFill>
+              </a:defRPr>
+            </a:lvl7pPr>
+            <a:lvl8pPr>
+              <a:defRPr>
+                <a:solidFill>
+                  <a:schemeClr val="tx2"/>
+                </a:solidFill>
+              </a:defRPr>
+            </a:lvl8pPr>
+            <a:lvl9pPr>
+              <a:defRPr>
+                <a:solidFill>
+                  <a:schemeClr val="tx2"/>
+                </a:solidFill>
+              </a:defRPr>
+            </a:lvl9pPr>
+          </a:lstStyle>
+          <a:p>
+            <a:pPr lvl="0"/>
+            <a:r>
+              <a:rPr lang="en-US" sz="8000" dirty="0">
+                <a:solidFill>
+                  <a:schemeClr val="tx1"/>
+                </a:solidFill>
+                <a:effectLst/>
+              </a:rPr>
+              <a:t>“</a:t>
+            </a:r>
+          </a:p>
+        </p:txBody>
+      </p:sp>
+      <p:sp>
+        <p:nvSpPr>
+          <p:cNvPr id="15" name="TextBox 14"/>
+          <p:cNvSpPr txBox="1"/>
+          <p:nvPr/>
+        </p:nvSpPr>
+        <p:spPr>
+          <a:xfrm>
+            <a:off x="8172197" y="2819399"/>
+            <a:ext cx="457319" cy="584776"/>
+          </a:xfrm>
+          <a:prstGeom prst="rect">
+            <a:avLst/>
+          </a:prstGeom>
+        </p:spPr>
+        <p:txBody>
+          <a:bodyPr vert="horz" lIns="91440" tIns="45720" rIns="91440" bIns="45720" rtlCol="0" anchor="ctr">
+            <a:noAutofit/>
+          </a:bodyPr>
+          <a:lstStyle>
+            <a:lvl1pPr>
+              <a:spcBef>
+                <a:spcPct val="0"/>
+              </a:spcBef>
+              <a:buNone/>
+              <a:defRPr sz="3200" b="0" cap="all">
+                <a:ln w="3175" cmpd="sng">
+                  <a:noFill/>
+                </a:ln>
+                <a:effectLst>
+                  <a:glow rad="38100">
+                    <a:schemeClr val="bg1">
+                      <a:lumMod val="65000"/>
+                      <a:lumOff val="35000"/>
+                      <a:alpha val="40000"/>
+                    </a:schemeClr>
+                  </a:glow>
+                  <a:outerShdw blurRad="28575" dist="38100" dir="14040000" algn="tl" rotWithShape="0">
+                    <a:srgbClr val="000000">
+                      <a:alpha val="25000"/>
+                    </a:srgbClr>
+                  </a:outerShdw>
+                </a:effectLst>
+              </a:defRPr>
+            </a:lvl1pPr>
+            <a:lvl2pPr>
+              <a:defRPr>
+                <a:solidFill>
+                  <a:schemeClr val="tx2"/>
+                </a:solidFill>
+              </a:defRPr>
+            </a:lvl2pPr>
+            <a:lvl3pPr>
+              <a:defRPr>
+                <a:solidFill>
+                  <a:schemeClr val="tx2"/>
+                </a:solidFill>
+              </a:defRPr>
+            </a:lvl3pPr>
+            <a:lvl4pPr>
+              <a:defRPr>
+                <a:solidFill>
+                  <a:schemeClr val="tx2"/>
+                </a:solidFill>
+              </a:defRPr>
+            </a:lvl4pPr>
+            <a:lvl5pPr>
+              <a:defRPr>
+                <a:solidFill>
+                  <a:schemeClr val="tx2"/>
+                </a:solidFill>
+              </a:defRPr>
+            </a:lvl5pPr>
+            <a:lvl6pPr>
+              <a:defRPr>
+                <a:solidFill>
+                  <a:schemeClr val="tx2"/>
+                </a:solidFill>
+              </a:defRPr>
+            </a:lvl6pPr>
+            <a:lvl7pPr>
+              <a:defRPr>
+                <a:solidFill>
+                  <a:schemeClr val="tx2"/>
+                </a:solidFill>
+              </a:defRPr>
+            </a:lvl7pPr>
+            <a:lvl8pPr>
+              <a:defRPr>
+                <a:solidFill>
+                  <a:schemeClr val="tx2"/>
+                </a:solidFill>
+              </a:defRPr>
+            </a:lvl8pPr>
+            <a:lvl9pPr>
+              <a:defRPr>
+                <a:solidFill>
+                  <a:schemeClr val="tx2"/>
+                </a:solidFill>
+              </a:defRPr>
+            </a:lvl9pPr>
+          </a:lstStyle>
+          <a:p>
+            <a:pPr lvl="0" algn="r"/>
+            <a:r>
+              <a:rPr lang="en-US" sz="8000" dirty="0">
+                <a:solidFill>
+                  <a:schemeClr val="tx1"/>
+                </a:solidFill>
+                <a:effectLst/>
+              </a:rPr>
+              <a:t>”</a:t>
+            </a:r>
+          </a:p>
+        </p:txBody>
+      </p:sp>
+      <p:sp>
+        <p:nvSpPr>
+          <p:cNvPr id="2" name="Title 1"/>
+          <p:cNvSpPr>
+            <a:spLocks noGrp="1"/>
+          </p:cNvSpPr>
+          <p:nvPr>
+            <p:ph type="title"/>
+          </p:nvPr>
+        </p:nvSpPr>
+        <p:spPr>
+          <a:xfrm>
+            <a:off x="1426741" y="685801"/>
+            <a:ext cx="6974115" cy="2743199"/>
+          </a:xfrm>
+        </p:spPr>
+        <p:txBody>
+          <a:bodyPr anchor="ctr">
+            <a:normAutofit/>
+          </a:bodyPr>
+          <a:lstStyle>
+            <a:lvl1pPr algn="ctr">
+              <a:defRPr sz="3200" b="0" cap="none">
+                <a:solidFill>
+                  <a:schemeClr val="tx1"/>
+                </a:solidFill>
+              </a:defRPr>
+            </a:lvl1pPr>
+          </a:lstStyle>
+          <a:p>
+            <a:r>
+              <a:rPr lang="en-US"/>
+              <a:t>Click to edit Master title style</a:t>
+            </a:r>
+            <a:endParaRPr lang="en-US" dirty="0"/>
+          </a:p>
+        </p:txBody>
+      </p:sp>
+      <p:sp>
+        <p:nvSpPr>
+          <p:cNvPr id="10" name="Text Placeholder 9"/>
+          <p:cNvSpPr>
+            <a:spLocks noGrp="1"/>
+          </p:cNvSpPr>
+          <p:nvPr>
+            <p:ph type="body" sz="quarter" idx="13"/>
+          </p:nvPr>
+        </p:nvSpPr>
+        <p:spPr>
+          <a:xfrm>
+            <a:off x="1113525" y="3886200"/>
+            <a:ext cx="7515990" cy="889000"/>
+          </a:xfrm>
+        </p:spPr>
+        <p:txBody>
+          <a:bodyPr vert="horz" lIns="91440" tIns="45720" rIns="91440" bIns="45720" rtlCol="0" anchor="b">
+            <a:normAutofit/>
+          </a:bodyPr>
+          <a:lstStyle>
+            <a:lvl1pPr algn="r">
+              <a:buNone/>
+              <a:defRPr lang="en-US" sz="2400" b="0" cap="none" dirty="0">
+                <a:ln w="3175" cmpd="sng">
+                  <a:noFill/>
+                </a:ln>
+                <a:solidFill>
+                  <a:schemeClr val="tx1"/>
+                </a:solidFill>
+                <a:effectLst/>
+              </a:defRPr>
+            </a:lvl1pPr>
+          </a:lstStyle>
+          <a:p>
+            <a:pPr marL="0" lvl="0">
+              <a:spcBef>
+                <a:spcPct val="0"/>
+              </a:spcBef>
+              <a:buNone/>
+            </a:pPr>
+            <a:r>
+              <a:rPr lang="en-US"/>
+              <a:t>Edit Master text styles</a:t>
+            </a:r>
+          </a:p>
+        </p:txBody>
+      </p:sp>
+      <p:sp>
+        <p:nvSpPr>
+          <p:cNvPr id="3" name="Text Placeholder 2"/>
+          <p:cNvSpPr>
+            <a:spLocks noGrp="1"/>
+          </p:cNvSpPr>
+          <p:nvPr>
+            <p:ph type="body" idx="1"/>
+          </p:nvPr>
+        </p:nvSpPr>
+        <p:spPr>
+          <a:xfrm>
+            <a:off x="1113524" y="4775200"/>
+            <a:ext cx="7515990" cy="1016000"/>
+          </a:xfrm>
+        </p:spPr>
+        <p:txBody>
+          <a:bodyPr anchor="t">
+            <a:normAutofit/>
+          </a:bodyPr>
+          <a:lstStyle>
+            <a:lvl1pPr marL="0" indent="0" algn="r">
+              <a:buNone/>
+              <a:defRPr sz="1800">
+                <a:solidFill>
+                  <a:schemeClr val="tx1"/>
+                </a:solidFill>
+              </a:defRPr>
+            </a:lvl1pPr>
+            <a:lvl2pPr marL="457200" indent="0">
+              <a:buNone/>
+              <a:defRPr sz="1800">
+                <a:solidFill>
+                  <a:schemeClr val="tx1">
+                    <a:tint val="75000"/>
+                  </a:schemeClr>
+                </a:solidFill>
+              </a:defRPr>
+            </a:lvl2pPr>
+            <a:lvl3pPr marL="914400" indent="0">
+              <a:buNone/>
+              <a:defRPr sz="1600">
+                <a:solidFill>
+                  <a:schemeClr val="tx1">
+                    <a:tint val="75000"/>
+                  </a:schemeClr>
+                </a:solidFill>
+              </a:defRPr>
+            </a:lvl3pPr>
+            <a:lvl4pPr marL="1371600" indent="0">
+              <a:buNone/>
+              <a:defRPr sz="1400">
+                <a:solidFill>
+                  <a:schemeClr val="tx1">
+                    <a:tint val="75000"/>
+                  </a:schemeClr>
+                </a:solidFill>
+              </a:defRPr>
+            </a:lvl4pPr>
+            <a:lvl5pPr marL="1828800" indent="0">
+              <a:buNone/>
+              <a:defRPr sz="1400">
+                <a:solidFill>
+                  <a:schemeClr val="tx1">
+                    <a:tint val="75000"/>
+                  </a:schemeClr>
+                </a:solidFill>
+              </a:defRPr>
+            </a:lvl5pPr>
+            <a:lvl6pPr marL="2286000" indent="0">
+              <a:buNone/>
+              <a:defRPr sz="1400">
+                <a:solidFill>
+                  <a:schemeClr val="tx1">
+                    <a:tint val="75000"/>
+                  </a:schemeClr>
+                </a:solidFill>
+              </a:defRPr>
+            </a:lvl6pPr>
+            <a:lvl7pPr marL="2743200" indent="0">
+              <a:buNone/>
+              <a:defRPr sz="1400">
+                <a:solidFill>
+                  <a:schemeClr val="tx1">
+                    <a:tint val="75000"/>
+                  </a:schemeClr>
+                </a:solidFill>
+              </a:defRPr>
+            </a:lvl7pPr>
+            <a:lvl8pPr marL="3200400" indent="0">
+              <a:buNone/>
+              <a:defRPr sz="1400">
+                <a:solidFill>
+                  <a:schemeClr val="tx1">
+                    <a:tint val="75000"/>
+                  </a:schemeClr>
+                </a:solidFill>
+              </a:defRPr>
+            </a:lvl8pPr>
+            <a:lvl9pPr marL="3657600" indent="0">
+              <a:buNone/>
+              <a:defRPr sz="1400">
+                <a:solidFill>
+                  <a:schemeClr val="tx1">
+                    <a:tint val="75000"/>
+                  </a:schemeClr>
+                </a:solidFill>
+              </a:defRPr>
+            </a:lvl9pPr>
+          </a:lstStyle>
+          <a:p>
+            <a:pPr lvl="0"/>
+            <a:r>
+              <a:rPr lang="en-US"/>
+              <a:t>Edit Master text styles</a:t>
+            </a:r>
+          </a:p>
+        </p:txBody>
+      </p:sp>
+      <p:sp>
+        <p:nvSpPr>
+          <p:cNvPr id="4" name="Date Placeholder 3"/>
+          <p:cNvSpPr>
+            <a:spLocks noGrp="1"/>
+          </p:cNvSpPr>
+          <p:nvPr>
+            <p:ph type="dt" sz="half" idx="10"/>
+          </p:nvPr>
+        </p:nvSpPr>
+        <p:spPr/>
+        <p:txBody>
+          <a:bodyPr/>
+          <a:lstStyle/>
+          <a:p>
+            <a:fld id="{F28143BE-8687-4D26-9AAF-8C4268D8E83E}" type="datetimeFigureOut">
+              <a:rPr lang="en-US" smtClean="0"/>
+              <a:t>06-Mar-18</a:t>
+            </a:fld>
+            <a:endParaRPr lang="en-US"/>
+          </a:p>
+        </p:txBody>
+      </p:sp>
+      <p:sp>
+        <p:nvSpPr>
+          <p:cNvPr id="5" name="Footer Placeholder 4"/>
+          <p:cNvSpPr>
+            <a:spLocks noGrp="1"/>
+          </p:cNvSpPr>
+          <p:nvPr>
+            <p:ph type="ftr" sz="quarter" idx="11"/>
+          </p:nvPr>
+        </p:nvSpPr>
+        <p:spPr/>
+        <p:txBody>
+          <a:bodyPr/>
+          <a:lstStyle/>
+          <a:p>
+            <a:endParaRPr lang="en-US"/>
+          </a:p>
+        </p:txBody>
+      </p:sp>
+      <p:sp>
+        <p:nvSpPr>
+          <p:cNvPr id="6" name="Slide Number Placeholder 5"/>
+          <p:cNvSpPr>
+            <a:spLocks noGrp="1"/>
+          </p:cNvSpPr>
+          <p:nvPr>
+            <p:ph type="sldNum" sz="quarter" idx="12"/>
+          </p:nvPr>
+        </p:nvSpPr>
+        <p:spPr/>
+        <p:txBody>
+          <a:bodyPr/>
+          <a:lstStyle/>
+          <a:p>
+            <a:fld id="{78BE1E4A-1CC7-4EDF-98B4-9F35198FDD3D}" type="slidenum">
+              <a:rPr lang="en-US" smtClean="0"/>
+              <a:t>‹#›</a:t>
+            </a:fld>
+            <a:endParaRPr lang="en-US"/>
+          </a:p>
+        </p:txBody>
+      </p:sp>
+    </p:spTree>
+    <p:extLst>
+      <p:ext uri="{BB962C8B-B14F-4D97-AF65-F5344CB8AC3E}">
+        <p14:creationId xmlns:p14="http://schemas.microsoft.com/office/powerpoint/2010/main" val="1737761447"/>
+      </p:ext>
+    </p:extLst>
+  </p:cSld>
+  <p:clrMapOvr>
+    <a:masterClrMapping/>
+  </p:clrMapOvr>
+</p:sldLayout>
+</file>
+
+<file path=ppt/slideLayouts/slideLayout15.xml><?xml version="1.0" encoding="utf-8"?>
+<p:sldLayout xmlns:a="http://schemas.openxmlformats.org/drawingml/2006/main" xmlns:r="http://schemas.openxmlformats.org/officeDocument/2006/relationships" xmlns:p="http://schemas.openxmlformats.org/presentationml/2006/main" preserve="1">
+  <p:cSld name="True or False">
+    <p:spTree>
+      <p:nvGrpSpPr>
+        <p:cNvPr id="1" name=""/>
+        <p:cNvGrpSpPr/>
+        <p:nvPr/>
+      </p:nvGrpSpPr>
+      <p:grpSpPr>
+        <a:xfrm>
+          <a:off x="0" y="0"/>
+          <a:ext cx="0" cy="0"/>
+          <a:chOff x="0" y="0"/>
+          <a:chExt cx="0" cy="0"/>
+        </a:xfrm>
+      </p:grpSpPr>
+      <p:sp>
+        <p:nvSpPr>
+          <p:cNvPr id="2" name="Title 1"/>
+          <p:cNvSpPr>
+            <a:spLocks noGrp="1"/>
+          </p:cNvSpPr>
+          <p:nvPr>
+            <p:ph type="title"/>
+          </p:nvPr>
+        </p:nvSpPr>
+        <p:spPr>
+          <a:xfrm>
+            <a:off x="1113525" y="685801"/>
+            <a:ext cx="7515991" cy="2727325"/>
+          </a:xfrm>
+        </p:spPr>
+        <p:txBody>
+          <a:bodyPr vert="horz" lIns="91440" tIns="45720" rIns="91440" bIns="45720" rtlCol="0" anchor="ctr">
+            <a:normAutofit/>
+          </a:bodyPr>
+          <a:lstStyle>
+            <a:lvl1pPr>
+              <a:defRPr lang="en-US" b="0" dirty="0"/>
+            </a:lvl1pPr>
+          </a:lstStyle>
+          <a:p>
+            <a:pPr marL="0" lvl="0"/>
+            <a:r>
+              <a:rPr lang="en-US"/>
+              <a:t>Click to edit Master title style</a:t>
+            </a:r>
+            <a:endParaRPr lang="en-US" dirty="0"/>
+          </a:p>
+        </p:txBody>
+      </p:sp>
+      <p:sp>
+        <p:nvSpPr>
+          <p:cNvPr id="10" name="Text Placeholder 9"/>
+          <p:cNvSpPr>
+            <a:spLocks noGrp="1"/>
+          </p:cNvSpPr>
+          <p:nvPr>
+            <p:ph type="body" sz="quarter" idx="13"/>
+          </p:nvPr>
+        </p:nvSpPr>
+        <p:spPr>
+          <a:xfrm>
+            <a:off x="1113524" y="3505200"/>
+            <a:ext cx="7515992" cy="838200"/>
+          </a:xfrm>
+        </p:spPr>
+        <p:txBody>
+          <a:bodyPr vert="horz" lIns="91440" tIns="45720" rIns="91440" bIns="45720" rtlCol="0" anchor="b">
+            <a:normAutofit/>
+          </a:bodyPr>
+          <a:lstStyle>
+            <a:lvl1pPr>
+              <a:buNone/>
+              <a:defRPr lang="en-US" sz="2800" b="0" cap="none" dirty="0">
+                <a:ln w="3175" cmpd="sng">
+                  <a:noFill/>
+                </a:ln>
+                <a:solidFill>
+                  <a:schemeClr val="tx1"/>
+                </a:solidFill>
+                <a:effectLst/>
+              </a:defRPr>
+            </a:lvl1pPr>
+          </a:lstStyle>
+          <a:p>
+            <a:pPr marL="0" lvl="0">
+              <a:spcBef>
+                <a:spcPct val="0"/>
+              </a:spcBef>
+              <a:buNone/>
+            </a:pPr>
+            <a:r>
+              <a:rPr lang="en-US"/>
+              <a:t>Edit Master text styles</a:t>
+            </a:r>
+          </a:p>
+        </p:txBody>
+      </p:sp>
+      <p:sp>
+        <p:nvSpPr>
+          <p:cNvPr id="3" name="Text Placeholder 2"/>
+          <p:cNvSpPr>
+            <a:spLocks noGrp="1"/>
+          </p:cNvSpPr>
+          <p:nvPr>
+            <p:ph type="body" idx="1"/>
+          </p:nvPr>
+        </p:nvSpPr>
+        <p:spPr>
+          <a:xfrm>
+            <a:off x="1113524" y="4343400"/>
+            <a:ext cx="7515992" cy="1447800"/>
+          </a:xfrm>
+        </p:spPr>
+        <p:txBody>
+          <a:bodyPr anchor="t">
+            <a:normAutofit/>
+          </a:bodyPr>
+          <a:lstStyle>
+            <a:lvl1pPr marL="0" indent="0" algn="l">
+              <a:buNone/>
+              <a:defRPr sz="1800">
+                <a:solidFill>
+                  <a:schemeClr val="tx1"/>
+                </a:solidFill>
+              </a:defRPr>
+            </a:lvl1pPr>
+            <a:lvl2pPr marL="457200" indent="0">
+              <a:buNone/>
+              <a:defRPr sz="1800">
+                <a:solidFill>
+                  <a:schemeClr val="tx1">
+                    <a:tint val="75000"/>
+                  </a:schemeClr>
+                </a:solidFill>
+              </a:defRPr>
+            </a:lvl2pPr>
+            <a:lvl3pPr marL="914400" indent="0">
+              <a:buNone/>
+              <a:defRPr sz="1600">
+                <a:solidFill>
+                  <a:schemeClr val="tx1">
+                    <a:tint val="75000"/>
+                  </a:schemeClr>
+                </a:solidFill>
+              </a:defRPr>
+            </a:lvl3pPr>
+            <a:lvl4pPr marL="1371600" indent="0">
+              <a:buNone/>
+              <a:defRPr sz="1400">
+                <a:solidFill>
+                  <a:schemeClr val="tx1">
+                    <a:tint val="75000"/>
+                  </a:schemeClr>
+                </a:solidFill>
+              </a:defRPr>
+            </a:lvl4pPr>
+            <a:lvl5pPr marL="1828800" indent="0">
+              <a:buNone/>
+              <a:defRPr sz="1400">
+                <a:solidFill>
+                  <a:schemeClr val="tx1">
+                    <a:tint val="75000"/>
+                  </a:schemeClr>
+                </a:solidFill>
+              </a:defRPr>
+            </a:lvl5pPr>
+            <a:lvl6pPr marL="2286000" indent="0">
+              <a:buNone/>
+              <a:defRPr sz="1400">
+                <a:solidFill>
+                  <a:schemeClr val="tx1">
+                    <a:tint val="75000"/>
+                  </a:schemeClr>
+                </a:solidFill>
+              </a:defRPr>
+            </a:lvl6pPr>
+            <a:lvl7pPr marL="2743200" indent="0">
+              <a:buNone/>
+              <a:defRPr sz="1400">
+                <a:solidFill>
+                  <a:schemeClr val="tx1">
+                    <a:tint val="75000"/>
+                  </a:schemeClr>
+                </a:solidFill>
+              </a:defRPr>
+            </a:lvl7pPr>
+            <a:lvl8pPr marL="3200400" indent="0">
+              <a:buNone/>
+              <a:defRPr sz="1400">
+                <a:solidFill>
+                  <a:schemeClr val="tx1">
+                    <a:tint val="75000"/>
+                  </a:schemeClr>
+                </a:solidFill>
+              </a:defRPr>
+            </a:lvl8pPr>
+            <a:lvl9pPr marL="3657600" indent="0">
+              <a:buNone/>
+              <a:defRPr sz="1400">
+                <a:solidFill>
+                  <a:schemeClr val="tx1">
+                    <a:tint val="75000"/>
+                  </a:schemeClr>
+                </a:solidFill>
+              </a:defRPr>
+            </a:lvl9pPr>
+          </a:lstStyle>
+          <a:p>
+            <a:pPr lvl="0"/>
+            <a:r>
+              <a:rPr lang="en-US"/>
+              <a:t>Edit Master text styles</a:t>
+            </a:r>
+          </a:p>
+        </p:txBody>
+      </p:sp>
+      <p:sp>
+        <p:nvSpPr>
+          <p:cNvPr id="4" name="Date Placeholder 3"/>
+          <p:cNvSpPr>
+            <a:spLocks noGrp="1"/>
+          </p:cNvSpPr>
+          <p:nvPr>
+            <p:ph type="dt" sz="half" idx="10"/>
+          </p:nvPr>
+        </p:nvSpPr>
+        <p:spPr/>
+        <p:txBody>
+          <a:bodyPr/>
+          <a:lstStyle/>
+          <a:p>
+            <a:fld id="{F28143BE-8687-4D26-9AAF-8C4268D8E83E}" type="datetimeFigureOut">
+              <a:rPr lang="en-US" smtClean="0"/>
+              <a:t>06-Mar-18</a:t>
+            </a:fld>
+            <a:endParaRPr lang="en-US"/>
+          </a:p>
+        </p:txBody>
+      </p:sp>
+      <p:sp>
+        <p:nvSpPr>
+          <p:cNvPr id="5" name="Footer Placeholder 4"/>
+          <p:cNvSpPr>
+            <a:spLocks noGrp="1"/>
+          </p:cNvSpPr>
+          <p:nvPr>
+            <p:ph type="ftr" sz="quarter" idx="11"/>
+          </p:nvPr>
+        </p:nvSpPr>
+        <p:spPr/>
+        <p:txBody>
+          <a:bodyPr/>
+          <a:lstStyle/>
+          <a:p>
+            <a:endParaRPr lang="en-US"/>
+          </a:p>
+        </p:txBody>
+      </p:sp>
+      <p:sp>
+        <p:nvSpPr>
+          <p:cNvPr id="6" name="Slide Number Placeholder 5"/>
+          <p:cNvSpPr>
+            <a:spLocks noGrp="1"/>
+          </p:cNvSpPr>
+          <p:nvPr>
+            <p:ph type="sldNum" sz="quarter" idx="12"/>
+          </p:nvPr>
+        </p:nvSpPr>
+        <p:spPr/>
+        <p:txBody>
+          <a:bodyPr/>
+          <a:lstStyle/>
+          <a:p>
+            <a:fld id="{78BE1E4A-1CC7-4EDF-98B4-9F35198FDD3D}" type="slidenum">
+              <a:rPr lang="en-US" smtClean="0"/>
+              <a:t>‹#›</a:t>
+            </a:fld>
+            <a:endParaRPr lang="en-US"/>
+          </a:p>
+        </p:txBody>
+      </p:sp>
+    </p:spTree>
+    <p:extLst>
+      <p:ext uri="{BB962C8B-B14F-4D97-AF65-F5344CB8AC3E}">
+        <p14:creationId xmlns:p14="http://schemas.microsoft.com/office/powerpoint/2010/main" val="1134054220"/>
+      </p:ext>
+    </p:extLst>
+  </p:cSld>
+  <p:clrMapOvr>
+    <a:masterClrMapping/>
+  </p:clrMapOvr>
+</p:sldLayout>
+</file>
+
+<file path=ppt/slideLayouts/slideLayout16.xml><?xml version="1.0" encoding="utf-8"?>
 <p:sldLayout xmlns:a="http://schemas.openxmlformats.org/drawingml/2006/main" xmlns:r="http://schemas.openxmlformats.org/officeDocument/2006/relationships" xmlns:p="http://schemas.openxmlformats.org/presentationml/2006/main" type="vertTx" preserve="1">
   <p:cSld name="Title and Vertical Text">
     <p:spTree>
@@ -384,13 +3015,17 @@
         <p:spPr/>
         <p:txBody>
           <a:bodyPr/>
-          <a:lstStyle/>
-          <a:p>
-            <a:r>
-              <a:rPr lang="en-US" smtClean="0"/>
+          <a:lstStyle>
+            <a:lvl1pPr algn="ctr">
+              <a:defRPr/>
+            </a:lvl1pPr>
+          </a:lstStyle>
+          <a:p>
+            <a:r>
+              <a:rPr lang="en-US"/>
               <a:t>Click to edit Master title style</a:t>
             </a:r>
-            <a:endParaRPr lang="en-US"/>
+            <a:endParaRPr lang="en-US" dirty="0"/>
           </a:p>
         </p:txBody>
       </p:sp>
@@ -406,43 +3041,43 @@
         </p:nvSpPr>
         <p:spPr/>
         <p:txBody>
-          <a:bodyPr vert="eaVert"/>
+          <a:bodyPr vert="eaVert" anchor="t"/>
           <a:lstStyle/>
           <a:p>
             <a:pPr lvl="0"/>
             <a:r>
-              <a:rPr lang="en-US" smtClean="0"/>
-              <a:t>Click to edit Master text styles</a:t>
+              <a:rPr lang="en-US"/>
+              <a:t>Edit Master text styles</a:t>
             </a:r>
           </a:p>
           <a:p>
             <a:pPr lvl="1"/>
             <a:r>
-              <a:rPr lang="en-US" smtClean="0"/>
+              <a:rPr lang="en-US"/>
               <a:t>Second level</a:t>
             </a:r>
           </a:p>
           <a:p>
             <a:pPr lvl="2"/>
             <a:r>
-              <a:rPr lang="en-US" smtClean="0"/>
+              <a:rPr lang="en-US"/>
               <a:t>Third level</a:t>
             </a:r>
           </a:p>
           <a:p>
             <a:pPr lvl="3"/>
             <a:r>
-              <a:rPr lang="en-US" smtClean="0"/>
+              <a:rPr lang="en-US"/>
               <a:t>Fourth level</a:t>
             </a:r>
           </a:p>
           <a:p>
             <a:pPr lvl="4"/>
             <a:r>
-              <a:rPr lang="en-US" smtClean="0"/>
+              <a:rPr lang="en-US"/>
               <a:t>Fifth level</a:t>
             </a:r>
-            <a:endParaRPr lang="en-US"/>
+            <a:endParaRPr lang="en-US" dirty="0"/>
           </a:p>
         </p:txBody>
       </p:sp>
@@ -463,7 +3098,7 @@
           <a:p>
             <a:fld id="{F28143BE-8687-4D26-9AAF-8C4268D8E83E}" type="datetimeFigureOut">
               <a:rPr lang="en-US" smtClean="0"/>
-              <a:t>3/6/2018</a:t>
+              <a:t>06-Mar-18</a:t>
             </a:fld>
             <a:endParaRPr lang="en-US"/>
           </a:p>
@@ -514,7 +3149,7 @@
     </p:spTree>
     <p:extLst>
       <p:ext uri="{BB962C8B-B14F-4D97-AF65-F5344CB8AC3E}">
-        <p14:creationId xmlns:p14="http://schemas.microsoft.com/office/powerpoint/2010/main" val="2340617454"/>
+        <p14:creationId xmlns:p14="http://schemas.microsoft.com/office/powerpoint/2010/main" val="2948541773"/>
       </p:ext>
     </p:extLst>
   </p:cSld>
@@ -524,7 +3159,7 @@
 </p:sldLayout>
 </file>
 
-<file path=ppt/slideLayouts/slideLayout11.xml><?xml version="1.0" encoding="utf-8"?>
+<file path=ppt/slideLayouts/slideLayout17.xml><?xml version="1.0" encoding="utf-8"?>
 <p:sldLayout xmlns:a="http://schemas.openxmlformats.org/drawingml/2006/main" xmlns:r="http://schemas.openxmlformats.org/officeDocument/2006/relationships" xmlns:p="http://schemas.openxmlformats.org/presentationml/2006/main" type="vertTitleAndTx" preserve="1">
   <p:cSld name="Vertical Title and Text">
     <p:spTree>
@@ -553,8 +3188,8 @@
         </p:nvSpPr>
         <p:spPr>
           <a:xfrm>
-            <a:off x="6629400" y="274638"/>
-            <a:ext cx="2057400" cy="5851525"/>
+            <a:off x="7301393" y="685800"/>
+            <a:ext cx="1328123" cy="5105400"/>
           </a:xfrm>
         </p:spPr>
         <p:txBody>
@@ -562,10 +3197,10 @@
           <a:lstStyle/>
           <a:p>
             <a:r>
-              <a:rPr lang="en-US" smtClean="0"/>
+              <a:rPr lang="en-US"/>
               <a:t>Click to edit Master title style</a:t>
             </a:r>
-            <a:endParaRPr lang="en-US"/>
+            <a:endParaRPr lang="en-US" dirty="0"/>
           </a:p>
         </p:txBody>
       </p:sp>
@@ -581,48 +3216,48 @@
         </p:nvSpPr>
         <p:spPr>
           <a:xfrm>
-            <a:off x="457200" y="274638"/>
-            <a:ext cx="6019800" cy="5851525"/>
+            <a:off x="1113524" y="685800"/>
+            <a:ext cx="6016373" cy="5105400"/>
           </a:xfrm>
         </p:spPr>
         <p:txBody>
-          <a:bodyPr vert="eaVert"/>
+          <a:bodyPr vert="eaVert" anchor="t"/>
           <a:lstStyle/>
           <a:p>
             <a:pPr lvl="0"/>
             <a:r>
-              <a:rPr lang="en-US" smtClean="0"/>
-              <a:t>Click to edit Master text styles</a:t>
+              <a:rPr lang="en-US"/>
+              <a:t>Edit Master text styles</a:t>
             </a:r>
           </a:p>
           <a:p>
             <a:pPr lvl="1"/>
             <a:r>
-              <a:rPr lang="en-US" smtClean="0"/>
+              <a:rPr lang="en-US"/>
               <a:t>Second level</a:t>
             </a:r>
           </a:p>
           <a:p>
             <a:pPr lvl="2"/>
             <a:r>
-              <a:rPr lang="en-US" smtClean="0"/>
+              <a:rPr lang="en-US"/>
               <a:t>Third level</a:t>
             </a:r>
           </a:p>
           <a:p>
             <a:pPr lvl="3"/>
             <a:r>
-              <a:rPr lang="en-US" smtClean="0"/>
+              <a:rPr lang="en-US"/>
               <a:t>Fourth level</a:t>
             </a:r>
           </a:p>
           <a:p>
             <a:pPr lvl="4"/>
             <a:r>
-              <a:rPr lang="en-US" smtClean="0"/>
+              <a:rPr lang="en-US"/>
               <a:t>Fifth level</a:t>
             </a:r>
-            <a:endParaRPr lang="en-US"/>
+            <a:endParaRPr lang="en-US" dirty="0"/>
           </a:p>
         </p:txBody>
       </p:sp>
@@ -643,7 +3278,7 @@
           <a:p>
             <a:fld id="{F28143BE-8687-4D26-9AAF-8C4268D8E83E}" type="datetimeFigureOut">
               <a:rPr lang="en-US" smtClean="0"/>
-              <a:t>3/6/2018</a:t>
+              <a:t>06-Mar-18</a:t>
             </a:fld>
             <a:endParaRPr lang="en-US"/>
           </a:p>
@@ -694,7 +3329,7 @@
     </p:spTree>
     <p:extLst>
       <p:ext uri="{BB962C8B-B14F-4D97-AF65-F5344CB8AC3E}">
-        <p14:creationId xmlns:p14="http://schemas.microsoft.com/office/powerpoint/2010/main" val="1078148197"/>
+        <p14:creationId xmlns:p14="http://schemas.microsoft.com/office/powerpoint/2010/main" val="144746673"/>
       </p:ext>
     </p:extLst>
   </p:cSld>
@@ -731,16 +3366,21 @@
             <p:ph type="title"/>
           </p:nvPr>
         </p:nvSpPr>
-        <p:spPr/>
+        <p:spPr>
+          <a:xfrm>
+            <a:off x="982133" y="457201"/>
+            <a:ext cx="7704667" cy="1981200"/>
+          </a:xfrm>
+        </p:spPr>
         <p:txBody>
           <a:bodyPr/>
           <a:lstStyle/>
           <a:p>
             <a:r>
-              <a:rPr lang="en-US" smtClean="0"/>
+              <a:rPr lang="en-US"/>
               <a:t>Click to edit Master title style</a:t>
             </a:r>
-            <a:endParaRPr lang="en-US"/>
+            <a:endParaRPr lang="en-US" dirty="0"/>
           </a:p>
         </p:txBody>
       </p:sp>
@@ -754,45 +3394,50 @@
             <p:ph idx="1"/>
           </p:nvPr>
         </p:nvSpPr>
-        <p:spPr/>
-        <p:txBody>
-          <a:bodyPr/>
+        <p:spPr>
+          <a:xfrm>
+            <a:off x="982133" y="2667000"/>
+            <a:ext cx="7704667" cy="3332816"/>
+          </a:xfrm>
+        </p:spPr>
+        <p:txBody>
+          <a:bodyPr anchor="ctr"/>
           <a:lstStyle/>
           <a:p>
             <a:pPr lvl="0"/>
             <a:r>
-              <a:rPr lang="en-US" smtClean="0"/>
-              <a:t>Click to edit Master text styles</a:t>
+              <a:rPr lang="en-US"/>
+              <a:t>Edit Master text styles</a:t>
             </a:r>
           </a:p>
           <a:p>
             <a:pPr lvl="1"/>
             <a:r>
-              <a:rPr lang="en-US" smtClean="0"/>
+              <a:rPr lang="en-US"/>
               <a:t>Second level</a:t>
             </a:r>
           </a:p>
           <a:p>
             <a:pPr lvl="2"/>
             <a:r>
-              <a:rPr lang="en-US" smtClean="0"/>
+              <a:rPr lang="en-US"/>
               <a:t>Third level</a:t>
             </a:r>
           </a:p>
           <a:p>
             <a:pPr lvl="3"/>
             <a:r>
-              <a:rPr lang="en-US" smtClean="0"/>
+              <a:rPr lang="en-US"/>
               <a:t>Fourth level</a:t>
             </a:r>
           </a:p>
           <a:p>
             <a:pPr lvl="4"/>
             <a:r>
-              <a:rPr lang="en-US" smtClean="0"/>
+              <a:rPr lang="en-US"/>
               <a:t>Fifth level</a:t>
             </a:r>
-            <a:endParaRPr lang="en-US"/>
+            <a:endParaRPr lang="en-US" dirty="0"/>
           </a:p>
         </p:txBody>
       </p:sp>
@@ -806,14 +3451,19 @@
             <p:ph type="dt" sz="half" idx="10"/>
           </p:nvPr>
         </p:nvSpPr>
-        <p:spPr/>
+        <p:spPr>
+          <a:xfrm>
+            <a:off x="7344329" y="6108173"/>
+            <a:ext cx="857473" cy="365125"/>
+          </a:xfrm>
+        </p:spPr>
         <p:txBody>
           <a:bodyPr/>
           <a:lstStyle/>
           <a:p>
             <a:fld id="{F28143BE-8687-4D26-9AAF-8C4268D8E83E}" type="datetimeFigureOut">
               <a:rPr lang="en-US" smtClean="0"/>
-              <a:t>3/6/2018</a:t>
+              <a:t>06-Mar-18</a:t>
             </a:fld>
             <a:endParaRPr lang="en-US"/>
           </a:p>
@@ -829,7 +3479,12 @@
             <p:ph type="ftr" sz="quarter" idx="11"/>
           </p:nvPr>
         </p:nvSpPr>
-        <p:spPr/>
+        <p:spPr>
+          <a:xfrm>
+            <a:off x="1972647" y="6108173"/>
+            <a:ext cx="5314517" cy="365125"/>
+          </a:xfrm>
+        </p:spPr>
         <p:txBody>
           <a:bodyPr/>
           <a:lstStyle/>
@@ -848,7 +3503,12 @@
             <p:ph type="sldNum" sz="quarter" idx="12"/>
           </p:nvPr>
         </p:nvSpPr>
-        <p:spPr/>
+        <p:spPr>
+          <a:xfrm>
+            <a:off x="8258967" y="6108173"/>
+            <a:ext cx="427833" cy="365125"/>
+          </a:xfrm>
+        </p:spPr>
         <p:txBody>
           <a:bodyPr/>
           <a:lstStyle/>
@@ -864,7 +3524,7 @@
     </p:spTree>
     <p:extLst>
       <p:ext uri="{BB962C8B-B14F-4D97-AF65-F5344CB8AC3E}">
-        <p14:creationId xmlns:p14="http://schemas.microsoft.com/office/powerpoint/2010/main" val="2144224630"/>
+        <p14:creationId xmlns:p14="http://schemas.microsoft.com/office/powerpoint/2010/main" val="3282509515"/>
       </p:ext>
     </p:extLst>
   </p:cSld>
@@ -903,23 +3563,23 @@
         </p:nvSpPr>
         <p:spPr>
           <a:xfrm>
-            <a:off x="722313" y="4406900"/>
-            <a:ext cx="7772400" cy="1362075"/>
+            <a:off x="1986995" y="2666998"/>
+            <a:ext cx="6699805" cy="2360071"/>
           </a:xfrm>
         </p:spPr>
         <p:txBody>
-          <a:bodyPr anchor="t"/>
+          <a:bodyPr anchor="b"/>
           <a:lstStyle>
-            <a:lvl1pPr algn="l">
-              <a:defRPr sz="4000" b="1" cap="all"/>
+            <a:lvl1pPr algn="r">
+              <a:defRPr sz="4000" b="0" cap="none"/>
             </a:lvl1pPr>
           </a:lstStyle>
           <a:p>
             <a:r>
-              <a:rPr lang="en-US" smtClean="0"/>
+              <a:rPr lang="en-US"/>
               <a:t>Click to edit Master title style</a:t>
             </a:r>
-            <a:endParaRPr lang="en-US"/>
+            <a:endParaRPr lang="en-US" dirty="0"/>
           </a:p>
         </p:txBody>
       </p:sp>
@@ -935,44 +3595,54 @@
         </p:nvSpPr>
         <p:spPr>
           <a:xfrm>
-            <a:off x="722313" y="2906713"/>
-            <a:ext cx="7772400" cy="1500187"/>
+            <a:off x="1986998" y="5027070"/>
+            <a:ext cx="6699802" cy="860400"/>
           </a:xfrm>
         </p:spPr>
         <p:txBody>
-          <a:bodyPr anchor="b"/>
+          <a:bodyPr anchor="t">
+            <a:normAutofit/>
+          </a:bodyPr>
           <a:lstStyle>
-            <a:lvl1pPr marL="0" indent="0">
+            <a:lvl1pPr marL="0" indent="0" algn="r">
               <a:buNone/>
               <a:defRPr sz="2000">
+                <a:solidFill>
+                  <a:schemeClr val="tx1"/>
+                </a:solidFill>
+              </a:defRPr>
+            </a:lvl1pPr>
+            <a:lvl2pPr marL="457200" indent="0">
+              <a:buNone/>
+              <a:defRPr sz="1800">
                 <a:solidFill>
                   <a:schemeClr val="tx1">
                     <a:tint val="75000"/>
                   </a:schemeClr>
                 </a:solidFill>
               </a:defRPr>
-            </a:lvl1pPr>
-            <a:lvl2pPr marL="457200" indent="0">
-              <a:buNone/>
-              <a:defRPr sz="1800">
+            </a:lvl2pPr>
+            <a:lvl3pPr marL="914400" indent="0">
+              <a:buNone/>
+              <a:defRPr sz="1600">
                 <a:solidFill>
                   <a:schemeClr val="tx1">
                     <a:tint val="75000"/>
                   </a:schemeClr>
                 </a:solidFill>
               </a:defRPr>
-            </a:lvl2pPr>
-            <a:lvl3pPr marL="914400" indent="0">
-              <a:buNone/>
-              <a:defRPr sz="1600">
+            </a:lvl3pPr>
+            <a:lvl4pPr marL="1371600" indent="0">
+              <a:buNone/>
+              <a:defRPr sz="1400">
                 <a:solidFill>
                   <a:schemeClr val="tx1">
                     <a:tint val="75000"/>
                   </a:schemeClr>
                 </a:solidFill>
               </a:defRPr>
-            </a:lvl3pPr>
-            <a:lvl4pPr marL="1371600" indent="0">
+            </a:lvl4pPr>
+            <a:lvl5pPr marL="1828800" indent="0">
               <a:buNone/>
               <a:defRPr sz="1400">
                 <a:solidFill>
@@ -981,8 +3651,8 @@
                   </a:schemeClr>
                 </a:solidFill>
               </a:defRPr>
-            </a:lvl4pPr>
-            <a:lvl5pPr marL="1828800" indent="0">
+            </a:lvl5pPr>
+            <a:lvl6pPr marL="2286000" indent="0">
               <a:buNone/>
               <a:defRPr sz="1400">
                 <a:solidFill>
@@ -991,8 +3661,8 @@
                   </a:schemeClr>
                 </a:solidFill>
               </a:defRPr>
-            </a:lvl5pPr>
-            <a:lvl6pPr marL="2286000" indent="0">
+            </a:lvl6pPr>
+            <a:lvl7pPr marL="2743200" indent="0">
               <a:buNone/>
               <a:defRPr sz="1400">
                 <a:solidFill>
@@ -1001,8 +3671,8 @@
                   </a:schemeClr>
                 </a:solidFill>
               </a:defRPr>
-            </a:lvl6pPr>
-            <a:lvl7pPr marL="2743200" indent="0">
+            </a:lvl7pPr>
+            <a:lvl8pPr marL="3200400" indent="0">
               <a:buNone/>
               <a:defRPr sz="1400">
                 <a:solidFill>
@@ -1011,8 +3681,8 @@
                   </a:schemeClr>
                 </a:solidFill>
               </a:defRPr>
-            </a:lvl7pPr>
-            <a:lvl8pPr marL="3200400" indent="0">
+            </a:lvl8pPr>
+            <a:lvl9pPr marL="3657600" indent="0">
               <a:buNone/>
               <a:defRPr sz="1400">
                 <a:solidFill>
@@ -1021,23 +3691,13 @@
                   </a:schemeClr>
                 </a:solidFill>
               </a:defRPr>
-            </a:lvl8pPr>
-            <a:lvl9pPr marL="3657600" indent="0">
-              <a:buNone/>
-              <a:defRPr sz="1400">
-                <a:solidFill>
-                  <a:schemeClr val="tx1">
-                    <a:tint val="75000"/>
-                  </a:schemeClr>
-                </a:solidFill>
-              </a:defRPr>
             </a:lvl9pPr>
           </a:lstStyle>
           <a:p>
             <a:pPr lvl="0"/>
             <a:r>
-              <a:rPr lang="en-US" smtClean="0"/>
-              <a:t>Click to edit Master text styles</a:t>
+              <a:rPr lang="en-US"/>
+              <a:t>Edit Master text styles</a:t>
             </a:r>
           </a:p>
         </p:txBody>
@@ -1059,7 +3719,7 @@
           <a:p>
             <a:fld id="{F28143BE-8687-4D26-9AAF-8C4268D8E83E}" type="datetimeFigureOut">
               <a:rPr lang="en-US" smtClean="0"/>
-              <a:t>3/6/2018</a:t>
+              <a:t>06-Mar-18</a:t>
             </a:fld>
             <a:endParaRPr lang="en-US"/>
           </a:p>
@@ -1094,7 +3754,12 @@
             <p:ph type="sldNum" sz="quarter" idx="12"/>
           </p:nvPr>
         </p:nvSpPr>
-        <p:spPr/>
+        <p:spPr>
+          <a:xfrm>
+            <a:off x="8273317" y="6116070"/>
+            <a:ext cx="413483" cy="365125"/>
+          </a:xfrm>
+        </p:spPr>
         <p:txBody>
           <a:bodyPr/>
           <a:lstStyle/>
@@ -1110,7 +3775,7 @@
     </p:spTree>
     <p:extLst>
       <p:ext uri="{BB962C8B-B14F-4D97-AF65-F5344CB8AC3E}">
-        <p14:creationId xmlns:p14="http://schemas.microsoft.com/office/powerpoint/2010/main" val="2549979344"/>
+        <p14:creationId xmlns:p14="http://schemas.microsoft.com/office/powerpoint/2010/main" val="2563380354"/>
       </p:ext>
     </p:extLst>
   </p:cSld>
@@ -1147,101 +3812,108 @@
             <p:ph type="title"/>
           </p:nvPr>
         </p:nvSpPr>
-        <p:spPr/>
-        <p:txBody>
-          <a:bodyPr/>
-          <a:lstStyle/>
-          <a:p>
-            <a:r>
-              <a:rPr lang="en-US" smtClean="0"/>
-              <a:t>Click to edit Master title style</a:t>
-            </a:r>
-            <a:endParaRPr lang="en-US"/>
-          </a:p>
-        </p:txBody>
-      </p:sp>
-      <p:sp>
-        <p:nvSpPr>
-          <p:cNvPr id="3" name="Content Placeholder 2"/>
-          <p:cNvSpPr>
-            <a:spLocks noGrp="1"/>
-          </p:cNvSpPr>
-          <p:nvPr>
-            <p:ph sz="half" idx="1"/>
-          </p:nvPr>
-        </p:nvSpPr>
         <p:spPr>
           <a:xfrm>
-            <a:off x="457200" y="1600200"/>
-            <a:ext cx="4038600" cy="4525963"/>
+            <a:off x="982133" y="685801"/>
+            <a:ext cx="7704667" cy="1752599"/>
           </a:xfrm>
         </p:spPr>
         <p:txBody>
           <a:bodyPr/>
+          <a:lstStyle/>
+          <a:p>
+            <a:r>
+              <a:rPr lang="en-US"/>
+              <a:t>Click to edit Master title style</a:t>
+            </a:r>
+            <a:endParaRPr lang="en-US" dirty="0"/>
+          </a:p>
+        </p:txBody>
+      </p:sp>
+      <p:sp>
+        <p:nvSpPr>
+          <p:cNvPr id="3" name="Content Placeholder 2"/>
+          <p:cNvSpPr>
+            <a:spLocks noGrp="1"/>
+          </p:cNvSpPr>
+          <p:nvPr>
+            <p:ph sz="half" idx="1"/>
+          </p:nvPr>
+        </p:nvSpPr>
+        <p:spPr>
+          <a:xfrm>
+            <a:off x="982133" y="2667000"/>
+            <a:ext cx="3739896" cy="3368674"/>
+          </a:xfrm>
+        </p:spPr>
+        <p:txBody>
+          <a:bodyPr>
+            <a:normAutofit/>
+          </a:bodyPr>
           <a:lstStyle>
             <a:lvl1pPr>
-              <a:defRPr sz="2800"/>
+              <a:defRPr sz="1800"/>
             </a:lvl1pPr>
             <a:lvl2pPr>
-              <a:defRPr sz="2400"/>
+              <a:defRPr sz="1600"/>
             </a:lvl2pPr>
             <a:lvl3pPr>
-              <a:defRPr sz="2000"/>
+              <a:defRPr sz="1400"/>
             </a:lvl3pPr>
             <a:lvl4pPr>
-              <a:defRPr sz="1800"/>
+              <a:defRPr sz="1200"/>
             </a:lvl4pPr>
             <a:lvl5pPr>
-              <a:defRPr sz="1800"/>
+              <a:defRPr sz="1200"/>
             </a:lvl5pPr>
             <a:lvl6pPr>
-              <a:defRPr sz="1800"/>
+              <a:defRPr sz="1200"/>
             </a:lvl6pPr>
             <a:lvl7pPr>
-              <a:defRPr sz="1800"/>
+              <a:defRPr sz="1200"/>
             </a:lvl7pPr>
             <a:lvl8pPr>
-              <a:defRPr sz="1800"/>
+              <a:defRPr sz="1200"/>
             </a:lvl8pPr>
             <a:lvl9pPr>
-              <a:defRPr sz="1800"/>
+              <a:defRPr sz="1200"/>
             </a:lvl9pPr>
           </a:lstStyle>
           <a:p>
             <a:pPr lvl="0"/>
             <a:r>
-              <a:rPr lang="en-US" smtClean="0"/>
-              <a:t>Click to edit Master text styles</a:t>
+              <a:rPr lang="en-US"/>
+              <a:t>Edit Master text styles</a:t>
             </a:r>
           </a:p>
           <a:p>
             <a:pPr lvl="1"/>
             <a:r>
-              <a:rPr lang="en-US" smtClean="0"/>
+              <a:rPr lang="en-US"/>
               <a:t>Second level</a:t>
             </a:r>
           </a:p>
           <a:p>
             <a:pPr lvl="2"/>
             <a:r>
-              <a:rPr lang="en-US" smtClean="0"/>
+              <a:rPr lang="en-US"/>
               <a:t>Third level</a:t>
             </a:r>
           </a:p>
           <a:p>
             <a:pPr lvl="3"/>
             <a:r>
-              <a:rPr lang="en-US" smtClean="0"/>
+              <a:rPr lang="en-US"/>
               <a:t>Fourth level</a:t>
             </a:r>
           </a:p>
           <a:p>
             <a:pPr lvl="4"/>
             <a:r>
-              <a:rPr lang="en-US" smtClean="0"/>
+              <a:rPr lang="en-US"/>
               <a:t>Fifth level</a:t>
             </a:r>
-            <a:endParaRPr lang="en-US"/>
+            <a:endParaRPr lang="en-US" dirty="0"/>
           </a:p>
         </p:txBody>
       </p:sp>
@@ -1257,76 +3929,78 @@
         </p:nvSpPr>
         <p:spPr>
           <a:xfrm>
-            <a:off x="4648200" y="1600200"/>
-            <a:ext cx="4038600" cy="4525963"/>
+            <a:off x="4946904" y="2667000"/>
+            <a:ext cx="3739896" cy="3346824"/>
           </a:xfrm>
         </p:spPr>
         <p:txBody>
-          <a:bodyPr/>
+          <a:bodyPr>
+            <a:normAutofit/>
+          </a:bodyPr>
           <a:lstStyle>
             <a:lvl1pPr>
-              <a:defRPr sz="2800"/>
+              <a:defRPr sz="1800"/>
             </a:lvl1pPr>
             <a:lvl2pPr>
-              <a:defRPr sz="2400"/>
+              <a:defRPr sz="1600"/>
             </a:lvl2pPr>
             <a:lvl3pPr>
-              <a:defRPr sz="2000"/>
+              <a:defRPr sz="1400"/>
             </a:lvl3pPr>
             <a:lvl4pPr>
-              <a:defRPr sz="1800"/>
+              <a:defRPr sz="1200"/>
             </a:lvl4pPr>
             <a:lvl5pPr>
-              <a:defRPr sz="1800"/>
+              <a:defRPr sz="1200"/>
             </a:lvl5pPr>
             <a:lvl6pPr>
-              <a:defRPr sz="1800"/>
+              <a:defRPr sz="1200"/>
             </a:lvl6pPr>
             <a:lvl7pPr>
-              <a:defRPr sz="1800"/>
+              <a:defRPr sz="1200"/>
             </a:lvl7pPr>
             <a:lvl8pPr>
-              <a:defRPr sz="1800"/>
+              <a:defRPr sz="1200"/>
             </a:lvl8pPr>
             <a:lvl9pPr>
-              <a:defRPr sz="1800"/>
+              <a:defRPr sz="1200"/>
             </a:lvl9pPr>
           </a:lstStyle>
           <a:p>
             <a:pPr lvl="0"/>
             <a:r>
-              <a:rPr lang="en-US" smtClean="0"/>
-              <a:t>Click to edit Master text styles</a:t>
+              <a:rPr lang="en-US"/>
+              <a:t>Edit Master text styles</a:t>
             </a:r>
           </a:p>
           <a:p>
             <a:pPr lvl="1"/>
             <a:r>
-              <a:rPr lang="en-US" smtClean="0"/>
+              <a:rPr lang="en-US"/>
               <a:t>Second level</a:t>
             </a:r>
           </a:p>
           <a:p>
             <a:pPr lvl="2"/>
             <a:r>
-              <a:rPr lang="en-US" smtClean="0"/>
+              <a:rPr lang="en-US"/>
               <a:t>Third level</a:t>
             </a:r>
           </a:p>
           <a:p>
             <a:pPr lvl="3"/>
             <a:r>
-              <a:rPr lang="en-US" smtClean="0"/>
+              <a:rPr lang="en-US"/>
               <a:t>Fourth level</a:t>
             </a:r>
           </a:p>
           <a:p>
             <a:pPr lvl="4"/>
             <a:r>
-              <a:rPr lang="en-US" smtClean="0"/>
+              <a:rPr lang="en-US"/>
               <a:t>Fifth level</a:t>
             </a:r>
-            <a:endParaRPr lang="en-US"/>
+            <a:endParaRPr lang="en-US" dirty="0"/>
           </a:p>
         </p:txBody>
       </p:sp>
@@ -1347,7 +4021,7 @@
           <a:p>
             <a:fld id="{F28143BE-8687-4D26-9AAF-8C4268D8E83E}" type="datetimeFigureOut">
               <a:rPr lang="en-US" smtClean="0"/>
-              <a:t>3/6/2018</a:t>
+              <a:t>06-Mar-18</a:t>
             </a:fld>
             <a:endParaRPr lang="en-US"/>
           </a:p>
@@ -1398,7 +4072,7 @@
     </p:spTree>
     <p:extLst>
       <p:ext uri="{BB962C8B-B14F-4D97-AF65-F5344CB8AC3E}">
-        <p14:creationId xmlns:p14="http://schemas.microsoft.com/office/powerpoint/2010/main" val="1491025629"/>
+        <p14:creationId xmlns:p14="http://schemas.microsoft.com/office/powerpoint/2010/main" val="1907152606"/>
       </p:ext>
     </p:extLst>
   </p:cSld>
@@ -1445,10 +4119,10 @@
           </a:lstStyle>
           <a:p>
             <a:r>
-              <a:rPr lang="en-US" smtClean="0"/>
+              <a:rPr lang="en-US"/>
               <a:t>Click to edit Master title style</a:t>
             </a:r>
-            <a:endParaRPr lang="en-US"/>
+            <a:endParaRPr lang="en-US" dirty="0"/>
           </a:p>
         </p:txBody>
       </p:sp>
@@ -1464,16 +4138,24 @@
         </p:nvSpPr>
         <p:spPr>
           <a:xfrm>
-            <a:off x="457200" y="1535113"/>
-            <a:ext cx="4040188" cy="639762"/>
+            <a:off x="1329481" y="2658533"/>
+            <a:ext cx="3456291" cy="576262"/>
           </a:xfrm>
         </p:spPr>
         <p:txBody>
-          <a:bodyPr anchor="b"/>
+          <a:bodyPr anchor="b">
+            <a:noAutofit/>
+          </a:bodyPr>
           <a:lstStyle>
             <a:lvl1pPr marL="0" indent="0">
               <a:buNone/>
-              <a:defRPr sz="2400" b="1"/>
+              <a:defRPr sz="2800" b="0">
+                <a:solidFill>
+                  <a:schemeClr val="accent1">
+                    <a:lumMod val="75000"/>
+                  </a:schemeClr>
+                </a:solidFill>
+              </a:defRPr>
             </a:lvl1pPr>
             <a:lvl2pPr marL="457200" indent="0">
               <a:buNone/>
@@ -1511,8 +4193,8 @@
           <a:p>
             <a:pPr lvl="0"/>
             <a:r>
-              <a:rPr lang="en-US" smtClean="0"/>
-              <a:t>Click to edit Master text styles</a:t>
+              <a:rPr lang="en-US"/>
+              <a:t>Edit Master text styles</a:t>
             </a:r>
           </a:p>
         </p:txBody>
@@ -1529,76 +4211,78 @@
         </p:nvSpPr>
         <p:spPr>
           <a:xfrm>
-            <a:off x="457200" y="2174875"/>
-            <a:ext cx="4040188" cy="3951288"/>
+            <a:off x="1113523" y="3335336"/>
+            <a:ext cx="3672248" cy="2665259"/>
           </a:xfrm>
         </p:spPr>
         <p:txBody>
-          <a:bodyPr/>
+          <a:bodyPr anchor="t">
+            <a:normAutofit/>
+          </a:bodyPr>
           <a:lstStyle>
             <a:lvl1pPr>
-              <a:defRPr sz="2400"/>
+              <a:defRPr sz="1800"/>
             </a:lvl1pPr>
             <a:lvl2pPr>
-              <a:defRPr sz="2000"/>
+              <a:defRPr sz="1600"/>
             </a:lvl2pPr>
             <a:lvl3pPr>
-              <a:defRPr sz="1800"/>
+              <a:defRPr sz="1400"/>
             </a:lvl3pPr>
             <a:lvl4pPr>
-              <a:defRPr sz="1600"/>
+              <a:defRPr sz="1200"/>
             </a:lvl4pPr>
             <a:lvl5pPr>
-              <a:defRPr sz="1600"/>
+              <a:defRPr sz="1200"/>
             </a:lvl5pPr>
             <a:lvl6pPr>
-              <a:defRPr sz="1600"/>
+              <a:defRPr sz="1200"/>
             </a:lvl6pPr>
             <a:lvl7pPr>
-              <a:defRPr sz="1600"/>
+              <a:defRPr sz="1200"/>
             </a:lvl7pPr>
             <a:lvl8pPr>
-              <a:defRPr sz="1600"/>
+              <a:defRPr sz="1200"/>
             </a:lvl8pPr>
             <a:lvl9pPr>
-              <a:defRPr sz="1600"/>
+              <a:defRPr sz="1200"/>
             </a:lvl9pPr>
           </a:lstStyle>
           <a:p>
             <a:pPr lvl="0"/>
             <a:r>
-              <a:rPr lang="en-US" smtClean="0"/>
-              <a:t>Click to edit Master text styles</a:t>
+              <a:rPr lang="en-US"/>
+              <a:t>Edit Master text styles</a:t>
             </a:r>
           </a:p>
           <a:p>
             <a:pPr lvl="1"/>
             <a:r>
-              <a:rPr lang="en-US" smtClean="0"/>
+              <a:rPr lang="en-US"/>
               <a:t>Second level</a:t>
             </a:r>
           </a:p>
           <a:p>
             <a:pPr lvl="2"/>
             <a:r>
-              <a:rPr lang="en-US" smtClean="0"/>
+              <a:rPr lang="en-US"/>
               <a:t>Third level</a:t>
             </a:r>
           </a:p>
           <a:p>
             <a:pPr lvl="3"/>
             <a:r>
-              <a:rPr lang="en-US" smtClean="0"/>
+              <a:rPr lang="en-US"/>
               <a:t>Fourth level</a:t>
             </a:r>
           </a:p>
           <a:p>
             <a:pPr lvl="4"/>
             <a:r>
-              <a:rPr lang="en-US" smtClean="0"/>
+              <a:rPr lang="en-US"/>
               <a:t>Fifth level</a:t>
             </a:r>
-            <a:endParaRPr lang="en-US"/>
+            <a:endParaRPr lang="en-US" dirty="0"/>
           </a:p>
         </p:txBody>
       </p:sp>
@@ -1614,16 +4298,24 @@
         </p:nvSpPr>
         <p:spPr>
           <a:xfrm>
-            <a:off x="4645025" y="1535113"/>
-            <a:ext cx="4041775" cy="639762"/>
+            <a:off x="5161710" y="2667000"/>
+            <a:ext cx="3467806" cy="576262"/>
           </a:xfrm>
         </p:spPr>
         <p:txBody>
-          <a:bodyPr anchor="b"/>
+          <a:bodyPr anchor="b">
+            <a:noAutofit/>
+          </a:bodyPr>
           <a:lstStyle>
             <a:lvl1pPr marL="0" indent="0">
               <a:buNone/>
-              <a:defRPr sz="2400" b="1"/>
+              <a:defRPr sz="2800" b="0">
+                <a:solidFill>
+                  <a:schemeClr val="accent1">
+                    <a:lumMod val="75000"/>
+                  </a:schemeClr>
+                </a:solidFill>
+              </a:defRPr>
             </a:lvl1pPr>
             <a:lvl2pPr marL="457200" indent="0">
               <a:buNone/>
@@ -1661,8 +4353,8 @@
           <a:p>
             <a:pPr lvl="0"/>
             <a:r>
-              <a:rPr lang="en-US" smtClean="0"/>
-              <a:t>Click to edit Master text styles</a:t>
+              <a:rPr lang="en-US"/>
+              <a:t>Edit Master text styles</a:t>
             </a:r>
           </a:p>
         </p:txBody>
@@ -1679,76 +4371,78 @@
         </p:nvSpPr>
         <p:spPr>
           <a:xfrm>
-            <a:off x="4645025" y="2174875"/>
-            <a:ext cx="4041775" cy="3951288"/>
+            <a:off x="4957266" y="3335336"/>
+            <a:ext cx="3672248" cy="2665259"/>
           </a:xfrm>
         </p:spPr>
         <p:txBody>
-          <a:bodyPr/>
+          <a:bodyPr anchor="t">
+            <a:normAutofit/>
+          </a:bodyPr>
           <a:lstStyle>
             <a:lvl1pPr>
-              <a:defRPr sz="2400"/>
+              <a:defRPr sz="1800"/>
             </a:lvl1pPr>
             <a:lvl2pPr>
-              <a:defRPr sz="2000"/>
+              <a:defRPr sz="1600"/>
             </a:lvl2pPr>
             <a:lvl3pPr>
-              <a:defRPr sz="1800"/>
+              <a:defRPr sz="1400"/>
             </a:lvl3pPr>
             <a:lvl4pPr>
-              <a:defRPr sz="1600"/>
+              <a:defRPr sz="1200"/>
             </a:lvl4pPr>
             <a:lvl5pPr>
-              <a:defRPr sz="1600"/>
+              <a:defRPr sz="1200"/>
             </a:lvl5pPr>
             <a:lvl6pPr>
-              <a:defRPr sz="1600"/>
+              <a:defRPr sz="1200"/>
             </a:lvl6pPr>
             <a:lvl7pPr>
-              <a:defRPr sz="1600"/>
+              <a:defRPr sz="1200"/>
             </a:lvl7pPr>
             <a:lvl8pPr>
-              <a:defRPr sz="1600"/>
+              <a:defRPr sz="1200"/>
             </a:lvl8pPr>
             <a:lvl9pPr>
-              <a:defRPr sz="1600"/>
+              <a:defRPr sz="1200"/>
             </a:lvl9pPr>
           </a:lstStyle>
           <a:p>
             <a:pPr lvl="0"/>
             <a:r>
-              <a:rPr lang="en-US" smtClean="0"/>
-              <a:t>Click to edit Master text styles</a:t>
+              <a:rPr lang="en-US"/>
+              <a:t>Edit Master text styles</a:t>
             </a:r>
           </a:p>
           <a:p>
             <a:pPr lvl="1"/>
             <a:r>
-              <a:rPr lang="en-US" smtClean="0"/>
+              <a:rPr lang="en-US"/>
               <a:t>Second level</a:t>
             </a:r>
           </a:p>
           <a:p>
             <a:pPr lvl="2"/>
             <a:r>
-              <a:rPr lang="en-US" smtClean="0"/>
+              <a:rPr lang="en-US"/>
               <a:t>Third level</a:t>
             </a:r>
           </a:p>
           <a:p>
             <a:pPr lvl="3"/>
             <a:r>
-              <a:rPr lang="en-US" smtClean="0"/>
+              <a:rPr lang="en-US"/>
               <a:t>Fourth level</a:t>
             </a:r>
           </a:p>
           <a:p>
             <a:pPr lvl="4"/>
             <a:r>
-              <a:rPr lang="en-US" smtClean="0"/>
+              <a:rPr lang="en-US"/>
               <a:t>Fifth level</a:t>
             </a:r>
-            <a:endParaRPr lang="en-US"/>
+            <a:endParaRPr lang="en-US" dirty="0"/>
           </a:p>
         </p:txBody>
       </p:sp>
@@ -1769,7 +4463,7 @@
           <a:p>
             <a:fld id="{F28143BE-8687-4D26-9AAF-8C4268D8E83E}" type="datetimeFigureOut">
               <a:rPr lang="en-US" smtClean="0"/>
-              <a:t>3/6/2018</a:t>
+              <a:t>06-Mar-18</a:t>
             </a:fld>
             <a:endParaRPr lang="en-US"/>
           </a:p>
@@ -1820,7 +4514,7 @@
     </p:spTree>
     <p:extLst>
       <p:ext uri="{BB962C8B-B14F-4D97-AF65-F5344CB8AC3E}">
-        <p14:creationId xmlns:p14="http://schemas.microsoft.com/office/powerpoint/2010/main" val="4149834802"/>
+        <p14:creationId xmlns:p14="http://schemas.microsoft.com/office/powerpoint/2010/main" val="2939392310"/>
       </p:ext>
     </p:extLst>
   </p:cSld>
@@ -1863,10 +4557,10 @@
           <a:lstStyle/>
           <a:p>
             <a:r>
-              <a:rPr lang="en-US" smtClean="0"/>
+              <a:rPr lang="en-US"/>
               <a:t>Click to edit Master title style</a:t>
             </a:r>
-            <a:endParaRPr lang="en-US"/>
+            <a:endParaRPr lang="en-US" dirty="0"/>
           </a:p>
         </p:txBody>
       </p:sp>
@@ -1887,7 +4581,7 @@
           <a:p>
             <a:fld id="{F28143BE-8687-4D26-9AAF-8C4268D8E83E}" type="datetimeFigureOut">
               <a:rPr lang="en-US" smtClean="0"/>
-              <a:t>3/6/2018</a:t>
+              <a:t>06-Mar-18</a:t>
             </a:fld>
             <a:endParaRPr lang="en-US"/>
           </a:p>
@@ -1938,7 +4632,7 @@
     </p:spTree>
     <p:extLst>
       <p:ext uri="{BB962C8B-B14F-4D97-AF65-F5344CB8AC3E}">
-        <p14:creationId xmlns:p14="http://schemas.microsoft.com/office/powerpoint/2010/main" val="2418021052"/>
+        <p14:creationId xmlns:p14="http://schemas.microsoft.com/office/powerpoint/2010/main" val="4183509693"/>
       </p:ext>
     </p:extLst>
   </p:cSld>
@@ -1982,7 +4676,7 @@
           <a:p>
             <a:fld id="{F28143BE-8687-4D26-9AAF-8C4268D8E83E}" type="datetimeFigureOut">
               <a:rPr lang="en-US" smtClean="0"/>
-              <a:t>3/6/2018</a:t>
+              <a:t>06-Mar-18</a:t>
             </a:fld>
             <a:endParaRPr lang="en-US"/>
           </a:p>
@@ -2033,7 +4727,7 @@
     </p:spTree>
     <p:extLst>
       <p:ext uri="{BB962C8B-B14F-4D97-AF65-F5344CB8AC3E}">
-        <p14:creationId xmlns:p14="http://schemas.microsoft.com/office/powerpoint/2010/main" val="2969580906"/>
+        <p14:creationId xmlns:p14="http://schemas.microsoft.com/office/powerpoint/2010/main" val="2403009977"/>
       </p:ext>
     </p:extLst>
   </p:cSld>
@@ -2072,23 +4766,25 @@
         </p:nvSpPr>
         <p:spPr>
           <a:xfrm>
-            <a:off x="457200" y="273050"/>
-            <a:ext cx="3008313" cy="1162050"/>
+            <a:off x="1113524" y="1600200"/>
+            <a:ext cx="2662534" cy="1371600"/>
           </a:xfrm>
         </p:spPr>
         <p:txBody>
-          <a:bodyPr anchor="b"/>
+          <a:bodyPr anchor="b">
+            <a:normAutofit/>
+          </a:bodyPr>
           <a:lstStyle>
-            <a:lvl1pPr algn="l">
-              <a:defRPr sz="2000" b="1"/>
+            <a:lvl1pPr algn="ctr">
+              <a:defRPr sz="2400" b="0"/>
             </a:lvl1pPr>
           </a:lstStyle>
           <a:p>
             <a:r>
-              <a:rPr lang="en-US" smtClean="0"/>
+              <a:rPr lang="en-US"/>
               <a:t>Click to edit Master title style</a:t>
             </a:r>
-            <a:endParaRPr lang="en-US"/>
+            <a:endParaRPr lang="en-US" dirty="0"/>
           </a:p>
         </p:txBody>
       </p:sp>
@@ -2104,76 +4800,78 @@
         </p:nvSpPr>
         <p:spPr>
           <a:xfrm>
-            <a:off x="3575050" y="273050"/>
-            <a:ext cx="5111750" cy="5853113"/>
+            <a:off x="3947553" y="685800"/>
+            <a:ext cx="4681962" cy="5105401"/>
           </a:xfrm>
         </p:spPr>
         <p:txBody>
-          <a:bodyPr/>
+          <a:bodyPr anchor="ctr">
+            <a:normAutofit/>
+          </a:bodyPr>
           <a:lstStyle>
             <a:lvl1pPr>
-              <a:defRPr sz="3200"/>
+              <a:defRPr sz="2000"/>
             </a:lvl1pPr>
             <a:lvl2pPr>
-              <a:defRPr sz="2800"/>
+              <a:defRPr sz="1800"/>
             </a:lvl2pPr>
             <a:lvl3pPr>
-              <a:defRPr sz="2400"/>
+              <a:defRPr sz="1600"/>
             </a:lvl3pPr>
             <a:lvl4pPr>
-              <a:defRPr sz="2000"/>
+              <a:defRPr sz="1400"/>
             </a:lvl4pPr>
             <a:lvl5pPr>
-              <a:defRPr sz="2000"/>
+              <a:defRPr sz="1400"/>
             </a:lvl5pPr>
             <a:lvl6pPr>
-              <a:defRPr sz="2000"/>
+              <a:defRPr sz="1400"/>
             </a:lvl6pPr>
             <a:lvl7pPr>
-              <a:defRPr sz="2000"/>
+              <a:defRPr sz="1400"/>
             </a:lvl7pPr>
             <a:lvl8pPr>
-              <a:defRPr sz="2000"/>
+              <a:defRPr sz="1400"/>
             </a:lvl8pPr>
             <a:lvl9pPr>
-              <a:defRPr sz="2000"/>
+              <a:defRPr sz="1400"/>
             </a:lvl9pPr>
           </a:lstStyle>
           <a:p>
             <a:pPr lvl="0"/>
             <a:r>
-              <a:rPr lang="en-US" smtClean="0"/>
-              <a:t>Click to edit Master text styles</a:t>
+              <a:rPr lang="en-US"/>
+              <a:t>Edit Master text styles</a:t>
             </a:r>
           </a:p>
           <a:p>
             <a:pPr lvl="1"/>
             <a:r>
-              <a:rPr lang="en-US" smtClean="0"/>
+              <a:rPr lang="en-US"/>
               <a:t>Second level</a:t>
             </a:r>
           </a:p>
           <a:p>
             <a:pPr lvl="2"/>
             <a:r>
-              <a:rPr lang="en-US" smtClean="0"/>
+              <a:rPr lang="en-US"/>
               <a:t>Third level</a:t>
             </a:r>
           </a:p>
           <a:p>
             <a:pPr lvl="3"/>
             <a:r>
-              <a:rPr lang="en-US" smtClean="0"/>
+              <a:rPr lang="en-US"/>
               <a:t>Fourth level</a:t>
             </a:r>
           </a:p>
           <a:p>
             <a:pPr lvl="4"/>
             <a:r>
-              <a:rPr lang="en-US" smtClean="0"/>
+              <a:rPr lang="en-US"/>
               <a:t>Fifth level</a:t>
             </a:r>
-            <a:endParaRPr lang="en-US"/>
+            <a:endParaRPr lang="en-US" dirty="0"/>
           </a:p>
         </p:txBody>
       </p:sp>
@@ -2189,16 +4887,18 @@
         </p:nvSpPr>
         <p:spPr>
           <a:xfrm>
-            <a:off x="457200" y="1435100"/>
-            <a:ext cx="3008313" cy="4691063"/>
+            <a:off x="1113524" y="2971800"/>
+            <a:ext cx="2662534" cy="1828800"/>
           </a:xfrm>
         </p:spPr>
         <p:txBody>
-          <a:bodyPr/>
+          <a:bodyPr>
+            <a:normAutofit/>
+          </a:bodyPr>
           <a:lstStyle>
-            <a:lvl1pPr marL="0" indent="0">
-              <a:buNone/>
-              <a:defRPr sz="1400"/>
+            <a:lvl1pPr marL="0" indent="0" algn="ctr">
+              <a:buNone/>
+              <a:defRPr sz="1600"/>
             </a:lvl1pPr>
             <a:lvl2pPr marL="457200" indent="0">
               <a:buNone/>
@@ -2236,8 +4936,8 @@
           <a:p>
             <a:pPr lvl="0"/>
             <a:r>
-              <a:rPr lang="en-US" smtClean="0"/>
-              <a:t>Click to edit Master text styles</a:t>
+              <a:rPr lang="en-US"/>
+              <a:t>Edit Master text styles</a:t>
             </a:r>
           </a:p>
         </p:txBody>
@@ -2259,7 +4959,7 @@
           <a:p>
             <a:fld id="{F28143BE-8687-4D26-9AAF-8C4268D8E83E}" type="datetimeFigureOut">
               <a:rPr lang="en-US" smtClean="0"/>
-              <a:t>3/6/2018</a:t>
+              <a:t>06-Mar-18</a:t>
             </a:fld>
             <a:endParaRPr lang="en-US"/>
           </a:p>
@@ -2310,7 +5010,7 @@
     </p:spTree>
     <p:extLst>
       <p:ext uri="{BB962C8B-B14F-4D97-AF65-F5344CB8AC3E}">
-        <p14:creationId xmlns:p14="http://schemas.microsoft.com/office/powerpoint/2010/main" val="2063819938"/>
+        <p14:creationId xmlns:p14="http://schemas.microsoft.com/office/powerpoint/2010/main" val="1351386287"/>
       </p:ext>
     </p:extLst>
   </p:cSld>
@@ -2349,31 +5049,33 @@
         </p:nvSpPr>
         <p:spPr>
           <a:xfrm>
-            <a:off x="1792288" y="4800600"/>
-            <a:ext cx="5486400" cy="566738"/>
+            <a:off x="1112332" y="1752599"/>
+            <a:ext cx="4070679" cy="1371600"/>
           </a:xfrm>
         </p:spPr>
         <p:txBody>
-          <a:bodyPr anchor="b"/>
+          <a:bodyPr anchor="b">
+            <a:normAutofit/>
+          </a:bodyPr>
           <a:lstStyle>
-            <a:lvl1pPr algn="l">
-              <a:defRPr sz="2000" b="1"/>
+            <a:lvl1pPr algn="ctr">
+              <a:defRPr sz="2800" b="0"/>
             </a:lvl1pPr>
           </a:lstStyle>
           <a:p>
             <a:r>
-              <a:rPr lang="en-US" smtClean="0"/>
+              <a:rPr lang="en-US"/>
               <a:t>Click to edit Master title style</a:t>
             </a:r>
-            <a:endParaRPr lang="en-US"/>
-          </a:p>
-        </p:txBody>
-      </p:sp>
-      <p:sp>
-        <p:nvSpPr>
-          <p:cNvPr id="3" name="Picture Placeholder 2"/>
-          <p:cNvSpPr>
-            <a:spLocks noGrp="1"/>
+            <a:endParaRPr lang="en-US" dirty="0"/>
+          </a:p>
+        </p:txBody>
+      </p:sp>
+      <p:sp>
+        <p:nvSpPr>
+          <p:cNvPr id="14" name="Picture Placeholder 2"/>
+          <p:cNvSpPr>
+            <a:spLocks noGrp="1" noChangeAspect="1"/>
           </p:cNvSpPr>
           <p:nvPr>
             <p:ph type="pic" idx="1"/>
@@ -2381,77 +5083,113 @@
         </p:nvSpPr>
         <p:spPr>
           <a:xfrm>
-            <a:off x="1792288" y="612775"/>
-            <a:ext cx="5486400" cy="4114800"/>
+            <a:off x="5697495" y="914400"/>
+            <a:ext cx="2461371" cy="4572000"/>
+          </a:xfrm>
+          <a:prstGeom prst="roundRect">
+            <a:avLst>
+              <a:gd name="adj" fmla="val 4280"/>
+            </a:avLst>
+          </a:prstGeom>
+          <a:ln w="38100">
+            <a:gradFill flip="none" rotWithShape="1">
+              <a:gsLst>
+                <a:gs pos="0">
+                  <a:schemeClr val="bg2"/>
+                </a:gs>
+                <a:gs pos="100000">
+                  <a:schemeClr val="bg2">
+                    <a:lumMod val="75000"/>
+                  </a:schemeClr>
+                </a:gs>
+              </a:gsLst>
+              <a:lin ang="5400000" scaled="0"/>
+              <a:tileRect/>
+            </a:gradFill>
+          </a:ln>
+          <a:effectLst>
+            <a:innerShdw blurRad="57150" dist="38100" dir="14460000">
+              <a:srgbClr val="000000">
+                <a:alpha val="70000"/>
+              </a:srgbClr>
+            </a:innerShdw>
+          </a:effectLst>
+        </p:spPr>
+        <p:txBody>
+          <a:bodyPr anchor="t">
+            <a:normAutofit/>
+          </a:bodyPr>
+          <a:lstStyle>
+            <a:lvl1pPr marL="0" indent="0" algn="ctr">
+              <a:buNone/>
+              <a:defRPr sz="1600"/>
+            </a:lvl1pPr>
+            <a:lvl2pPr marL="457200" indent="0">
+              <a:buNone/>
+              <a:defRPr sz="1600"/>
+            </a:lvl2pPr>
+            <a:lvl3pPr marL="914400" indent="0">
+              <a:buNone/>
+              <a:defRPr sz="1600"/>
+            </a:lvl3pPr>
+            <a:lvl4pPr marL="1371600" indent="0">
+              <a:buNone/>
+              <a:defRPr sz="1600"/>
+            </a:lvl4pPr>
+            <a:lvl5pPr marL="1828800" indent="0">
+              <a:buNone/>
+              <a:defRPr sz="1600"/>
+            </a:lvl5pPr>
+            <a:lvl6pPr marL="2286000" indent="0">
+              <a:buNone/>
+              <a:defRPr sz="1600"/>
+            </a:lvl6pPr>
+            <a:lvl7pPr marL="2743200" indent="0">
+              <a:buNone/>
+              <a:defRPr sz="1600"/>
+            </a:lvl7pPr>
+            <a:lvl8pPr marL="3200400" indent="0">
+              <a:buNone/>
+              <a:defRPr sz="1600"/>
+            </a:lvl8pPr>
+            <a:lvl9pPr marL="3657600" indent="0">
+              <a:buNone/>
+              <a:defRPr sz="1600"/>
+            </a:lvl9pPr>
+          </a:lstStyle>
+          <a:p>
+            <a:r>
+              <a:rPr lang="en-US"/>
+              <a:t>Click icon to add picture</a:t>
+            </a:r>
+            <a:endParaRPr lang="en-US" dirty="0"/>
+          </a:p>
+        </p:txBody>
+      </p:sp>
+      <p:sp>
+        <p:nvSpPr>
+          <p:cNvPr id="4" name="Text Placeholder 3"/>
+          <p:cNvSpPr>
+            <a:spLocks noGrp="1"/>
+          </p:cNvSpPr>
+          <p:nvPr>
+            <p:ph type="body" sz="half" idx="2"/>
+          </p:nvPr>
+        </p:nvSpPr>
+        <p:spPr>
+          <a:xfrm>
+            <a:off x="1112332" y="3124199"/>
+            <a:ext cx="4070679" cy="1828800"/>
           </a:xfrm>
         </p:spPr>
         <p:txBody>
-          <a:bodyPr/>
+          <a:bodyPr>
+            <a:normAutofit/>
+          </a:bodyPr>
           <a:lstStyle>
-            <a:lvl1pPr marL="0" indent="0">
-              <a:buNone/>
-              <a:defRPr sz="3200"/>
-            </a:lvl1pPr>
-            <a:lvl2pPr marL="457200" indent="0">
-              <a:buNone/>
-              <a:defRPr sz="2800"/>
-            </a:lvl2pPr>
-            <a:lvl3pPr marL="914400" indent="0">
-              <a:buNone/>
-              <a:defRPr sz="2400"/>
-            </a:lvl3pPr>
-            <a:lvl4pPr marL="1371600" indent="0">
-              <a:buNone/>
-              <a:defRPr sz="2000"/>
-            </a:lvl4pPr>
-            <a:lvl5pPr marL="1828800" indent="0">
-              <a:buNone/>
-              <a:defRPr sz="2000"/>
-            </a:lvl5pPr>
-            <a:lvl6pPr marL="2286000" indent="0">
-              <a:buNone/>
-              <a:defRPr sz="2000"/>
-            </a:lvl6pPr>
-            <a:lvl7pPr marL="2743200" indent="0">
-              <a:buNone/>
-              <a:defRPr sz="2000"/>
-            </a:lvl7pPr>
-            <a:lvl8pPr marL="3200400" indent="0">
-              <a:buNone/>
-              <a:defRPr sz="2000"/>
-            </a:lvl8pPr>
-            <a:lvl9pPr marL="3657600" indent="0">
-              <a:buNone/>
-              <a:defRPr sz="2000"/>
-            </a:lvl9pPr>
-          </a:lstStyle>
-          <a:p>
-            <a:endParaRPr lang="en-US"/>
-          </a:p>
-        </p:txBody>
-      </p:sp>
-      <p:sp>
-        <p:nvSpPr>
-          <p:cNvPr id="4" name="Text Placeholder 3"/>
-          <p:cNvSpPr>
-            <a:spLocks noGrp="1"/>
-          </p:cNvSpPr>
-          <p:nvPr>
-            <p:ph type="body" sz="half" idx="2"/>
-          </p:nvPr>
-        </p:nvSpPr>
-        <p:spPr>
-          <a:xfrm>
-            <a:off x="1792288" y="5367338"/>
-            <a:ext cx="5486400" cy="804862"/>
-          </a:xfrm>
-        </p:spPr>
-        <p:txBody>
-          <a:bodyPr/>
-          <a:lstStyle>
-            <a:lvl1pPr marL="0" indent="0">
-              <a:buNone/>
-              <a:defRPr sz="1400"/>
+            <a:lvl1pPr marL="0" indent="0" algn="ctr">
+              <a:buNone/>
+              <a:defRPr sz="1800"/>
             </a:lvl1pPr>
             <a:lvl2pPr marL="457200" indent="0">
               <a:buNone/>
@@ -2489,8 +5227,8 @@
           <a:p>
             <a:pPr lvl="0"/>
             <a:r>
-              <a:rPr lang="en-US" smtClean="0"/>
-              <a:t>Click to edit Master text styles</a:t>
+              <a:rPr lang="en-US"/>
+              <a:t>Edit Master text styles</a:t>
             </a:r>
           </a:p>
         </p:txBody>
@@ -2512,7 +5250,7 @@
           <a:p>
             <a:fld id="{F28143BE-8687-4D26-9AAF-8C4268D8E83E}" type="datetimeFigureOut">
               <a:rPr lang="en-US" smtClean="0"/>
-              <a:t>3/6/2018</a:t>
+              <a:t>06-Mar-18</a:t>
             </a:fld>
             <a:endParaRPr lang="en-US"/>
           </a:p>
@@ -2533,7 +5271,7 @@
           <a:bodyPr/>
           <a:lstStyle/>
           <a:p>
-            <a:endParaRPr lang="en-US"/>
+            <a:endParaRPr lang="en-US" dirty="0"/>
           </a:p>
         </p:txBody>
       </p:sp>
@@ -2563,7 +5301,7 @@
     </p:spTree>
     <p:extLst>
       <p:ext uri="{BB962C8B-B14F-4D97-AF65-F5344CB8AC3E}">
-        <p14:creationId xmlns:p14="http://schemas.microsoft.com/office/powerpoint/2010/main" val="3780368994"/>
+        <p14:creationId xmlns:p14="http://schemas.microsoft.com/office/powerpoint/2010/main" val="2136206906"/>
       </p:ext>
     </p:extLst>
   </p:cSld>
@@ -2577,8 +5315,8 @@
 <p:sldMaster xmlns:a="http://schemas.openxmlformats.org/drawingml/2006/main" xmlns:r="http://schemas.openxmlformats.org/officeDocument/2006/relationships" xmlns:p="http://schemas.openxmlformats.org/presentationml/2006/main">
   <p:cSld>
     <p:bg>
-      <p:bgRef idx="1001">
-        <a:schemeClr val="bg1"/>
+      <p:bgRef idx="1003">
+        <a:schemeClr val="bg2"/>
       </p:bgRef>
     </p:bg>
     <p:spTree>
@@ -2595,6 +5333,316 @@
           <a:chExt cx="0" cy="0"/>
         </a:xfrm>
       </p:grpSpPr>
+      <p:grpSp>
+        <p:nvGrpSpPr>
+          <p:cNvPr id="14" name="Group 13"/>
+          <p:cNvGrpSpPr/>
+          <p:nvPr/>
+        </p:nvGrpSpPr>
+        <p:grpSpPr>
+          <a:xfrm>
+            <a:off x="0" y="0"/>
+            <a:ext cx="2132013" cy="6858001"/>
+            <a:chOff x="0" y="0"/>
+            <a:chExt cx="2132013" cy="6858001"/>
+          </a:xfrm>
+        </p:grpSpPr>
+        <p:sp>
+          <p:nvSpPr>
+            <p:cNvPr id="15" name="Freeform 6"/>
+            <p:cNvSpPr/>
+            <p:nvPr/>
+          </p:nvSpPr>
+          <p:spPr bwMode="auto">
+            <a:xfrm>
+              <a:off x="0" y="0"/>
+              <a:ext cx="1073150" cy="5291138"/>
+            </a:xfrm>
+            <a:custGeom>
+              <a:avLst/>
+              <a:gdLst/>
+              <a:ahLst/>
+              <a:cxnLst/>
+              <a:rect l="0" t="0" r="r" b="b"/>
+              <a:pathLst>
+                <a:path w="676" h="3333">
+                  <a:moveTo>
+                    <a:pt x="0" y="3132"/>
+                  </a:moveTo>
+                  <a:lnTo>
+                    <a:pt x="0" y="3312"/>
+                  </a:lnTo>
+                  <a:lnTo>
+                    <a:pt x="126" y="3333"/>
+                  </a:lnTo>
+                  <a:lnTo>
+                    <a:pt x="676" y="0"/>
+                  </a:lnTo>
+                  <a:lnTo>
+                    <a:pt x="514" y="0"/>
+                  </a:lnTo>
+                  <a:lnTo>
+                    <a:pt x="0" y="3132"/>
+                  </a:lnTo>
+                  <a:close/>
+                </a:path>
+              </a:pathLst>
+            </a:custGeom>
+            <a:solidFill>
+              <a:schemeClr val="accent1"/>
+            </a:solidFill>
+            <a:ln>
+              <a:noFill/>
+            </a:ln>
+          </p:spPr>
+        </p:sp>
+        <p:sp>
+          <p:nvSpPr>
+            <p:cNvPr id="16" name="Freeform 7"/>
+            <p:cNvSpPr/>
+            <p:nvPr/>
+          </p:nvSpPr>
+          <p:spPr bwMode="auto">
+            <a:xfrm>
+              <a:off x="0" y="0"/>
+              <a:ext cx="758825" cy="4624388"/>
+            </a:xfrm>
+            <a:custGeom>
+              <a:avLst/>
+              <a:gdLst/>
+              <a:ahLst/>
+              <a:cxnLst/>
+              <a:rect l="0" t="0" r="r" b="b"/>
+              <a:pathLst>
+                <a:path w="478" h="2913">
+                  <a:moveTo>
+                    <a:pt x="478" y="0"/>
+                  </a:moveTo>
+                  <a:lnTo>
+                    <a:pt x="318" y="0"/>
+                  </a:lnTo>
+                  <a:lnTo>
+                    <a:pt x="0" y="1938"/>
+                  </a:lnTo>
+                  <a:lnTo>
+                    <a:pt x="0" y="2913"/>
+                  </a:lnTo>
+                  <a:lnTo>
+                    <a:pt x="478" y="0"/>
+                  </a:lnTo>
+                  <a:close/>
+                </a:path>
+              </a:pathLst>
+            </a:custGeom>
+            <a:solidFill>
+              <a:schemeClr val="tx1">
+                <a:lumMod val="65000"/>
+                <a:lumOff val="35000"/>
+              </a:schemeClr>
+            </a:solidFill>
+            <a:ln>
+              <a:noFill/>
+            </a:ln>
+          </p:spPr>
+        </p:sp>
+        <p:sp>
+          <p:nvSpPr>
+            <p:cNvPr id="17" name="Freeform 8"/>
+            <p:cNvSpPr/>
+            <p:nvPr/>
+          </p:nvSpPr>
+          <p:spPr bwMode="auto">
+            <a:xfrm>
+              <a:off x="0" y="5662613"/>
+              <a:ext cx="906463" cy="1195388"/>
+            </a:xfrm>
+            <a:custGeom>
+              <a:avLst/>
+              <a:gdLst/>
+              <a:ahLst/>
+              <a:cxnLst/>
+              <a:rect l="0" t="0" r="r" b="b"/>
+              <a:pathLst>
+                <a:path w="571" h="753">
+                  <a:moveTo>
+                    <a:pt x="0" y="0"/>
+                  </a:moveTo>
+                  <a:lnTo>
+                    <a:pt x="0" y="12"/>
+                  </a:lnTo>
+                  <a:lnTo>
+                    <a:pt x="538" y="753"/>
+                  </a:lnTo>
+                  <a:lnTo>
+                    <a:pt x="571" y="753"/>
+                  </a:lnTo>
+                  <a:lnTo>
+                    <a:pt x="0" y="0"/>
+                  </a:lnTo>
+                  <a:close/>
+                </a:path>
+              </a:pathLst>
+            </a:custGeom>
+            <a:solidFill>
+              <a:schemeClr val="tx1">
+                <a:lumMod val="85000"/>
+                <a:lumOff val="15000"/>
+              </a:schemeClr>
+            </a:solidFill>
+            <a:ln>
+              <a:noFill/>
+            </a:ln>
+          </p:spPr>
+        </p:sp>
+        <p:sp>
+          <p:nvSpPr>
+            <p:cNvPr id="18" name="Freeform 9"/>
+            <p:cNvSpPr/>
+            <p:nvPr/>
+          </p:nvSpPr>
+          <p:spPr bwMode="auto">
+            <a:xfrm>
+              <a:off x="0" y="5295900"/>
+              <a:ext cx="1487488" cy="1562100"/>
+            </a:xfrm>
+            <a:custGeom>
+              <a:avLst/>
+              <a:gdLst/>
+              <a:ahLst/>
+              <a:cxnLst/>
+              <a:rect l="0" t="0" r="r" b="b"/>
+              <a:pathLst>
+                <a:path w="937" h="984">
+                  <a:moveTo>
+                    <a:pt x="0" y="0"/>
+                  </a:moveTo>
+                  <a:lnTo>
+                    <a:pt x="0" y="3"/>
+                  </a:lnTo>
+                  <a:lnTo>
+                    <a:pt x="901" y="984"/>
+                  </a:lnTo>
+                  <a:lnTo>
+                    <a:pt x="937" y="984"/>
+                  </a:lnTo>
+                  <a:lnTo>
+                    <a:pt x="0" y="0"/>
+                  </a:lnTo>
+                  <a:close/>
+                </a:path>
+              </a:pathLst>
+            </a:custGeom>
+            <a:solidFill>
+              <a:schemeClr val="accent1">
+                <a:lumMod val="50000"/>
+              </a:schemeClr>
+            </a:solidFill>
+            <a:ln>
+              <a:noFill/>
+            </a:ln>
+          </p:spPr>
+        </p:sp>
+        <p:sp>
+          <p:nvSpPr>
+            <p:cNvPr id="19" name="Freeform 10"/>
+            <p:cNvSpPr/>
+            <p:nvPr/>
+          </p:nvSpPr>
+          <p:spPr bwMode="auto">
+            <a:xfrm>
+              <a:off x="0" y="5257800"/>
+              <a:ext cx="2132013" cy="1600200"/>
+            </a:xfrm>
+            <a:custGeom>
+              <a:avLst/>
+              <a:gdLst/>
+              <a:ahLst/>
+              <a:cxnLst/>
+              <a:rect l="0" t="0" r="r" b="b"/>
+              <a:pathLst>
+                <a:path w="1343" h="1008">
+                  <a:moveTo>
+                    <a:pt x="0" y="24"/>
+                  </a:moveTo>
+                  <a:lnTo>
+                    <a:pt x="937" y="1008"/>
+                  </a:lnTo>
+                  <a:lnTo>
+                    <a:pt x="1343" y="1008"/>
+                  </a:lnTo>
+                  <a:lnTo>
+                    <a:pt x="126" y="21"/>
+                  </a:lnTo>
+                  <a:lnTo>
+                    <a:pt x="0" y="0"/>
+                  </a:lnTo>
+                  <a:lnTo>
+                    <a:pt x="0" y="24"/>
+                  </a:lnTo>
+                  <a:close/>
+                </a:path>
+              </a:pathLst>
+            </a:custGeom>
+            <a:solidFill>
+              <a:schemeClr val="accent1">
+                <a:lumMod val="75000"/>
+              </a:schemeClr>
+            </a:solidFill>
+            <a:ln>
+              <a:noFill/>
+            </a:ln>
+          </p:spPr>
+        </p:sp>
+        <p:sp>
+          <p:nvSpPr>
+            <p:cNvPr id="20" name="Freeform 11"/>
+            <p:cNvSpPr/>
+            <p:nvPr/>
+          </p:nvSpPr>
+          <p:spPr bwMode="auto">
+            <a:xfrm>
+              <a:off x="0" y="5357813"/>
+              <a:ext cx="1377950" cy="1500188"/>
+            </a:xfrm>
+            <a:custGeom>
+              <a:avLst/>
+              <a:gdLst/>
+              <a:ahLst/>
+              <a:cxnLst/>
+              <a:rect l="0" t="0" r="r" b="b"/>
+              <a:pathLst>
+                <a:path w="868" h="945">
+                  <a:moveTo>
+                    <a:pt x="0" y="192"/>
+                  </a:moveTo>
+                  <a:lnTo>
+                    <a:pt x="571" y="945"/>
+                  </a:lnTo>
+                  <a:lnTo>
+                    <a:pt x="868" y="945"/>
+                  </a:lnTo>
+                  <a:lnTo>
+                    <a:pt x="0" y="0"/>
+                  </a:lnTo>
+                  <a:lnTo>
+                    <a:pt x="0" y="192"/>
+                  </a:lnTo>
+                  <a:close/>
+                </a:path>
+              </a:pathLst>
+            </a:custGeom>
+            <a:solidFill>
+              <a:schemeClr val="tx1">
+                <a:lumMod val="75000"/>
+                <a:lumOff val="25000"/>
+              </a:schemeClr>
+            </a:solidFill>
+            <a:ln>
+              <a:noFill/>
+            </a:ln>
+          </p:spPr>
+        </p:sp>
+      </p:grpSp>
       <p:sp>
         <p:nvSpPr>
           <p:cNvPr id="2" name="Title Placeholder 1"/>
@@ -2607,8 +5655,42 @@
         </p:nvSpPr>
         <p:spPr>
           <a:xfrm>
-            <a:off x="457200" y="274638"/>
-            <a:ext cx="8229600" cy="1143000"/>
+            <a:off x="982133" y="457201"/>
+            <a:ext cx="7704667" cy="1981200"/>
+          </a:xfrm>
+          <a:prstGeom prst="rect">
+            <a:avLst/>
+          </a:prstGeom>
+          <a:effectLst/>
+        </p:spPr>
+        <p:txBody>
+          <a:bodyPr vert="horz" lIns="91440" tIns="45720" rIns="91440" bIns="45720" rtlCol="0" anchor="ctr">
+            <a:normAutofit/>
+          </a:bodyPr>
+          <a:lstStyle/>
+          <a:p>
+            <a:r>
+              <a:rPr lang="en-US"/>
+              <a:t>Click to edit Master title style</a:t>
+            </a:r>
+            <a:endParaRPr lang="en-US" dirty="0"/>
+          </a:p>
+        </p:txBody>
+      </p:sp>
+      <p:sp>
+        <p:nvSpPr>
+          <p:cNvPr id="3" name="Text Placeholder 2"/>
+          <p:cNvSpPr>
+            <a:spLocks noGrp="1"/>
+          </p:cNvSpPr>
+          <p:nvPr>
+            <p:ph type="body" idx="1"/>
+          </p:nvPr>
+        </p:nvSpPr>
+        <p:spPr>
+          <a:xfrm>
+            <a:off x="982134" y="2667000"/>
+            <a:ext cx="7704666" cy="3356995"/>
           </a:xfrm>
           <a:prstGeom prst="rect">
             <a:avLst/>
@@ -2620,90 +5702,98 @@
           </a:bodyPr>
           <a:lstStyle/>
           <a:p>
-            <a:r>
-              <a:rPr lang="en-US" smtClean="0"/>
-              <a:t>Click to edit Master title style</a:t>
-            </a:r>
-            <a:endParaRPr lang="en-US"/>
-          </a:p>
-        </p:txBody>
-      </p:sp>
-      <p:sp>
-        <p:nvSpPr>
-          <p:cNvPr id="3" name="Text Placeholder 2"/>
-          <p:cNvSpPr>
-            <a:spLocks noGrp="1"/>
-          </p:cNvSpPr>
-          <p:nvPr>
-            <p:ph type="body" idx="1"/>
+            <a:pPr lvl="0"/>
+            <a:r>
+              <a:rPr lang="en-US"/>
+              <a:t>Edit Master text styles</a:t>
+            </a:r>
+          </a:p>
+          <a:p>
+            <a:pPr lvl="1"/>
+            <a:r>
+              <a:rPr lang="en-US"/>
+              <a:t>Second level</a:t>
+            </a:r>
+          </a:p>
+          <a:p>
+            <a:pPr lvl="2"/>
+            <a:r>
+              <a:rPr lang="en-US"/>
+              <a:t>Third level</a:t>
+            </a:r>
+          </a:p>
+          <a:p>
+            <a:pPr lvl="3"/>
+            <a:r>
+              <a:rPr lang="en-US"/>
+              <a:t>Fourth level</a:t>
+            </a:r>
+          </a:p>
+          <a:p>
+            <a:pPr lvl="4"/>
+            <a:r>
+              <a:rPr lang="en-US"/>
+              <a:t>Fifth level</a:t>
+            </a:r>
+            <a:endParaRPr lang="en-US" dirty="0"/>
+          </a:p>
+        </p:txBody>
+      </p:sp>
+      <p:sp>
+        <p:nvSpPr>
+          <p:cNvPr id="4" name="Date Placeholder 3"/>
+          <p:cNvSpPr>
+            <a:spLocks noGrp="1"/>
+          </p:cNvSpPr>
+          <p:nvPr>
+            <p:ph type="dt" sz="half" idx="2"/>
           </p:nvPr>
         </p:nvSpPr>
         <p:spPr>
           <a:xfrm>
-            <a:off x="457200" y="1600200"/>
-            <a:ext cx="8229600" cy="4525963"/>
+            <a:off x="7358679" y="6116070"/>
+            <a:ext cx="857473" cy="365125"/>
           </a:xfrm>
           <a:prstGeom prst="rect">
             <a:avLst/>
           </a:prstGeom>
         </p:spPr>
         <p:txBody>
-          <a:bodyPr vert="horz" lIns="91440" tIns="45720" rIns="91440" bIns="45720" rtlCol="0">
-            <a:normAutofit/>
-          </a:bodyPr>
-          <a:lstStyle/>
-          <a:p>
-            <a:pPr lvl="0"/>
-            <a:r>
+          <a:bodyPr vert="horz" lIns="91440" tIns="45720" rIns="91440" bIns="45720" rtlCol="0" anchor="ctr"/>
+          <a:lstStyle>
+            <a:lvl1pPr algn="r">
+              <a:defRPr sz="1000" b="0" i="0">
+                <a:solidFill>
+                  <a:schemeClr val="tx1"/>
+                </a:solidFill>
+                <a:effectLst/>
+                <a:latin typeface="+mn-lt"/>
+              </a:defRPr>
+            </a:lvl1pPr>
+          </a:lstStyle>
+          <a:p>
+            <a:fld id="{F28143BE-8687-4D26-9AAF-8C4268D8E83E}" type="datetimeFigureOut">
               <a:rPr lang="en-US" smtClean="0"/>
-              <a:t>Click to edit Master text styles</a:t>
-            </a:r>
-          </a:p>
-          <a:p>
-            <a:pPr lvl="1"/>
-            <a:r>
-              <a:rPr lang="en-US" smtClean="0"/>
-              <a:t>Second level</a:t>
-            </a:r>
-          </a:p>
-          <a:p>
-            <a:pPr lvl="2"/>
-            <a:r>
-              <a:rPr lang="en-US" smtClean="0"/>
-              <a:t>Third level</a:t>
-            </a:r>
-          </a:p>
-          <a:p>
-            <a:pPr lvl="3"/>
-            <a:r>
-              <a:rPr lang="en-US" smtClean="0"/>
-              <a:t>Fourth level</a:t>
-            </a:r>
-          </a:p>
-          <a:p>
-            <a:pPr lvl="4"/>
-            <a:r>
-              <a:rPr lang="en-US" smtClean="0"/>
-              <a:t>Fifth level</a:t>
-            </a:r>
+              <a:t>06-Mar-18</a:t>
+            </a:fld>
             <a:endParaRPr lang="en-US"/>
           </a:p>
         </p:txBody>
       </p:sp>
       <p:sp>
         <p:nvSpPr>
-          <p:cNvPr id="4" name="Date Placeholder 3"/>
-          <p:cNvSpPr>
-            <a:spLocks noGrp="1"/>
-          </p:cNvSpPr>
-          <p:nvPr>
-            <p:ph type="dt" sz="half" idx="2"/>
+          <p:cNvPr id="5" name="Footer Placeholder 4"/>
+          <p:cNvSpPr>
+            <a:spLocks noGrp="1"/>
+          </p:cNvSpPr>
+          <p:nvPr>
+            <p:ph type="ftr" sz="quarter" idx="3"/>
           </p:nvPr>
         </p:nvSpPr>
         <p:spPr>
           <a:xfrm>
-            <a:off x="457200" y="6356350"/>
-            <a:ext cx="2133600" cy="365125"/>
+            <a:off x="1986997" y="6116070"/>
+            <a:ext cx="5314517" cy="365125"/>
           </a:xfrm>
           <a:prstGeom prst="rect">
             <a:avLst/>
@@ -2713,38 +5803,34 @@
           <a:bodyPr vert="horz" lIns="91440" tIns="45720" rIns="91440" bIns="45720" rtlCol="0" anchor="ctr"/>
           <a:lstStyle>
             <a:lvl1pPr algn="l">
-              <a:defRPr sz="1200">
-                <a:solidFill>
-                  <a:schemeClr val="tx1">
-                    <a:tint val="75000"/>
-                  </a:schemeClr>
-                </a:solidFill>
+              <a:defRPr sz="1000" b="0" i="0">
+                <a:solidFill>
+                  <a:schemeClr val="tx1"/>
+                </a:solidFill>
+                <a:effectLst/>
+                <a:latin typeface="+mn-lt"/>
               </a:defRPr>
             </a:lvl1pPr>
           </a:lstStyle>
           <a:p>
-            <a:fld id="{F28143BE-8687-4D26-9AAF-8C4268D8E83E}" type="datetimeFigureOut">
-              <a:rPr lang="en-US" smtClean="0"/>
-              <a:t>3/6/2018</a:t>
-            </a:fld>
             <a:endParaRPr lang="en-US"/>
           </a:p>
         </p:txBody>
       </p:sp>
       <p:sp>
         <p:nvSpPr>
-          <p:cNvPr id="5" name="Footer Placeholder 4"/>
-          <p:cNvSpPr>
-            <a:spLocks noGrp="1"/>
-          </p:cNvSpPr>
-          <p:nvPr>
-            <p:ph type="ftr" sz="quarter" idx="3"/>
+          <p:cNvPr id="6" name="Slide Number Placeholder 5"/>
+          <p:cNvSpPr>
+            <a:spLocks noGrp="1"/>
+          </p:cNvSpPr>
+          <p:nvPr>
+            <p:ph type="sldNum" sz="quarter" idx="4"/>
           </p:nvPr>
         </p:nvSpPr>
         <p:spPr>
           <a:xfrm>
-            <a:off x="3124200" y="6356350"/>
-            <a:ext cx="2895600" cy="365125"/>
+            <a:off x="8273317" y="6116070"/>
+            <a:ext cx="413483" cy="365125"/>
           </a:xfrm>
           <a:prstGeom prst="rect">
             <a:avLst/>
@@ -2753,50 +5839,13 @@
         <p:txBody>
           <a:bodyPr vert="horz" lIns="91440" tIns="45720" rIns="91440" bIns="45720" rtlCol="0" anchor="ctr"/>
           <a:lstStyle>
-            <a:lvl1pPr algn="ctr">
-              <a:defRPr sz="1200">
-                <a:solidFill>
-                  <a:schemeClr val="tx1">
-                    <a:tint val="75000"/>
-                  </a:schemeClr>
-                </a:solidFill>
-              </a:defRPr>
-            </a:lvl1pPr>
-          </a:lstStyle>
-          <a:p>
-            <a:endParaRPr lang="en-US"/>
-          </a:p>
-        </p:txBody>
-      </p:sp>
-      <p:sp>
-        <p:nvSpPr>
-          <p:cNvPr id="6" name="Slide Number Placeholder 5"/>
-          <p:cNvSpPr>
-            <a:spLocks noGrp="1"/>
-          </p:cNvSpPr>
-          <p:nvPr>
-            <p:ph type="sldNum" sz="quarter" idx="4"/>
-          </p:nvPr>
-        </p:nvSpPr>
-        <p:spPr>
-          <a:xfrm>
-            <a:off x="6553200" y="6356350"/>
-            <a:ext cx="2133600" cy="365125"/>
-          </a:xfrm>
-          <a:prstGeom prst="rect">
-            <a:avLst/>
-          </a:prstGeom>
-        </p:spPr>
-        <p:txBody>
-          <a:bodyPr vert="horz" lIns="91440" tIns="45720" rIns="91440" bIns="45720" rtlCol="0" anchor="ctr"/>
-          <a:lstStyle>
             <a:lvl1pPr algn="r">
-              <a:defRPr sz="1200">
-                <a:solidFill>
-                  <a:schemeClr val="tx1">
-                    <a:tint val="75000"/>
-                  </a:schemeClr>
-                </a:solidFill>
+              <a:defRPr sz="1000" b="0" i="0">
+                <a:solidFill>
+                  <a:schemeClr val="tx1"/>
+                </a:solidFill>
+                <a:effectLst/>
+                <a:latin typeface="+mn-lt"/>
               </a:defRPr>
             </a:lvl1pPr>
           </a:lstStyle>
@@ -2812,172 +5861,328 @@
     </p:spTree>
     <p:extLst>
       <p:ext uri="{BB962C8B-B14F-4D97-AF65-F5344CB8AC3E}">
-        <p14:creationId xmlns:p14="http://schemas.microsoft.com/office/powerpoint/2010/main" val="3257618485"/>
+        <p14:creationId xmlns:p14="http://schemas.microsoft.com/office/powerpoint/2010/main" val="2189982458"/>
       </p:ext>
     </p:extLst>
   </p:cSld>
   <p:clrMap bg1="lt1" tx1="dk1" bg2="lt2" tx2="dk2" accent1="accent1" accent2="accent2" accent3="accent3" accent4="accent4" accent5="accent5" accent6="accent6" hlink="hlink" folHlink="folHlink"/>
   <p:sldLayoutIdLst>
-    <p:sldLayoutId id="2147483649" r:id="rId1"/>
-    <p:sldLayoutId id="2147483650" r:id="rId2"/>
-    <p:sldLayoutId id="2147483651" r:id="rId3"/>
-    <p:sldLayoutId id="2147483652" r:id="rId4"/>
-    <p:sldLayoutId id="2147483653" r:id="rId5"/>
-    <p:sldLayoutId id="2147483654" r:id="rId6"/>
-    <p:sldLayoutId id="2147483655" r:id="rId7"/>
-    <p:sldLayoutId id="2147483656" r:id="rId8"/>
-    <p:sldLayoutId id="2147483657" r:id="rId9"/>
-    <p:sldLayoutId id="2147483658" r:id="rId10"/>
-    <p:sldLayoutId id="2147483659" r:id="rId11"/>
+    <p:sldLayoutId id="2147483709" r:id="rId1"/>
+    <p:sldLayoutId id="2147483710" r:id="rId2"/>
+    <p:sldLayoutId id="2147483711" r:id="rId3"/>
+    <p:sldLayoutId id="2147483712" r:id="rId4"/>
+    <p:sldLayoutId id="2147483713" r:id="rId5"/>
+    <p:sldLayoutId id="2147483714" r:id="rId6"/>
+    <p:sldLayoutId id="2147483715" r:id="rId7"/>
+    <p:sldLayoutId id="2147483716" r:id="rId8"/>
+    <p:sldLayoutId id="2147483717" r:id="rId9"/>
+    <p:sldLayoutId id="2147483718" r:id="rId10"/>
+    <p:sldLayoutId id="2147483719" r:id="rId11"/>
+    <p:sldLayoutId id="2147483720" r:id="rId12"/>
+    <p:sldLayoutId id="2147483721" r:id="rId13"/>
+    <p:sldLayoutId id="2147483722" r:id="rId14"/>
+    <p:sldLayoutId id="2147483723" r:id="rId15"/>
+    <p:sldLayoutId id="2147483724" r:id="rId16"/>
+    <p:sldLayoutId id="2147483725" r:id="rId17"/>
   </p:sldLayoutIdLst>
   <p:txStyles>
     <p:titleStyle>
-      <a:lvl1pPr algn="ctr" defTabSz="914400" rtl="0" eaLnBrk="1" latinLnBrk="0" hangingPunct="1">
+      <a:lvl1pPr algn="ctr" defTabSz="457200" rtl="0" eaLnBrk="1" latinLnBrk="0" hangingPunct="1">
         <a:spcBef>
           <a:spcPct val="0"/>
         </a:spcBef>
         <a:buNone/>
-        <a:defRPr sz="4400" kern="1200">
+        <a:defRPr sz="4000" kern="1200" cap="none">
+          <a:ln w="3175" cmpd="sng">
+            <a:noFill/>
+          </a:ln>
           <a:solidFill>
             <a:schemeClr val="tx1"/>
           </a:solidFill>
+          <a:effectLst/>
           <a:latin typeface="+mj-lt"/>
           <a:ea typeface="+mj-ea"/>
           <a:cs typeface="+mj-cs"/>
         </a:defRPr>
       </a:lvl1pPr>
+      <a:lvl2pPr eaLnBrk="1" hangingPunct="1">
+        <a:defRPr>
+          <a:solidFill>
+            <a:schemeClr val="tx2"/>
+          </a:solidFill>
+        </a:defRPr>
+      </a:lvl2pPr>
+      <a:lvl3pPr eaLnBrk="1" hangingPunct="1">
+        <a:defRPr>
+          <a:solidFill>
+            <a:schemeClr val="tx2"/>
+          </a:solidFill>
+        </a:defRPr>
+      </a:lvl3pPr>
+      <a:lvl4pPr eaLnBrk="1" hangingPunct="1">
+        <a:defRPr>
+          <a:solidFill>
+            <a:schemeClr val="tx2"/>
+          </a:solidFill>
+        </a:defRPr>
+      </a:lvl4pPr>
+      <a:lvl5pPr eaLnBrk="1" hangingPunct="1">
+        <a:defRPr>
+          <a:solidFill>
+            <a:schemeClr val="tx2"/>
+          </a:solidFill>
+        </a:defRPr>
+      </a:lvl5pPr>
+      <a:lvl6pPr eaLnBrk="1" hangingPunct="1">
+        <a:defRPr>
+          <a:solidFill>
+            <a:schemeClr val="tx2"/>
+          </a:solidFill>
+        </a:defRPr>
+      </a:lvl6pPr>
+      <a:lvl7pPr eaLnBrk="1" hangingPunct="1">
+        <a:defRPr>
+          <a:solidFill>
+            <a:schemeClr val="tx2"/>
+          </a:solidFill>
+        </a:defRPr>
+      </a:lvl7pPr>
+      <a:lvl8pPr eaLnBrk="1" hangingPunct="1">
+        <a:defRPr>
+          <a:solidFill>
+            <a:schemeClr val="tx2"/>
+          </a:solidFill>
+        </a:defRPr>
+      </a:lvl8pPr>
+      <a:lvl9pPr eaLnBrk="1" hangingPunct="1">
+        <a:defRPr>
+          <a:solidFill>
+            <a:schemeClr val="tx2"/>
+          </a:solidFill>
+        </a:defRPr>
+      </a:lvl9pPr>
     </p:titleStyle>
     <p:bodyStyle>
-      <a:lvl1pPr marL="342900" indent="-342900" algn="l" defTabSz="914400" rtl="0" eaLnBrk="1" latinLnBrk="0" hangingPunct="1">
+      <a:lvl1pPr marL="285750" indent="-285750" algn="l" defTabSz="457200" rtl="0" eaLnBrk="1" latinLnBrk="0" hangingPunct="1">
         <a:spcBef>
           <a:spcPct val="20000"/>
         </a:spcBef>
-        <a:buFont typeface="Arial" pitchFamily="34" charset="0"/>
+        <a:spcAft>
+          <a:spcPts val="600"/>
+        </a:spcAft>
+        <a:buClr>
+          <a:schemeClr val="accent1">
+            <a:lumMod val="75000"/>
+          </a:schemeClr>
+        </a:buClr>
+        <a:buSzPct val="145000"/>
+        <a:buFont typeface="Arial"/>
         <a:buChar char="•"/>
-        <a:defRPr sz="3200" kern="1200">
+        <a:defRPr sz="2400" kern="1200" cap="none">
           <a:solidFill>
             <a:schemeClr val="tx1"/>
           </a:solidFill>
+          <a:effectLst/>
           <a:latin typeface="+mn-lt"/>
           <a:ea typeface="+mn-ea"/>
           <a:cs typeface="+mn-cs"/>
         </a:defRPr>
       </a:lvl1pPr>
-      <a:lvl2pPr marL="742950" indent="-285750" algn="l" defTabSz="914400" rtl="0" eaLnBrk="1" latinLnBrk="0" hangingPunct="1">
+      <a:lvl2pPr marL="742950" indent="-285750" algn="l" defTabSz="457200" rtl="0" eaLnBrk="1" latinLnBrk="0" hangingPunct="1">
         <a:spcBef>
           <a:spcPct val="20000"/>
         </a:spcBef>
-        <a:buFont typeface="Arial" pitchFamily="34" charset="0"/>
-        <a:buChar char="–"/>
-        <a:defRPr sz="2800" kern="1200">
+        <a:spcAft>
+          <a:spcPts val="600"/>
+        </a:spcAft>
+        <a:buClr>
+          <a:schemeClr val="accent1">
+            <a:lumMod val="75000"/>
+          </a:schemeClr>
+        </a:buClr>
+        <a:buSzPct val="145000"/>
+        <a:buFont typeface="Arial"/>
+        <a:buChar char="•"/>
+        <a:defRPr sz="2000" kern="1200" cap="none">
           <a:solidFill>
             <a:schemeClr val="tx1"/>
           </a:solidFill>
+          <a:effectLst/>
           <a:latin typeface="+mn-lt"/>
           <a:ea typeface="+mn-ea"/>
           <a:cs typeface="+mn-cs"/>
         </a:defRPr>
       </a:lvl2pPr>
-      <a:lvl3pPr marL="1143000" indent="-228600" algn="l" defTabSz="914400" rtl="0" eaLnBrk="1" latinLnBrk="0" hangingPunct="1">
+      <a:lvl3pPr marL="1200150" indent="-285750" algn="l" defTabSz="457200" rtl="0" eaLnBrk="1" latinLnBrk="0" hangingPunct="1">
         <a:spcBef>
           <a:spcPct val="20000"/>
         </a:spcBef>
-        <a:buFont typeface="Arial" pitchFamily="34" charset="0"/>
+        <a:spcAft>
+          <a:spcPts val="600"/>
+        </a:spcAft>
+        <a:buClr>
+          <a:schemeClr val="accent1">
+            <a:lumMod val="75000"/>
+          </a:schemeClr>
+        </a:buClr>
+        <a:buSzPct val="145000"/>
+        <a:buFont typeface="Arial"/>
         <a:buChar char="•"/>
-        <a:defRPr sz="2400" kern="1200">
+        <a:defRPr sz="1800" kern="1200" cap="none">
           <a:solidFill>
             <a:schemeClr val="tx1"/>
           </a:solidFill>
+          <a:effectLst/>
           <a:latin typeface="+mn-lt"/>
           <a:ea typeface="+mn-ea"/>
           <a:cs typeface="+mn-cs"/>
         </a:defRPr>
       </a:lvl3pPr>
-      <a:lvl4pPr marL="1600200" indent="-228600" algn="l" defTabSz="914400" rtl="0" eaLnBrk="1" latinLnBrk="0" hangingPunct="1">
+      <a:lvl4pPr marL="1543050" indent="-171450" algn="l" defTabSz="457200" rtl="0" eaLnBrk="1" latinLnBrk="0" hangingPunct="1">
         <a:spcBef>
           <a:spcPct val="20000"/>
         </a:spcBef>
-        <a:buFont typeface="Arial" pitchFamily="34" charset="0"/>
-        <a:buChar char="–"/>
-        <a:defRPr sz="2000" kern="1200">
+        <a:spcAft>
+          <a:spcPts val="600"/>
+        </a:spcAft>
+        <a:buClr>
+          <a:schemeClr val="accent1">
+            <a:lumMod val="75000"/>
+          </a:schemeClr>
+        </a:buClr>
+        <a:buSzPct val="145000"/>
+        <a:buFont typeface="Arial"/>
+        <a:buChar char="•"/>
+        <a:defRPr sz="1600" kern="1200" cap="none">
           <a:solidFill>
             <a:schemeClr val="tx1"/>
           </a:solidFill>
+          <a:effectLst/>
           <a:latin typeface="+mn-lt"/>
           <a:ea typeface="+mn-ea"/>
           <a:cs typeface="+mn-cs"/>
         </a:defRPr>
       </a:lvl4pPr>
-      <a:lvl5pPr marL="2057400" indent="-228600" algn="l" defTabSz="914400" rtl="0" eaLnBrk="1" latinLnBrk="0" hangingPunct="1">
+      <a:lvl5pPr marL="2000250" indent="-171450" algn="l" defTabSz="457200" rtl="0" eaLnBrk="1" latinLnBrk="0" hangingPunct="1">
         <a:spcBef>
           <a:spcPct val="20000"/>
         </a:spcBef>
-        <a:buFont typeface="Arial" pitchFamily="34" charset="0"/>
-        <a:buChar char="»"/>
-        <a:defRPr sz="2000" kern="1200">
+        <a:spcAft>
+          <a:spcPts val="600"/>
+        </a:spcAft>
+        <a:buClr>
+          <a:schemeClr val="accent1">
+            <a:lumMod val="75000"/>
+          </a:schemeClr>
+        </a:buClr>
+        <a:buSzPct val="145000"/>
+        <a:buFont typeface="Arial"/>
+        <a:buChar char="•"/>
+        <a:defRPr sz="1400" kern="1200" cap="none">
           <a:solidFill>
             <a:schemeClr val="tx1"/>
           </a:solidFill>
+          <a:effectLst/>
           <a:latin typeface="+mn-lt"/>
           <a:ea typeface="+mn-ea"/>
           <a:cs typeface="+mn-cs"/>
         </a:defRPr>
       </a:lvl5pPr>
-      <a:lvl6pPr marL="2514600" indent="-228600" algn="l" defTabSz="914400" rtl="0" eaLnBrk="1" latinLnBrk="0" hangingPunct="1">
+      <a:lvl6pPr marL="2514600" indent="-228600" algn="l" defTabSz="457200" rtl="0" eaLnBrk="1" latinLnBrk="0" hangingPunct="1">
         <a:spcBef>
           <a:spcPct val="20000"/>
         </a:spcBef>
-        <a:buFont typeface="Arial" pitchFamily="34" charset="0"/>
+        <a:spcAft>
+          <a:spcPts val="600"/>
+        </a:spcAft>
+        <a:buClr>
+          <a:schemeClr val="accent1">
+            <a:lumMod val="75000"/>
+          </a:schemeClr>
+        </a:buClr>
+        <a:buSzPct val="145000"/>
+        <a:buFont typeface="Arial"/>
         <a:buChar char="•"/>
-        <a:defRPr sz="2000" kern="1200">
+        <a:defRPr sz="1400" kern="1200" cap="none">
           <a:solidFill>
             <a:schemeClr val="tx1"/>
           </a:solidFill>
+          <a:effectLst/>
           <a:latin typeface="+mn-lt"/>
           <a:ea typeface="+mn-ea"/>
           <a:cs typeface="+mn-cs"/>
         </a:defRPr>
       </a:lvl6pPr>
-      <a:lvl7pPr marL="2971800" indent="-228600" algn="l" defTabSz="914400" rtl="0" eaLnBrk="1" latinLnBrk="0" hangingPunct="1">
+      <a:lvl7pPr marL="2971800" indent="-228600" algn="l" defTabSz="457200" rtl="0" eaLnBrk="1" latinLnBrk="0" hangingPunct="1">
         <a:spcBef>
           <a:spcPct val="20000"/>
         </a:spcBef>
-        <a:buFont typeface="Arial" pitchFamily="34" charset="0"/>
+        <a:spcAft>
+          <a:spcPts val="600"/>
+        </a:spcAft>
+        <a:buClr>
+          <a:schemeClr val="accent1">
+            <a:lumMod val="75000"/>
+          </a:schemeClr>
+        </a:buClr>
+        <a:buSzPct val="145000"/>
+        <a:buFont typeface="Arial"/>
         <a:buChar char="•"/>
-        <a:defRPr sz="2000" kern="1200">
+        <a:defRPr sz="1400" kern="1200" cap="none">
           <a:solidFill>
             <a:schemeClr val="tx1"/>
           </a:solidFill>
+          <a:effectLst/>
           <a:latin typeface="+mn-lt"/>
           <a:ea typeface="+mn-ea"/>
           <a:cs typeface="+mn-cs"/>
         </a:defRPr>
       </a:lvl7pPr>
-      <a:lvl8pPr marL="3429000" indent="-228600" algn="l" defTabSz="914400" rtl="0" eaLnBrk="1" latinLnBrk="0" hangingPunct="1">
+      <a:lvl8pPr marL="3429000" indent="-228600" algn="l" defTabSz="457200" rtl="0" eaLnBrk="1" latinLnBrk="0" hangingPunct="1">
         <a:spcBef>
           <a:spcPct val="20000"/>
         </a:spcBef>
-        <a:buFont typeface="Arial" pitchFamily="34" charset="0"/>
+        <a:spcAft>
+          <a:spcPts val="600"/>
+        </a:spcAft>
+        <a:buClr>
+          <a:schemeClr val="accent1">
+            <a:lumMod val="75000"/>
+          </a:schemeClr>
+        </a:buClr>
+        <a:buSzPct val="145000"/>
+        <a:buFont typeface="Arial"/>
         <a:buChar char="•"/>
-        <a:defRPr sz="2000" kern="1200">
+        <a:defRPr sz="1400" kern="1200" cap="none">
           <a:solidFill>
             <a:schemeClr val="tx1"/>
           </a:solidFill>
+          <a:effectLst/>
           <a:latin typeface="+mn-lt"/>
           <a:ea typeface="+mn-ea"/>
           <a:cs typeface="+mn-cs"/>
         </a:defRPr>
       </a:lvl8pPr>
-      <a:lvl9pPr marL="3886200" indent="-228600" algn="l" defTabSz="914400" rtl="0" eaLnBrk="1" latinLnBrk="0" hangingPunct="1">
+      <a:lvl9pPr marL="3886200" indent="-228600" algn="l" defTabSz="457200" rtl="0" eaLnBrk="1" latinLnBrk="0" hangingPunct="1">
         <a:spcBef>
           <a:spcPct val="20000"/>
         </a:spcBef>
-        <a:buFont typeface="Arial" pitchFamily="34" charset="0"/>
+        <a:spcAft>
+          <a:spcPts val="600"/>
+        </a:spcAft>
+        <a:buClr>
+          <a:schemeClr val="accent1">
+            <a:lumMod val="75000"/>
+          </a:schemeClr>
+        </a:buClr>
+        <a:buSzPct val="145000"/>
+        <a:buFont typeface="Arial"/>
         <a:buChar char="•"/>
-        <a:defRPr sz="2000" kern="1200">
+        <a:defRPr sz="1400" kern="1200" cap="none">
           <a:solidFill>
             <a:schemeClr val="tx1"/>
           </a:solidFill>
+          <a:effectLst/>
           <a:latin typeface="+mn-lt"/>
           <a:ea typeface="+mn-ea"/>
           <a:cs typeface="+mn-cs"/>
@@ -2988,7 +6193,7 @@
       <a:defPPr>
         <a:defRPr lang="en-US"/>
       </a:defPPr>
-      <a:lvl1pPr marL="0" algn="l" defTabSz="914400" rtl="0" eaLnBrk="1" latinLnBrk="0" hangingPunct="1">
+      <a:lvl1pPr marL="0" algn="l" defTabSz="457200" rtl="0" eaLnBrk="1" latinLnBrk="0" hangingPunct="1">
         <a:defRPr sz="1800" kern="1200">
           <a:solidFill>
             <a:schemeClr val="tx1"/>
@@ -2998,7 +6203,7 @@
           <a:cs typeface="+mn-cs"/>
         </a:defRPr>
       </a:lvl1pPr>
-      <a:lvl2pPr marL="457200" algn="l" defTabSz="914400" rtl="0" eaLnBrk="1" latinLnBrk="0" hangingPunct="1">
+      <a:lvl2pPr marL="457200" algn="l" defTabSz="457200" rtl="0" eaLnBrk="1" latinLnBrk="0" hangingPunct="1">
         <a:defRPr sz="1800" kern="1200">
           <a:solidFill>
             <a:schemeClr val="tx1"/>
@@ -3008,7 +6213,7 @@
           <a:cs typeface="+mn-cs"/>
         </a:defRPr>
       </a:lvl2pPr>
-      <a:lvl3pPr marL="914400" algn="l" defTabSz="914400" rtl="0" eaLnBrk="1" latinLnBrk="0" hangingPunct="1">
+      <a:lvl3pPr marL="914400" algn="l" defTabSz="457200" rtl="0" eaLnBrk="1" latinLnBrk="0" hangingPunct="1">
         <a:defRPr sz="1800" kern="1200">
           <a:solidFill>
             <a:schemeClr val="tx1"/>
@@ -3018,7 +6223,7 @@
           <a:cs typeface="+mn-cs"/>
         </a:defRPr>
       </a:lvl3pPr>
-      <a:lvl4pPr marL="1371600" algn="l" defTabSz="914400" rtl="0" eaLnBrk="1" latinLnBrk="0" hangingPunct="1">
+      <a:lvl4pPr marL="1371600" algn="l" defTabSz="457200" rtl="0" eaLnBrk="1" latinLnBrk="0" hangingPunct="1">
         <a:defRPr sz="1800" kern="1200">
           <a:solidFill>
             <a:schemeClr val="tx1"/>
@@ -3028,7 +6233,7 @@
           <a:cs typeface="+mn-cs"/>
         </a:defRPr>
       </a:lvl4pPr>
-      <a:lvl5pPr marL="1828800" algn="l" defTabSz="914400" rtl="0" eaLnBrk="1" latinLnBrk="0" hangingPunct="1">
+      <a:lvl5pPr marL="1828800" algn="l" defTabSz="457200" rtl="0" eaLnBrk="1" latinLnBrk="0" hangingPunct="1">
         <a:defRPr sz="1800" kern="1200">
           <a:solidFill>
             <a:schemeClr val="tx1"/>
@@ -3038,7 +6243,7 @@
           <a:cs typeface="+mn-cs"/>
         </a:defRPr>
       </a:lvl5pPr>
-      <a:lvl6pPr marL="2286000" algn="l" defTabSz="914400" rtl="0" eaLnBrk="1" latinLnBrk="0" hangingPunct="1">
+      <a:lvl6pPr marL="2286000" algn="l" defTabSz="457200" rtl="0" eaLnBrk="1" latinLnBrk="0" hangingPunct="1">
         <a:defRPr sz="1800" kern="1200">
           <a:solidFill>
             <a:schemeClr val="tx1"/>
@@ -3048,7 +6253,7 @@
           <a:cs typeface="+mn-cs"/>
         </a:defRPr>
       </a:lvl6pPr>
-      <a:lvl7pPr marL="2743200" algn="l" defTabSz="914400" rtl="0" eaLnBrk="1" latinLnBrk="0" hangingPunct="1">
+      <a:lvl7pPr marL="2743200" algn="l" defTabSz="457200" rtl="0" eaLnBrk="1" latinLnBrk="0" hangingPunct="1">
         <a:defRPr sz="1800" kern="1200">
           <a:solidFill>
             <a:schemeClr val="tx1"/>
@@ -3058,7 +6263,7 @@
           <a:cs typeface="+mn-cs"/>
         </a:defRPr>
       </a:lvl7pPr>
-      <a:lvl8pPr marL="3200400" algn="l" defTabSz="914400" rtl="0" eaLnBrk="1" latinLnBrk="0" hangingPunct="1">
+      <a:lvl8pPr marL="3200400" algn="l" defTabSz="457200" rtl="0" eaLnBrk="1" latinLnBrk="0" hangingPunct="1">
         <a:defRPr sz="1800" kern="1200">
           <a:solidFill>
             <a:schemeClr val="tx1"/>
@@ -3068,7 +6273,7 @@
           <a:cs typeface="+mn-cs"/>
         </a:defRPr>
       </a:lvl8pPr>
-      <a:lvl9pPr marL="3657600" algn="l" defTabSz="914400" rtl="0" eaLnBrk="1" latinLnBrk="0" hangingPunct="1">
+      <a:lvl9pPr marL="3657600" algn="l" defTabSz="457200" rtl="0" eaLnBrk="1" latinLnBrk="0" hangingPunct="1">
         <a:defRPr sz="1800" kern="1200">
           <a:solidFill>
             <a:schemeClr val="tx1"/>
@@ -3102,81 +6307,92 @@
       </p:grpSpPr>
       <p:sp>
         <p:nvSpPr>
-          <p:cNvPr id="2" name="Title 1"/>
-          <p:cNvSpPr>
-            <a:spLocks noGrp="1"/>
-          </p:cNvSpPr>
-          <p:nvPr>
-            <p:ph type="ctrTitle"/>
+          <p:cNvPr id="3" name="Subtitle 2"/>
+          <p:cNvSpPr>
+            <a:spLocks noGrp="1"/>
+          </p:cNvSpPr>
+          <p:nvPr>
+            <p:ph type="subTitle" idx="1"/>
           </p:nvPr>
         </p:nvSpPr>
         <p:spPr>
           <a:xfrm>
-            <a:off x="685800" y="1295400"/>
-            <a:ext cx="7772400" cy="1470025"/>
+            <a:off x="3657600" y="4114800"/>
+            <a:ext cx="4810433" cy="1364531"/>
           </a:xfrm>
         </p:spPr>
         <p:txBody>
-          <a:bodyPr/>
-          <a:lstStyle/>
-          <a:p>
-            <a:r>
-              <a:rPr lang="en-US" dirty="0" smtClean="0"/>
-              <a:t>Extracting Text File From Downloaded Packet File  </a:t>
-            </a:r>
-            <a:endParaRPr lang="en-US" dirty="0"/>
-          </a:p>
-        </p:txBody>
-      </p:sp>
-      <p:sp>
-        <p:nvSpPr>
-          <p:cNvPr id="3" name="Subtitle 2"/>
-          <p:cNvSpPr>
-            <a:spLocks noGrp="1"/>
-          </p:cNvSpPr>
-          <p:nvPr>
-            <p:ph type="subTitle" idx="1"/>
-          </p:nvPr>
-        </p:nvSpPr>
-        <p:spPr/>
-        <p:txBody>
-          <a:bodyPr/>
-          <a:lstStyle/>
-          <a:p>
-            <a:r>
-              <a:rPr lang="en-US" dirty="0" smtClean="0"/>
-              <a:t>Supervised By : </a:t>
-            </a:r>
-            <a:r>
-              <a:rPr lang="en-US" dirty="0" err="1" smtClean="0"/>
+          <a:bodyPr>
+            <a:normAutofit/>
+          </a:bodyPr>
+          <a:lstStyle/>
+          <a:p>
+            <a:pPr algn="l"/>
+            <a:r>
+              <a:rPr lang="en-US" i="1" dirty="0"/>
+              <a:t>Supervised By </a:t>
+            </a:r>
+            <a:r>
+              <a:rPr lang="en-US" b="1" dirty="0"/>
+              <a:t>: Mohammed  </a:t>
+            </a:r>
+            <a:r>
+              <a:rPr lang="en-US" b="1" dirty="0" err="1"/>
               <a:t>Shafiul</a:t>
             </a:r>
             <a:r>
-              <a:rPr lang="en-US" dirty="0" smtClean="0"/>
+              <a:rPr lang="en-US" b="1" dirty="0"/>
+              <a:t>  </a:t>
+            </a:r>
+            <a:r>
+              <a:rPr lang="en-US" b="1" dirty="0" err="1"/>
+              <a:t>Alam</a:t>
+            </a:r>
+            <a:r>
+              <a:rPr lang="en-US" b="1" dirty="0"/>
+              <a:t> Khan</a:t>
+            </a:r>
+          </a:p>
+          <a:p>
+            <a:pPr algn="l"/>
+            <a:r>
+              <a:rPr lang="en-US" i="1" dirty="0" err="1"/>
+              <a:t>Submited</a:t>
+            </a:r>
+            <a:r>
+              <a:rPr lang="en-US" i="1" dirty="0"/>
+              <a:t> By</a:t>
+            </a:r>
+            <a:r>
+              <a:rPr lang="en-US" dirty="0"/>
+              <a:t> : </a:t>
+            </a:r>
+            <a:r>
+              <a:rPr lang="en-US" b="1" dirty="0" err="1"/>
+              <a:t>Pritom</a:t>
+            </a:r>
+            <a:r>
+              <a:rPr lang="en-US" b="1" dirty="0"/>
+              <a:t> Kumar Das</a:t>
+            </a:r>
+          </a:p>
+          <a:p>
+            <a:pPr algn="l"/>
+            <a:r>
+              <a:rPr lang="en-US" dirty="0"/>
               <a:t> </a:t>
             </a:r>
             <a:r>
-              <a:rPr lang="en-US" dirty="0" err="1" smtClean="0"/>
-              <a:t>Alam</a:t>
-            </a:r>
-            <a:endParaRPr lang="en-US" dirty="0" smtClean="0"/>
-          </a:p>
-          <a:p>
-            <a:r>
-              <a:rPr lang="en-US" dirty="0" err="1" smtClean="0"/>
-              <a:t>Submited</a:t>
-            </a:r>
-            <a:r>
-              <a:rPr lang="en-US" dirty="0" smtClean="0"/>
-              <a:t> By : </a:t>
-            </a:r>
-            <a:r>
-              <a:rPr lang="en-US" dirty="0" err="1" smtClean="0"/>
-              <a:t>Pritom</a:t>
-            </a:r>
-            <a:r>
-              <a:rPr lang="en-US" dirty="0" smtClean="0"/>
-              <a:t> Kumar Das</a:t>
+              <a:rPr lang="en-US" i="1" dirty="0"/>
+              <a:t>Roll </a:t>
+            </a:r>
+            <a:r>
+              <a:rPr lang="en-US" dirty="0"/>
+              <a:t>: </a:t>
+            </a:r>
+            <a:r>
+              <a:rPr lang="en-US" b="1" i="1" dirty="0"/>
+              <a:t>0919</a:t>
             </a:r>
           </a:p>
         </p:txBody>
@@ -3189,8 +6405,8 @@
         </p:nvSpPr>
         <p:spPr>
           <a:xfrm>
-            <a:off x="6400800" y="5867400"/>
-            <a:ext cx="1905000" cy="369332"/>
+            <a:off x="6400800" y="6096000"/>
+            <a:ext cx="2295833" cy="369332"/>
           </a:xfrm>
           <a:prstGeom prst="rect">
             <a:avLst/>
@@ -3204,10 +6420,78 @@
           <a:lstStyle/>
           <a:p>
             <a:r>
-              <a:rPr lang="en-US" dirty="0" smtClean="0"/>
-              <a:t>Date:</a:t>
-            </a:r>
-            <a:endParaRPr lang="en-US" dirty="0"/>
+              <a:rPr lang="en-US" dirty="0"/>
+              <a:t>Date: 07 March , 2018</a:t>
+            </a:r>
+          </a:p>
+        </p:txBody>
+      </p:sp>
+      <p:sp>
+        <p:nvSpPr>
+          <p:cNvPr id="6" name="TextBox 5">
+            <a:extLst>
+              <a:ext uri="{FF2B5EF4-FFF2-40B4-BE49-F238E27FC236}">
+                <a16:creationId xmlns:a16="http://schemas.microsoft.com/office/drawing/2014/main" id="{42A4BF1C-A4F6-40D4-A508-5759CB639E01}"/>
+              </a:ext>
+            </a:extLst>
+          </p:cNvPr>
+          <p:cNvSpPr txBox="1"/>
+          <p:nvPr/>
+        </p:nvSpPr>
+        <p:spPr>
+          <a:xfrm>
+            <a:off x="3222522" y="1600200"/>
+            <a:ext cx="5474111" cy="1371600"/>
+          </a:xfrm>
+          <a:prstGeom prst="rect">
+            <a:avLst/>
+          </a:prstGeom>
+          <a:noFill/>
+          <a:ln w="9525" cap="flat" cmpd="sng" algn="ctr">
+            <a:noFill/>
+            <a:prstDash val="solid"/>
+            <a:round/>
+            <a:headEnd type="none" w="med" len="med"/>
+            <a:tailEnd type="none" w="med" len="med"/>
+          </a:ln>
+        </p:spPr>
+        <p:style>
+          <a:lnRef idx="0">
+            <a:scrgbClr r="0" g="0" b="0"/>
+          </a:lnRef>
+          <a:fillRef idx="0">
+            <a:scrgbClr r="0" g="0" b="0"/>
+          </a:fillRef>
+          <a:effectRef idx="0">
+            <a:scrgbClr r="0" g="0" b="0"/>
+          </a:effectRef>
+          <a:fontRef idx="minor">
+            <a:schemeClr val="accent3"/>
+          </a:fontRef>
+        </p:style>
+        <p:txBody>
+          <a:bodyPr wrap="square" rtlCol="0">
+            <a:spAutoFit/>
+          </a:bodyPr>
+          <a:lstStyle/>
+          <a:p>
+            <a:pPr algn="ctr"/>
+            <a:r>
+              <a:rPr lang="en-US" sz="3600" dirty="0"/>
+              <a:t>A Network  Sniffing  Tool  :</a:t>
+            </a:r>
+            <a:endParaRPr lang="en-US" sz="4400" spc="-150" dirty="0"/>
+          </a:p>
+          <a:p>
+            <a:pPr algn="ctr"/>
+            <a:r>
+              <a:rPr lang="en-US" sz="4400" b="1" dirty="0"/>
+              <a:t>Text Bandit</a:t>
+            </a:r>
+            <a:r>
+              <a:rPr lang="en-US" b="1" dirty="0"/>
+              <a:t>	</a:t>
+            </a:r>
           </a:p>
         </p:txBody>
       </p:sp>
@@ -3257,10 +6541,9 @@
           <a:lstStyle/>
           <a:p>
             <a:r>
-              <a:rPr lang="en-US" dirty="0" smtClean="0"/>
+              <a:rPr lang="en-US" dirty="0"/>
               <a:t>Background</a:t>
             </a:r>
-            <a:endParaRPr lang="en-US" dirty="0"/>
           </a:p>
         </p:txBody>
       </p:sp>
@@ -3329,10 +6612,9 @@
           <a:lstStyle/>
           <a:p>
             <a:r>
-              <a:rPr lang="en-US" dirty="0" smtClean="0"/>
+              <a:rPr lang="en-US" dirty="0"/>
               <a:t>Why Extracting Text From Packet</a:t>
             </a:r>
-            <a:endParaRPr lang="en-US" dirty="0"/>
           </a:p>
         </p:txBody>
       </p:sp>
@@ -3401,10 +6683,9 @@
           <a:lstStyle/>
           <a:p>
             <a:r>
-              <a:rPr lang="en-US" dirty="0" smtClean="0"/>
+              <a:rPr lang="en-US" dirty="0"/>
               <a:t>Work till mid term</a:t>
             </a:r>
-            <a:endParaRPr lang="en-US" dirty="0"/>
           </a:p>
         </p:txBody>
       </p:sp>
@@ -3473,10 +6754,9 @@
           <a:lstStyle/>
           <a:p>
             <a:r>
-              <a:rPr lang="en-US" dirty="0" smtClean="0"/>
+              <a:rPr lang="en-US" dirty="0"/>
               <a:t>What to do in Future</a:t>
             </a:r>
-            <a:endParaRPr lang="en-US" dirty="0"/>
           </a:p>
         </p:txBody>
       </p:sp>
@@ -3545,10 +6825,9 @@
           <a:lstStyle/>
           <a:p>
             <a:r>
-              <a:rPr lang="en-US" dirty="0" smtClean="0"/>
+              <a:rPr lang="en-US" dirty="0"/>
               <a:t>Advantage of Text </a:t>
             </a:r>
-            <a:endParaRPr lang="en-US" dirty="0"/>
           </a:p>
         </p:txBody>
       </p:sp>
@@ -3585,9 +6864,9 @@
 </file>
 
 <file path=ppt/theme/theme1.xml><?xml version="1.0" encoding="utf-8"?>
-<a:theme xmlns:a="http://schemas.openxmlformats.org/drawingml/2006/main" name="Office Theme">
+<a:theme xmlns:a="http://schemas.openxmlformats.org/drawingml/2006/main" name="Parallax">
   <a:themeElements>
-    <a:clrScheme name="Office">
+    <a:clrScheme name="Parallax">
       <a:dk1>
         <a:sysClr val="windowText" lastClr="000000"/>
       </a:dk1>
@@ -3595,52 +6874,52 @@
         <a:sysClr val="window" lastClr="FFFFFF"/>
       </a:lt1>
       <a:dk2>
-        <a:srgbClr val="1F497D"/>
+        <a:srgbClr val="212121"/>
       </a:dk2>
       <a:lt2>
-        <a:srgbClr val="EEECE1"/>
+        <a:srgbClr val="CDD0D1"/>
       </a:lt2>
       <a:accent1>
-        <a:srgbClr val="4F81BD"/>
+        <a:srgbClr val="EB8F22"/>
       </a:accent1>
       <a:accent2>
-        <a:srgbClr val="C0504D"/>
+        <a:srgbClr val="CD4223"/>
       </a:accent2>
       <a:accent3>
-        <a:srgbClr val="9BBB59"/>
+        <a:srgbClr val="A89374"/>
       </a:accent3>
       <a:accent4>
-        <a:srgbClr val="8064A2"/>
+        <a:srgbClr val="83AA67"/>
       </a:accent4>
       <a:accent5>
-        <a:srgbClr val="4BACC6"/>
+        <a:srgbClr val="4FA9C1"/>
       </a:accent5>
       <a:accent6>
-        <a:srgbClr val="F79646"/>
+        <a:srgbClr val="9390AF"/>
       </a:accent6>
       <a:hlink>
-        <a:srgbClr val="0000FF"/>
+        <a:srgbClr val="EC7220"/>
       </a:hlink>
       <a:folHlink>
-        <a:srgbClr val="800080"/>
+        <a:srgbClr val="F09355"/>
       </a:folHlink>
     </a:clrScheme>
-    <a:fontScheme name="Office">
+    <a:fontScheme name="Parallax">
       <a:majorFont>
-        <a:latin typeface="Calibri"/>
+        <a:latin typeface="Corbel" panose="020B0503020204020204"/>
         <a:ea typeface=""/>
         <a:cs typeface=""/>
-        <a:font script="Jpan" typeface="ＭＳ Ｐゴシック"/>
-        <a:font script="Hang" typeface="맑은 고딕"/>
-        <a:font script="Hans" typeface="宋体"/>
+        <a:font script="Jpan" typeface="HGｺﾞｼｯｸM"/>
+        <a:font script="Hang" typeface="HY엽서L"/>
+        <a:font script="Hans" typeface="华文楷体"/>
         <a:font script="Hant" typeface="新細明體"/>
-        <a:font script="Arab" typeface="Times New Roman"/>
-        <a:font script="Hebr" typeface="Times New Roman"/>
-        <a:font script="Thai" typeface="Angsana New"/>
+        <a:font script="Arab" typeface="Tahoma"/>
+        <a:font script="Hebr" typeface="Miriam"/>
+        <a:font script="Thai" typeface="DilleniaUPC"/>
         <a:font script="Ethi" typeface="Nyala"/>
         <a:font script="Beng" typeface="Vrinda"/>
         <a:font script="Gujr" typeface="Shruti"/>
-        <a:font script="Khmr" typeface="MoolBoran"/>
+        <a:font script="Khmr" typeface="DaunPenh"/>
         <a:font script="Knda" typeface="Tunga"/>
         <a:font script="Guru" typeface="Raavi"/>
         <a:font script="Cans" typeface="Euphemia"/>
@@ -3657,21 +6936,21 @@
         <a:font script="Laoo" typeface="DokChampa"/>
         <a:font script="Sinh" typeface="Iskoola Pota"/>
         <a:font script="Mong" typeface="Mongolian Baiti"/>
-        <a:font script="Viet" typeface="Times New Roman"/>
+        <a:font script="Viet" typeface="Arial"/>
         <a:font script="Uigh" typeface="Microsoft Uighur"/>
         <a:font script="Geor" typeface="Sylfaen"/>
       </a:majorFont>
       <a:minorFont>
-        <a:latin typeface="Calibri"/>
+        <a:latin typeface="Corbel" panose="020B0503020204020204"/>
         <a:ea typeface=""/>
         <a:cs typeface=""/>
-        <a:font script="Jpan" typeface="ＭＳ Ｐゴシック"/>
-        <a:font script="Hang" typeface="맑은 고딕"/>
-        <a:font script="Hans" typeface="宋体"/>
+        <a:font script="Jpan" typeface="HGｺﾞｼｯｸM"/>
+        <a:font script="Hang" typeface="HY엽서L"/>
+        <a:font script="Hans" typeface="华文楷体"/>
         <a:font script="Hant" typeface="新細明體"/>
-        <a:font script="Arab" typeface="Arial"/>
-        <a:font script="Hebr" typeface="Arial"/>
-        <a:font script="Thai" typeface="Cordia New"/>
+        <a:font script="Arab" typeface="Tahoma"/>
+        <a:font script="Hebr" typeface="Miriam"/>
+        <a:font script="Thai" typeface="DilleniaUPC"/>
         <a:font script="Ethi" typeface="Nyala"/>
         <a:font script="Beng" typeface="Vrinda"/>
         <a:font script="Gujr" typeface="Shruti"/>
@@ -3697,7 +6976,7 @@
         <a:font script="Geor" typeface="Sylfaen"/>
       </a:minorFont>
     </a:fontScheme>
-    <a:fmtScheme name="Office">
+    <a:fmtScheme name="Parallax">
       <a:fillStyleLst>
         <a:solidFill>
           <a:schemeClr val="phClr"/>
@@ -3706,66 +6985,54 @@
           <a:gsLst>
             <a:gs pos="0">
               <a:schemeClr val="phClr">
-                <a:tint val="50000"/>
-                <a:satMod val="300000"/>
-              </a:schemeClr>
-            </a:gs>
-            <a:gs pos="35000">
-              <a:schemeClr val="phClr">
-                <a:tint val="37000"/>
-                <a:satMod val="300000"/>
+                <a:tint val="60000"/>
+                <a:lumMod val="104000"/>
               </a:schemeClr>
             </a:gs>
             <a:gs pos="100000">
               <a:schemeClr val="phClr">
-                <a:tint val="15000"/>
-                <a:satMod val="350000"/>
+                <a:tint val="84000"/>
               </a:schemeClr>
             </a:gs>
           </a:gsLst>
-          <a:lin ang="16200000" scaled="1"/>
+          <a:lin ang="5400000" scaled="0"/>
         </a:gradFill>
         <a:gradFill rotWithShape="1">
           <a:gsLst>
             <a:gs pos="0">
               <a:schemeClr val="phClr">
-                <a:shade val="51000"/>
-                <a:satMod val="130000"/>
-              </a:schemeClr>
-            </a:gs>
-            <a:gs pos="80000">
-              <a:schemeClr val="phClr">
-                <a:shade val="93000"/>
-                <a:satMod val="130000"/>
+                <a:tint val="96000"/>
+                <a:lumMod val="102000"/>
               </a:schemeClr>
             </a:gs>
             <a:gs pos="100000">
               <a:schemeClr val="phClr">
-                <a:shade val="94000"/>
-                <a:satMod val="135000"/>
+                <a:shade val="88000"/>
+                <a:lumMod val="94000"/>
               </a:schemeClr>
             </a:gs>
           </a:gsLst>
-          <a:lin ang="16200000" scaled="0"/>
+          <a:path path="circle">
+            <a:fillToRect l="50000" t="100000" r="100000" b="50000"/>
+          </a:path>
         </a:gradFill>
       </a:fillStyleLst>
       <a:lnStyleLst>
-        <a:ln w="9525" cap="flat" cmpd="sng" algn="ctr">
+        <a:ln w="9525" cap="rnd" cmpd="sng" algn="ctr">
           <a:solidFill>
             <a:schemeClr val="phClr">
-              <a:shade val="95000"/>
-              <a:satMod val="105000"/>
+              <a:tint val="60000"/>
             </a:schemeClr>
           </a:solidFill>
           <a:prstDash val="solid"/>
         </a:ln>
-        <a:ln w="25400" cap="flat" cmpd="sng" algn="ctr">
+        <a:ln w="15875" cap="rnd" cmpd="sng" algn="ctr">
           <a:solidFill>
             <a:schemeClr val="phClr"/>
           </a:solidFill>
           <a:prstDash val="solid"/>
         </a:ln>
-        <a:ln w="38100" cap="flat" cmpd="sng" algn="ctr">
+        <a:ln w="22225" cap="rnd" cmpd="sng" algn="ctr">
           <a:solidFill>
             <a:schemeClr val="phClr"/>
           </a:solidFill>
@@ -3774,28 +7041,18 @@
       </a:lnStyleLst>
       <a:effectStyleLst>
         <a:effectStyle>
+          <a:effectLst/>
+        </a:effectStyle>
+        <a:effectStyle>
           <a:effectLst>
-            <a:outerShdw blurRad="40000" dist="20000" dir="5400000" rotWithShape="0">
-              <a:srgbClr val="000000">
-                <a:alpha val="38000"/>
-              </a:srgbClr>
-            </a:outerShdw>
+            <a:reflection blurRad="12700" stA="26000" endPos="32000" dist="12700" dir="5400000" sy="-100000" rotWithShape="0"/>
           </a:effectLst>
         </a:effectStyle>
         <a:effectStyle>
           <a:effectLst>
-            <a:outerShdw blurRad="40000" dist="23000" dir="5400000" rotWithShape="0">
+            <a:outerShdw blurRad="38100" dist="25400" dir="5400000" rotWithShape="0">
               <a:srgbClr val="000000">
-                <a:alpha val="35000"/>
-              </a:srgbClr>
-            </a:outerShdw>
-          </a:effectLst>
-        </a:effectStyle>
-        <a:effectStyle>
-          <a:effectLst>
-            <a:outerShdw blurRad="40000" dist="23000" dir="5400000" rotWithShape="0">
-              <a:srgbClr val="000000">
-                <a:alpha val="35000"/>
+                <a:alpha val="64000"/>
               </a:srgbClr>
             </a:outerShdw>
           </a:effectLst>
@@ -3803,12 +7060,12 @@
             <a:camera prst="orthographicFront">
               <a:rot lat="0" lon="0" rev="0"/>
             </a:camera>
-            <a:lightRig rig="threePt" dir="t">
+            <a:lightRig rig="threePt" dir="tl">
               <a:rot lat="0" lon="0" rev="1200000"/>
             </a:lightRig>
           </a:scene3d>
           <a:sp3d>
-            <a:bevelT w="63500" h="25400"/>
+            <a:bevelT w="25400" h="12700"/>
           </a:sp3d>
         </a:effectStyle>
       </a:effectStyleLst>
@@ -3820,51 +7077,44 @@
           <a:gsLst>
             <a:gs pos="0">
               <a:schemeClr val="phClr">
-                <a:tint val="40000"/>
-                <a:satMod val="350000"/>
-              </a:schemeClr>
-            </a:gs>
-            <a:gs pos="40000">
-              <a:schemeClr val="phClr">
-                <a:tint val="45000"/>
-                <a:shade val="99000"/>
-                <a:satMod val="350000"/>
+                <a:tint val="90000"/>
+                <a:lumMod val="110000"/>
               </a:schemeClr>
             </a:gs>
             <a:gs pos="100000">
               <a:schemeClr val="phClr">
-                <a:shade val="20000"/>
-                <a:satMod val="255000"/>
+                <a:shade val="64000"/>
+                <a:lumMod val="98000"/>
               </a:schemeClr>
             </a:gs>
           </a:gsLst>
-          <a:path path="circle">
-            <a:fillToRect l="50000" t="-80000" r="50000" b="180000"/>
-          </a:path>
+          <a:lin ang="5400000" scaled="0"/>
         </a:gradFill>
-        <a:gradFill rotWithShape="1">
-          <a:gsLst>
-            <a:gs pos="0">
+        <a:blipFill rotWithShape="1">
+          <a:blip xmlns:r="http://schemas.openxmlformats.org/officeDocument/2006/relationships" r:embed="rId1">
+            <a:duotone>
+              <a:schemeClr val="phClr">
+                <a:shade val="76000"/>
+                <a:satMod val="180000"/>
+              </a:schemeClr>
               <a:schemeClr val="phClr">
                 <a:tint val="80000"/>
-                <a:satMod val="300000"/>
+                <a:satMod val="120000"/>
+                <a:lumMod val="180000"/>
               </a:schemeClr>
-            </a:gs>
-            <a:gs pos="100000">
-              <a:schemeClr val="phClr">
-                <a:shade val="30000"/>
-                <a:satMod val="200000"/>
-              </a:schemeClr>
-            </a:gs>
-          </a:gsLst>
-          <a:path path="circle">
-            <a:fillToRect l="50000" t="50000" r="50000" b="50000"/>
-          </a:path>
-        </a:gradFill>
+            </a:duotone>
+          </a:blip>
+          <a:stretch/>
+        </a:blipFill>
       </a:bgFillStyleLst>
     </a:fmtScheme>
   </a:themeElements>
   <a:objectDefaults/>
   <a:extraClrSchemeLst/>
+  <a:extLst>
+    <a:ext uri="{05A4C25C-085E-4340-85A3-A5531E510DB2}">
+      <thm15:themeFamily xmlns:thm15="http://schemas.microsoft.com/office/thememl/2012/main" name="Parallax" id="{3388167B-A2EB-4685-9635-1831D9AEF8C4}" vid="{1A9F9826-882C-40B9-8F38-5A3B8CFD196D}"/>
+    </a:ext>
+  </a:extLst>
 </a:theme>
 </file>
--- a/Extracting Text File From Downloaded Packet File.pptx
+++ b/Extracting Text File From Downloaded Packet File.pptx
@@ -11,6 +11,7 @@
     <p:sldId id="259" r:id="rId5"/>
     <p:sldId id="260" r:id="rId6"/>
     <p:sldId id="261" r:id="rId7"/>
+    <p:sldId id="262" r:id="rId8"/>
   </p:sldIdLst>
   <p:sldSz cx="9144000" cy="6858000" type="screen4x3"/>
   <p:notesSz cx="6858000" cy="9144000"/>
@@ -648,7 +649,7 @@
           <a:p>
             <a:fld id="{F28143BE-8687-4D26-9AAF-8C4268D8E83E}" type="datetimeFigureOut">
               <a:rPr lang="en-US" smtClean="0"/>
-              <a:t>06-Mar-18</a:t>
+              <a:t>07-Mar-18</a:t>
             </a:fld>
             <a:endParaRPr lang="en-US"/>
           </a:p>
@@ -749,7 +750,7 @@
           </a:ln>
           <a:extLst>
             <a:ext uri="{91240B29-F687-4f45-9708-019B960494DF}">
-              <a14:hiddenLine xmlns="" xmlns:a14="http://schemas.microsoft.com/office/drawing/2010/main" w="9525">
+              <a14:hiddenLine xmlns:a14="http://schemas.microsoft.com/office/drawing/2010/main" xmlns="" w="9525">
                 <a:solidFill>
                   <a:srgbClr val="000000"/>
                 </a:solidFill>
@@ -804,7 +805,7 @@
           </a:ln>
           <a:extLst>
             <a:ext uri="{91240B29-F687-4f45-9708-019B960494DF}">
-              <a14:hiddenLine xmlns="" xmlns:a14="http://schemas.microsoft.com/office/drawing/2010/main" w="9525">
+              <a14:hiddenLine xmlns:a14="http://schemas.microsoft.com/office/drawing/2010/main" xmlns="" w="9525">
                 <a:solidFill>
                   <a:srgbClr val="000000"/>
                 </a:solidFill>
@@ -1059,7 +1060,7 @@
           <a:p>
             <a:fld id="{F28143BE-8687-4D26-9AAF-8C4268D8E83E}" type="datetimeFigureOut">
               <a:rPr lang="en-US" smtClean="0"/>
-              <a:t>06-Mar-18</a:t>
+              <a:t>07-Mar-18</a:t>
             </a:fld>
             <a:endParaRPr lang="en-US"/>
           </a:p>
@@ -1307,7 +1308,7 @@
           <a:p>
             <a:fld id="{F28143BE-8687-4D26-9AAF-8C4268D8E83E}" type="datetimeFigureOut">
               <a:rPr lang="en-US" smtClean="0"/>
-              <a:t>06-Mar-18</a:t>
+              <a:t>07-Mar-18</a:t>
             </a:fld>
             <a:endParaRPr lang="en-US"/>
           </a:p>
@@ -1847,7 +1848,7 @@
           <a:p>
             <a:fld id="{F28143BE-8687-4D26-9AAF-8C4268D8E83E}" type="datetimeFigureOut">
               <a:rPr lang="en-US" smtClean="0"/>
-              <a:t>06-Mar-18</a:t>
+              <a:t>07-Mar-18</a:t>
             </a:fld>
             <a:endParaRPr lang="en-US"/>
           </a:p>
@@ -2095,7 +2096,7 @@
           <a:p>
             <a:fld id="{F28143BE-8687-4D26-9AAF-8C4268D8E83E}" type="datetimeFigureOut">
               <a:rPr lang="en-US" smtClean="0"/>
-              <a:t>06-Mar-18</a:t>
+              <a:t>07-Mar-18</a:t>
             </a:fld>
             <a:endParaRPr lang="en-US"/>
           </a:p>
@@ -2627,7 +2628,7 @@
           <a:p>
             <a:fld id="{F28143BE-8687-4D26-9AAF-8C4268D8E83E}" type="datetimeFigureOut">
               <a:rPr lang="en-US" smtClean="0"/>
-              <a:t>06-Mar-18</a:t>
+              <a:t>07-Mar-18</a:t>
             </a:fld>
             <a:endParaRPr lang="en-US"/>
           </a:p>
@@ -2924,7 +2925,7 @@
           <a:p>
             <a:fld id="{F28143BE-8687-4D26-9AAF-8C4268D8E83E}" type="datetimeFigureOut">
               <a:rPr lang="en-US" smtClean="0"/>
-              <a:t>06-Mar-18</a:t>
+              <a:t>07-Mar-18</a:t>
             </a:fld>
             <a:endParaRPr lang="en-US"/>
           </a:p>
@@ -3098,7 +3099,7 @@
           <a:p>
             <a:fld id="{F28143BE-8687-4D26-9AAF-8C4268D8E83E}" type="datetimeFigureOut">
               <a:rPr lang="en-US" smtClean="0"/>
-              <a:t>06-Mar-18</a:t>
+              <a:t>07-Mar-18</a:t>
             </a:fld>
             <a:endParaRPr lang="en-US"/>
           </a:p>
@@ -3278,7 +3279,7 @@
           <a:p>
             <a:fld id="{F28143BE-8687-4D26-9AAF-8C4268D8E83E}" type="datetimeFigureOut">
               <a:rPr lang="en-US" smtClean="0"/>
-              <a:t>06-Mar-18</a:t>
+              <a:t>07-Mar-18</a:t>
             </a:fld>
             <a:endParaRPr lang="en-US"/>
           </a:p>
@@ -3463,7 +3464,7 @@
           <a:p>
             <a:fld id="{F28143BE-8687-4D26-9AAF-8C4268D8E83E}" type="datetimeFigureOut">
               <a:rPr lang="en-US" smtClean="0"/>
-              <a:t>06-Mar-18</a:t>
+              <a:t>07-Mar-18</a:t>
             </a:fld>
             <a:endParaRPr lang="en-US"/>
           </a:p>
@@ -3719,7 +3720,7 @@
           <a:p>
             <a:fld id="{F28143BE-8687-4D26-9AAF-8C4268D8E83E}" type="datetimeFigureOut">
               <a:rPr lang="en-US" smtClean="0"/>
-              <a:t>06-Mar-18</a:t>
+              <a:t>07-Mar-18</a:t>
             </a:fld>
             <a:endParaRPr lang="en-US"/>
           </a:p>
@@ -4021,7 +4022,7 @@
           <a:p>
             <a:fld id="{F28143BE-8687-4D26-9AAF-8C4268D8E83E}" type="datetimeFigureOut">
               <a:rPr lang="en-US" smtClean="0"/>
-              <a:t>06-Mar-18</a:t>
+              <a:t>07-Mar-18</a:t>
             </a:fld>
             <a:endParaRPr lang="en-US"/>
           </a:p>
@@ -4463,7 +4464,7 @@
           <a:p>
             <a:fld id="{F28143BE-8687-4D26-9AAF-8C4268D8E83E}" type="datetimeFigureOut">
               <a:rPr lang="en-US" smtClean="0"/>
-              <a:t>06-Mar-18</a:t>
+              <a:t>07-Mar-18</a:t>
             </a:fld>
             <a:endParaRPr lang="en-US"/>
           </a:p>
@@ -4581,7 +4582,7 @@
           <a:p>
             <a:fld id="{F28143BE-8687-4D26-9AAF-8C4268D8E83E}" type="datetimeFigureOut">
               <a:rPr lang="en-US" smtClean="0"/>
-              <a:t>06-Mar-18</a:t>
+              <a:t>07-Mar-18</a:t>
             </a:fld>
             <a:endParaRPr lang="en-US"/>
           </a:p>
@@ -4676,7 +4677,7 @@
           <a:p>
             <a:fld id="{F28143BE-8687-4D26-9AAF-8C4268D8E83E}" type="datetimeFigureOut">
               <a:rPr lang="en-US" smtClean="0"/>
-              <a:t>06-Mar-18</a:t>
+              <a:t>07-Mar-18</a:t>
             </a:fld>
             <a:endParaRPr lang="en-US"/>
           </a:p>
@@ -4959,7 +4960,7 @@
           <a:p>
             <a:fld id="{F28143BE-8687-4D26-9AAF-8C4268D8E83E}" type="datetimeFigureOut">
               <a:rPr lang="en-US" smtClean="0"/>
-              <a:t>06-Mar-18</a:t>
+              <a:t>07-Mar-18</a:t>
             </a:fld>
             <a:endParaRPr lang="en-US"/>
           </a:p>
@@ -5250,7 +5251,7 @@
           <a:p>
             <a:fld id="{F28143BE-8687-4D26-9AAF-8C4268D8E83E}" type="datetimeFigureOut">
               <a:rPr lang="en-US" smtClean="0"/>
-              <a:t>06-Mar-18</a:t>
+              <a:t>07-Mar-18</a:t>
             </a:fld>
             <a:endParaRPr lang="en-US"/>
           </a:p>
@@ -5774,7 +5775,7 @@
           <a:p>
             <a:fld id="{F28143BE-8687-4D26-9AAF-8C4268D8E83E}" type="datetimeFigureOut">
               <a:rPr lang="en-US" smtClean="0"/>
-              <a:t>06-Mar-18</a:t>
+              <a:t>07-Mar-18</a:t>
             </a:fld>
             <a:endParaRPr lang="en-US"/>
           </a:p>
@@ -6535,7 +6536,12 @@
             <p:ph type="title"/>
           </p:nvPr>
         </p:nvSpPr>
-        <p:spPr/>
+        <p:spPr>
+          <a:xfrm>
+            <a:off x="982133" y="304801"/>
+            <a:ext cx="7704667" cy="1350961"/>
+          </a:xfrm>
+        </p:spPr>
         <p:txBody>
           <a:bodyPr/>
           <a:lstStyle/>
@@ -6547,22 +6553,74 @@
           </a:p>
         </p:txBody>
       </p:sp>
-      <p:sp>
-        <p:nvSpPr>
-          <p:cNvPr id="3" name="Content Placeholder 2"/>
-          <p:cNvSpPr>
-            <a:spLocks noGrp="1"/>
-          </p:cNvSpPr>
+      <p:pic>
+        <p:nvPicPr>
+          <p:cNvPr id="5" name="Content Placeholder 4">
+            <a:extLst>
+              <a:ext uri="{FF2B5EF4-FFF2-40B4-BE49-F238E27FC236}">
+                <a16:creationId xmlns:a16="http://schemas.microsoft.com/office/drawing/2014/main" id="{4C707F4E-EBF3-451E-95EC-375FB64AA4A1}"/>
+              </a:ext>
+            </a:extLst>
+          </p:cNvPr>
+          <p:cNvPicPr>
+            <a:picLocks noGrp="1" noChangeAspect="1"/>
+          </p:cNvPicPr>
           <p:nvPr>
             <p:ph idx="1"/>
           </p:nvPr>
-        </p:nvSpPr>
-        <p:spPr/>
-        <p:txBody>
-          <a:bodyPr/>
-          <a:lstStyle/>
-          <a:p>
-            <a:endParaRPr lang="en-US" dirty="0"/>
+        </p:nvPicPr>
+        <p:blipFill>
+          <a:blip r:embed="rId2">
+            <a:extLst>
+              <a:ext uri="{28A0092B-C50C-407E-A947-70E740481C1C}">
+                <a14:useLocalDpi xmlns:a14="http://schemas.microsoft.com/office/drawing/2010/main" val="0"/>
+              </a:ext>
+            </a:extLst>
+          </a:blip>
+          <a:stretch>
+            <a:fillRect/>
+          </a:stretch>
+        </p:blipFill>
+        <p:spPr>
+          <a:xfrm>
+            <a:off x="2438400" y="1905000"/>
+            <a:ext cx="4914437" cy="3560762"/>
+          </a:xfrm>
+        </p:spPr>
+      </p:pic>
+      <p:sp>
+        <p:nvSpPr>
+          <p:cNvPr id="6" name="TextBox 5">
+            <a:extLst>
+              <a:ext uri="{FF2B5EF4-FFF2-40B4-BE49-F238E27FC236}">
+                <a16:creationId xmlns:a16="http://schemas.microsoft.com/office/drawing/2014/main" id="{F5BBFFB2-B802-4CB8-94C9-EF5D2353A0DF}"/>
+              </a:ext>
+            </a:extLst>
+          </p:cNvPr>
+          <p:cNvSpPr txBox="1"/>
+          <p:nvPr/>
+        </p:nvSpPr>
+        <p:spPr>
+          <a:xfrm>
+            <a:off x="2723918" y="5715000"/>
+            <a:ext cx="4343400" cy="369332"/>
+          </a:xfrm>
+          <a:prstGeom prst="rect">
+            <a:avLst/>
+          </a:prstGeom>
+          <a:noFill/>
+        </p:spPr>
+        <p:txBody>
+          <a:bodyPr wrap="square" rtlCol="0">
+            <a:spAutoFit/>
+          </a:bodyPr>
+          <a:lstStyle/>
+          <a:p>
+            <a:pPr algn="ctr"/>
+            <a:r>
+              <a:rPr lang="en-US" dirty="0"/>
+              <a:t>figure 1 : Data Transport in network.</a:t>
+            </a:r>
           </a:p>
         </p:txBody>
       </p:sp>
@@ -6684,8 +6742,21 @@
           <a:p>
             <a:r>
               <a:rPr lang="en-US" dirty="0"/>
-              <a:t>Work till mid term</a:t>
-            </a:r>
+              <a:t>Work </a:t>
+            </a:r>
+            <a:r>
+              <a:rPr lang="en-US"/>
+              <a:t>till Mid </a:t>
+            </a:r>
+            <a:r>
+              <a:rPr lang="en-US" dirty="0"/>
+              <a:t>T</a:t>
+            </a:r>
+            <a:r>
+              <a:rPr lang="en-US"/>
+              <a:t>erm</a:t>
+            </a:r>
+            <a:endParaRPr lang="en-US" dirty="0"/>
           </a:p>
         </p:txBody>
       </p:sp>
@@ -6704,7 +6775,41 @@
           <a:bodyPr/>
           <a:lstStyle/>
           <a:p>
-            <a:endParaRPr lang="en-US"/>
+            <a:r>
+              <a:rPr lang="en-US" dirty="0"/>
+              <a:t>My work on this project is saved in my </a:t>
+            </a:r>
+            <a:r>
+              <a:rPr lang="en-US" dirty="0" err="1"/>
+              <a:t>Github</a:t>
+            </a:r>
+            <a:r>
+              <a:rPr lang="en-US" dirty="0"/>
+              <a:t> Account.</a:t>
+            </a:r>
+          </a:p>
+          <a:p>
+            <a:endParaRPr lang="en-US" dirty="0"/>
+          </a:p>
+          <a:p>
+            <a:r>
+              <a:rPr lang="en-US" dirty="0"/>
+              <a:t>Here is my  SPL Project link  on </a:t>
+            </a:r>
+            <a:r>
+              <a:rPr lang="en-US" dirty="0" err="1"/>
+              <a:t>github</a:t>
+            </a:r>
+            <a:r>
+              <a:rPr lang="en-US" dirty="0"/>
+              <a:t> .   </a:t>
+            </a:r>
+          </a:p>
+          <a:p>
+            <a:r>
+              <a:rPr lang="en-US" dirty="0"/>
+              <a:t>https://github.com/PritomKumar/SPLproject-1</a:t>
+            </a:r>
           </a:p>
         </p:txBody>
       </p:sp>
@@ -6826,7 +6931,7 @@
           <a:p>
             <a:r>
               <a:rPr lang="en-US" dirty="0"/>
-              <a:t>Advantage of Text </a:t>
+              <a:t>Advantage of Text Sniffing </a:t>
             </a:r>
           </a:p>
         </p:txBody>
@@ -6846,7 +6951,7 @@
           <a:bodyPr/>
           <a:lstStyle/>
           <a:p>
-            <a:endParaRPr lang="en-US"/>
+            <a:endParaRPr lang="en-US" dirty="0"/>
           </a:p>
         </p:txBody>
       </p:sp>
@@ -6854,6 +6959,97 @@
     <p:extLst>
       <p:ext uri="{BB962C8B-B14F-4D97-AF65-F5344CB8AC3E}">
         <p14:creationId xmlns:p14="http://schemas.microsoft.com/office/powerpoint/2010/main" val="110616226"/>
+      </p:ext>
+    </p:extLst>
+  </p:cSld>
+  <p:clrMapOvr>
+    <a:masterClrMapping/>
+  </p:clrMapOvr>
+</p:sld>
+</file>
+
+<file path=ppt/slides/slide7.xml><?xml version="1.0" encoding="utf-8"?>
+<p:sld xmlns:a="http://schemas.openxmlformats.org/drawingml/2006/main" xmlns:r="http://schemas.openxmlformats.org/officeDocument/2006/relationships" xmlns:p="http://schemas.openxmlformats.org/presentationml/2006/main">
+  <p:cSld>
+    <p:spTree>
+      <p:nvGrpSpPr>
+        <p:cNvPr id="1" name=""/>
+        <p:cNvGrpSpPr/>
+        <p:nvPr/>
+      </p:nvGrpSpPr>
+      <p:grpSpPr>
+        <a:xfrm>
+          <a:off x="0" y="0"/>
+          <a:ext cx="0" cy="0"/>
+          <a:chOff x="0" y="0"/>
+          <a:chExt cx="0" cy="0"/>
+        </a:xfrm>
+      </p:grpSpPr>
+      <p:sp>
+        <p:nvSpPr>
+          <p:cNvPr id="2" name="Title 1">
+            <a:extLst>
+              <a:ext uri="{FF2B5EF4-FFF2-40B4-BE49-F238E27FC236}">
+                <a16:creationId xmlns:a16="http://schemas.microsoft.com/office/drawing/2014/main" id="{BF99249C-F5F1-47D9-A2C7-74A1D6970316}"/>
+              </a:ext>
+            </a:extLst>
+          </p:cNvPr>
+          <p:cNvSpPr>
+            <a:spLocks noGrp="1"/>
+          </p:cNvSpPr>
+          <p:nvPr>
+            <p:ph type="title"/>
+          </p:nvPr>
+        </p:nvSpPr>
+        <p:spPr/>
+        <p:txBody>
+          <a:bodyPr/>
+          <a:lstStyle/>
+          <a:p>
+            <a:endParaRPr lang="en-US" dirty="0"/>
+          </a:p>
+        </p:txBody>
+      </p:sp>
+      <p:sp>
+        <p:nvSpPr>
+          <p:cNvPr id="7" name="TextBox 6">
+            <a:extLst>
+              <a:ext uri="{FF2B5EF4-FFF2-40B4-BE49-F238E27FC236}">
+                <a16:creationId xmlns:a16="http://schemas.microsoft.com/office/drawing/2014/main" id="{D606B5D4-FCD5-48C9-9E4D-D36505DCC334}"/>
+              </a:ext>
+            </a:extLst>
+          </p:cNvPr>
+          <p:cNvSpPr txBox="1"/>
+          <p:nvPr/>
+        </p:nvSpPr>
+        <p:spPr>
+          <a:xfrm>
+            <a:off x="3005666" y="3810000"/>
+            <a:ext cx="3657600" cy="923330"/>
+          </a:xfrm>
+          <a:prstGeom prst="rect">
+            <a:avLst/>
+          </a:prstGeom>
+          <a:noFill/>
+        </p:spPr>
+        <p:txBody>
+          <a:bodyPr wrap="square" rtlCol="0">
+            <a:spAutoFit/>
+          </a:bodyPr>
+          <a:lstStyle/>
+          <a:p>
+            <a:pPr algn="ctr"/>
+            <a:r>
+              <a:rPr lang="en-US" sz="5400" dirty="0"/>
+              <a:t>Thank You</a:t>
+            </a:r>
+          </a:p>
+        </p:txBody>
+      </p:sp>
+    </p:spTree>
+    <p:extLst>
+      <p:ext uri="{BB962C8B-B14F-4D97-AF65-F5344CB8AC3E}">
+        <p14:creationId xmlns:p14="http://schemas.microsoft.com/office/powerpoint/2010/main" val="109610312"/>
       </p:ext>
     </p:extLst>
   </p:cSld>

--- a/Extracting Text File From Downloaded Packet File.pptx
+++ b/Extracting Text File From Downloaded Packet File.pptx
@@ -4,14 +4,21 @@
   <p:sldMasterIdLst>
     <p:sldMasterId id="2147483708" r:id="rId1"/>
   </p:sldMasterIdLst>
+  <p:notesMasterIdLst>
+    <p:notesMasterId r:id="rId13"/>
+  </p:notesMasterIdLst>
   <p:sldIdLst>
     <p:sldId id="256" r:id="rId2"/>
     <p:sldId id="257" r:id="rId3"/>
-    <p:sldId id="258" r:id="rId4"/>
-    <p:sldId id="259" r:id="rId5"/>
-    <p:sldId id="260" r:id="rId6"/>
-    <p:sldId id="261" r:id="rId7"/>
-    <p:sldId id="262" r:id="rId8"/>
+    <p:sldId id="264" r:id="rId4"/>
+    <p:sldId id="266" r:id="rId5"/>
+    <p:sldId id="265" r:id="rId6"/>
+    <p:sldId id="259" r:id="rId7"/>
+    <p:sldId id="260" r:id="rId8"/>
+    <p:sldId id="261" r:id="rId9"/>
+    <p:sldId id="267" r:id="rId10"/>
+    <p:sldId id="263" r:id="rId11"/>
+    <p:sldId id="262" r:id="rId12"/>
   </p:sldIdLst>
   <p:sldSz cx="9144000" cy="6858000" type="screen4x3"/>
   <p:notesSz cx="6858000" cy="9144000"/>
@@ -131,6 +138,355 @@
 
 <file path=ppt/revisionInfo.xml><?xml version="1.0" encoding="utf-8"?>
 <p1510:revInfo xmlns:a="http://schemas.openxmlformats.org/drawingml/2006/main" xmlns:r="http://schemas.openxmlformats.org/officeDocument/2006/relationships" xmlns:p1510="http://schemas.microsoft.com/office/powerpoint/2015/10/main"/>
+</file>
+
+<file path=ppt/notesMasters/notesMaster1.xml><?xml version="1.0" encoding="utf-8"?>
+<p:notesMaster xmlns:a="http://schemas.openxmlformats.org/drawingml/2006/main" xmlns:r="http://schemas.openxmlformats.org/officeDocument/2006/relationships" xmlns:p="http://schemas.openxmlformats.org/presentationml/2006/main">
+  <p:cSld>
+    <p:bg>
+      <p:bgRef idx="1001">
+        <a:schemeClr val="bg1"/>
+      </p:bgRef>
+    </p:bg>
+    <p:spTree>
+      <p:nvGrpSpPr>
+        <p:cNvPr id="1" name=""/>
+        <p:cNvGrpSpPr/>
+        <p:nvPr/>
+      </p:nvGrpSpPr>
+      <p:grpSpPr>
+        <a:xfrm>
+          <a:off x="0" y="0"/>
+          <a:ext cx="0" cy="0"/>
+          <a:chOff x="0" y="0"/>
+          <a:chExt cx="0" cy="0"/>
+        </a:xfrm>
+      </p:grpSpPr>
+      <p:sp>
+        <p:nvSpPr>
+          <p:cNvPr id="2" name="Header Placeholder 1"/>
+          <p:cNvSpPr>
+            <a:spLocks noGrp="1"/>
+          </p:cNvSpPr>
+          <p:nvPr>
+            <p:ph type="hdr" sz="quarter"/>
+          </p:nvPr>
+        </p:nvSpPr>
+        <p:spPr>
+          <a:xfrm>
+            <a:off x="0" y="0"/>
+            <a:ext cx="2971800" cy="458788"/>
+          </a:xfrm>
+          <a:prstGeom prst="rect">
+            <a:avLst/>
+          </a:prstGeom>
+        </p:spPr>
+        <p:txBody>
+          <a:bodyPr vert="horz" lIns="91440" tIns="45720" rIns="91440" bIns="45720" rtlCol="0"/>
+          <a:lstStyle>
+            <a:lvl1pPr algn="l">
+              <a:defRPr sz="1200"/>
+            </a:lvl1pPr>
+          </a:lstStyle>
+          <a:p>
+            <a:endParaRPr lang="en-US"/>
+          </a:p>
+        </p:txBody>
+      </p:sp>
+      <p:sp>
+        <p:nvSpPr>
+          <p:cNvPr id="3" name="Date Placeholder 2"/>
+          <p:cNvSpPr>
+            <a:spLocks noGrp="1"/>
+          </p:cNvSpPr>
+          <p:nvPr>
+            <p:ph type="dt" idx="1"/>
+          </p:nvPr>
+        </p:nvSpPr>
+        <p:spPr>
+          <a:xfrm>
+            <a:off x="3884613" y="0"/>
+            <a:ext cx="2971800" cy="458788"/>
+          </a:xfrm>
+          <a:prstGeom prst="rect">
+            <a:avLst/>
+          </a:prstGeom>
+        </p:spPr>
+        <p:txBody>
+          <a:bodyPr vert="horz" lIns="91440" tIns="45720" rIns="91440" bIns="45720" rtlCol="0"/>
+          <a:lstStyle>
+            <a:lvl1pPr algn="r">
+              <a:defRPr sz="1200"/>
+            </a:lvl1pPr>
+          </a:lstStyle>
+          <a:p>
+            <a:fld id="{37B4D34E-3706-465C-80FD-543C0A042218}" type="datetimeFigureOut">
+              <a:rPr lang="en-US" smtClean="0"/>
+              <a:t>07-Mar-18</a:t>
+            </a:fld>
+            <a:endParaRPr lang="en-US"/>
+          </a:p>
+        </p:txBody>
+      </p:sp>
+      <p:sp>
+        <p:nvSpPr>
+          <p:cNvPr id="4" name="Slide Image Placeholder 3"/>
+          <p:cNvSpPr>
+            <a:spLocks noGrp="1" noRot="1" noChangeAspect="1"/>
+          </p:cNvSpPr>
+          <p:nvPr>
+            <p:ph type="sldImg" idx="2"/>
+          </p:nvPr>
+        </p:nvSpPr>
+        <p:spPr>
+          <a:xfrm>
+            <a:off x="1371600" y="1143000"/>
+            <a:ext cx="4114800" cy="3086100"/>
+          </a:xfrm>
+          <a:prstGeom prst="rect">
+            <a:avLst/>
+          </a:prstGeom>
+          <a:noFill/>
+          <a:ln w="12700">
+            <a:solidFill>
+              <a:prstClr val="black"/>
+            </a:solidFill>
+          </a:ln>
+        </p:spPr>
+        <p:txBody>
+          <a:bodyPr vert="horz" lIns="91440" tIns="45720" rIns="91440" bIns="45720" rtlCol="0" anchor="ctr"/>
+          <a:lstStyle/>
+          <a:p>
+            <a:endParaRPr lang="en-US"/>
+          </a:p>
+        </p:txBody>
+      </p:sp>
+      <p:sp>
+        <p:nvSpPr>
+          <p:cNvPr id="5" name="Notes Placeholder 4"/>
+          <p:cNvSpPr>
+            <a:spLocks noGrp="1"/>
+          </p:cNvSpPr>
+          <p:nvPr>
+            <p:ph type="body" sz="quarter" idx="3"/>
+          </p:nvPr>
+        </p:nvSpPr>
+        <p:spPr>
+          <a:xfrm>
+            <a:off x="685800" y="4400550"/>
+            <a:ext cx="5486400" cy="3600450"/>
+          </a:xfrm>
+          <a:prstGeom prst="rect">
+            <a:avLst/>
+          </a:prstGeom>
+        </p:spPr>
+        <p:txBody>
+          <a:bodyPr vert="horz" lIns="91440" tIns="45720" rIns="91440" bIns="45720" rtlCol="0"/>
+          <a:lstStyle/>
+          <a:p>
+            <a:pPr lvl="0"/>
+            <a:r>
+              <a:rPr lang="en-US"/>
+              <a:t>Edit Master text styles</a:t>
+            </a:r>
+          </a:p>
+          <a:p>
+            <a:pPr lvl="1"/>
+            <a:r>
+              <a:rPr lang="en-US"/>
+              <a:t>Second level</a:t>
+            </a:r>
+          </a:p>
+          <a:p>
+            <a:pPr lvl="2"/>
+            <a:r>
+              <a:rPr lang="en-US"/>
+              <a:t>Third level</a:t>
+            </a:r>
+          </a:p>
+          <a:p>
+            <a:pPr lvl="3"/>
+            <a:r>
+              <a:rPr lang="en-US"/>
+              <a:t>Fourth level</a:t>
+            </a:r>
+          </a:p>
+          <a:p>
+            <a:pPr lvl="4"/>
+            <a:r>
+              <a:rPr lang="en-US"/>
+              <a:t>Fifth level</a:t>
+            </a:r>
+          </a:p>
+        </p:txBody>
+      </p:sp>
+      <p:sp>
+        <p:nvSpPr>
+          <p:cNvPr id="6" name="Footer Placeholder 5"/>
+          <p:cNvSpPr>
+            <a:spLocks noGrp="1"/>
+          </p:cNvSpPr>
+          <p:nvPr>
+            <p:ph type="ftr" sz="quarter" idx="4"/>
+          </p:nvPr>
+        </p:nvSpPr>
+        <p:spPr>
+          <a:xfrm>
+            <a:off x="0" y="8685213"/>
+            <a:ext cx="2971800" cy="458787"/>
+          </a:xfrm>
+          <a:prstGeom prst="rect">
+            <a:avLst/>
+          </a:prstGeom>
+        </p:spPr>
+        <p:txBody>
+          <a:bodyPr vert="horz" lIns="91440" tIns="45720" rIns="91440" bIns="45720" rtlCol="0" anchor="b"/>
+          <a:lstStyle>
+            <a:lvl1pPr algn="l">
+              <a:defRPr sz="1200"/>
+            </a:lvl1pPr>
+          </a:lstStyle>
+          <a:p>
+            <a:endParaRPr lang="en-US"/>
+          </a:p>
+        </p:txBody>
+      </p:sp>
+      <p:sp>
+        <p:nvSpPr>
+          <p:cNvPr id="7" name="Slide Number Placeholder 6"/>
+          <p:cNvSpPr>
+            <a:spLocks noGrp="1"/>
+          </p:cNvSpPr>
+          <p:nvPr>
+            <p:ph type="sldNum" sz="quarter" idx="5"/>
+          </p:nvPr>
+        </p:nvSpPr>
+        <p:spPr>
+          <a:xfrm>
+            <a:off x="3884613" y="8685213"/>
+            <a:ext cx="2971800" cy="458787"/>
+          </a:xfrm>
+          <a:prstGeom prst="rect">
+            <a:avLst/>
+          </a:prstGeom>
+        </p:spPr>
+        <p:txBody>
+          <a:bodyPr vert="horz" lIns="91440" tIns="45720" rIns="91440" bIns="45720" rtlCol="0" anchor="b"/>
+          <a:lstStyle>
+            <a:lvl1pPr algn="r">
+              <a:defRPr sz="1200"/>
+            </a:lvl1pPr>
+          </a:lstStyle>
+          <a:p>
+            <a:fld id="{3D2659BE-961F-4E31-9F56-07982C9CF00E}" type="slidenum">
+              <a:rPr lang="en-US" smtClean="0"/>
+              <a:t>‹#›</a:t>
+            </a:fld>
+            <a:endParaRPr lang="en-US"/>
+          </a:p>
+        </p:txBody>
+      </p:sp>
+    </p:spTree>
+    <p:extLst>
+      <p:ext uri="{BB962C8B-B14F-4D97-AF65-F5344CB8AC3E}">
+        <p14:creationId xmlns:p14="http://schemas.microsoft.com/office/powerpoint/2010/main" val="4096428702"/>
+      </p:ext>
+    </p:extLst>
+  </p:cSld>
+  <p:clrMap bg1="lt1" tx1="dk1" bg2="lt2" tx2="dk2" accent1="accent1" accent2="accent2" accent3="accent3" accent4="accent4" accent5="accent5" accent6="accent6" hlink="hlink" folHlink="folHlink"/>
+  <p:notesStyle>
+    <a:lvl1pPr marL="0" algn="l" defTabSz="914400" rtl="0" eaLnBrk="1" latinLnBrk="0" hangingPunct="1">
+      <a:defRPr sz="1200" kern="1200">
+        <a:solidFill>
+          <a:schemeClr val="tx1"/>
+        </a:solidFill>
+        <a:latin typeface="+mn-lt"/>
+        <a:ea typeface="+mn-ea"/>
+        <a:cs typeface="+mn-cs"/>
+      </a:defRPr>
+    </a:lvl1pPr>
+    <a:lvl2pPr marL="457200" algn="l" defTabSz="914400" rtl="0" eaLnBrk="1" latinLnBrk="0" hangingPunct="1">
+      <a:defRPr sz="1200" kern="1200">
+        <a:solidFill>
+          <a:schemeClr val="tx1"/>
+        </a:solidFill>
+        <a:latin typeface="+mn-lt"/>
+        <a:ea typeface="+mn-ea"/>
+        <a:cs typeface="+mn-cs"/>
+      </a:defRPr>
+    </a:lvl2pPr>
+    <a:lvl3pPr marL="914400" algn="l" defTabSz="914400" rtl="0" eaLnBrk="1" latinLnBrk="0" hangingPunct="1">
+      <a:defRPr sz="1200" kern="1200">
+        <a:solidFill>
+          <a:schemeClr val="tx1"/>
+        </a:solidFill>
+        <a:latin typeface="+mn-lt"/>
+        <a:ea typeface="+mn-ea"/>
+        <a:cs typeface="+mn-cs"/>
+      </a:defRPr>
+    </a:lvl3pPr>
+    <a:lvl4pPr marL="1371600" algn="l" defTabSz="914400" rtl="0" eaLnBrk="1" latinLnBrk="0" hangingPunct="1">
+      <a:defRPr sz="1200" kern="1200">
+        <a:solidFill>
+          <a:schemeClr val="tx1"/>
+        </a:solidFill>
+        <a:latin typeface="+mn-lt"/>
+        <a:ea typeface="+mn-ea"/>
+        <a:cs typeface="+mn-cs"/>
+      </a:defRPr>
+    </a:lvl4pPr>
+    <a:lvl5pPr marL="1828800" algn="l" defTabSz="914400" rtl="0" eaLnBrk="1" latinLnBrk="0" hangingPunct="1">
+      <a:defRPr sz="1200" kern="1200">
+        <a:solidFill>
+          <a:schemeClr val="tx1"/>
+        </a:solidFill>
+        <a:latin typeface="+mn-lt"/>
+        <a:ea typeface="+mn-ea"/>
+        <a:cs typeface="+mn-cs"/>
+      </a:defRPr>
+    </a:lvl5pPr>
+    <a:lvl6pPr marL="2286000" algn="l" defTabSz="914400" rtl="0" eaLnBrk="1" latinLnBrk="0" hangingPunct="1">
+      <a:defRPr sz="1200" kern="1200">
+        <a:solidFill>
+          <a:schemeClr val="tx1"/>
+        </a:solidFill>
+        <a:latin typeface="+mn-lt"/>
+        <a:ea typeface="+mn-ea"/>
+        <a:cs typeface="+mn-cs"/>
+      </a:defRPr>
+    </a:lvl6pPr>
+    <a:lvl7pPr marL="2743200" algn="l" defTabSz="914400" rtl="0" eaLnBrk="1" latinLnBrk="0" hangingPunct="1">
+      <a:defRPr sz="1200" kern="1200">
+        <a:solidFill>
+          <a:schemeClr val="tx1"/>
+        </a:solidFill>
+        <a:latin typeface="+mn-lt"/>
+        <a:ea typeface="+mn-ea"/>
+        <a:cs typeface="+mn-cs"/>
+      </a:defRPr>
+    </a:lvl7pPr>
+    <a:lvl8pPr marL="3200400" algn="l" defTabSz="914400" rtl="0" eaLnBrk="1" latinLnBrk="0" hangingPunct="1">
+      <a:defRPr sz="1200" kern="1200">
+        <a:solidFill>
+          <a:schemeClr val="tx1"/>
+        </a:solidFill>
+        <a:latin typeface="+mn-lt"/>
+        <a:ea typeface="+mn-ea"/>
+        <a:cs typeface="+mn-cs"/>
+      </a:defRPr>
+    </a:lvl8pPr>
+    <a:lvl9pPr marL="3657600" algn="l" defTabSz="914400" rtl="0" eaLnBrk="1" latinLnBrk="0" hangingPunct="1">
+      <a:defRPr sz="1200" kern="1200">
+        <a:solidFill>
+          <a:schemeClr val="tx1"/>
+        </a:solidFill>
+        <a:latin typeface="+mn-lt"/>
+        <a:ea typeface="+mn-ea"/>
+        <a:cs typeface="+mn-cs"/>
+      </a:defRPr>
+    </a:lvl9pPr>
+  </p:notesStyle>
+</p:notesMaster>
 </file>
 
 <file path=ppt/slideLayouts/slideLayout1.xml><?xml version="1.0" encoding="utf-8"?>
@@ -647,7 +1003,7 @@
           <a:bodyPr/>
           <a:lstStyle/>
           <a:p>
-            <a:fld id="{F28143BE-8687-4D26-9AAF-8C4268D8E83E}" type="datetimeFigureOut">
+            <a:fld id="{879D1BAF-ADC3-4223-8D60-E5EA46C43713}" type="datetime1">
               <a:rPr lang="en-US" smtClean="0"/>
               <a:t>07-Mar-18</a:t>
             </a:fld>
@@ -1058,7 +1414,7 @@
           <a:bodyPr/>
           <a:lstStyle/>
           <a:p>
-            <a:fld id="{F28143BE-8687-4D26-9AAF-8C4268D8E83E}" type="datetimeFigureOut">
+            <a:fld id="{927B5A88-AFBF-44F7-8804-50B7C02AAF99}" type="datetime1">
               <a:rPr lang="en-US" smtClean="0"/>
               <a:t>07-Mar-18</a:t>
             </a:fld>
@@ -1306,7 +1662,7 @@
           <a:bodyPr/>
           <a:lstStyle/>
           <a:p>
-            <a:fld id="{F28143BE-8687-4D26-9AAF-8C4268D8E83E}" type="datetimeFigureOut">
+            <a:fld id="{19A06C8F-A918-4777-B362-C8E786A95A39}" type="datetime1">
               <a:rPr lang="en-US" smtClean="0"/>
               <a:t>07-Mar-18</a:t>
             </a:fld>
@@ -1846,7 +2202,7 @@
           <a:bodyPr/>
           <a:lstStyle/>
           <a:p>
-            <a:fld id="{F28143BE-8687-4D26-9AAF-8C4268D8E83E}" type="datetimeFigureOut">
+            <a:fld id="{2229838B-1678-461E-8A57-47B88D15392B}" type="datetime1">
               <a:rPr lang="en-US" smtClean="0"/>
               <a:t>07-Mar-18</a:t>
             </a:fld>
@@ -2094,7 +2450,7 @@
           <a:bodyPr/>
           <a:lstStyle/>
           <a:p>
-            <a:fld id="{F28143BE-8687-4D26-9AAF-8C4268D8E83E}" type="datetimeFigureOut">
+            <a:fld id="{83D5B713-1F13-42CA-AA3F-52ADA4988E64}" type="datetime1">
               <a:rPr lang="en-US" smtClean="0"/>
               <a:t>07-Mar-18</a:t>
             </a:fld>
@@ -2626,7 +2982,7 @@
           <a:bodyPr/>
           <a:lstStyle/>
           <a:p>
-            <a:fld id="{F28143BE-8687-4D26-9AAF-8C4268D8E83E}" type="datetimeFigureOut">
+            <a:fld id="{BAFC0124-502E-4011-891F-6F41EC14F560}" type="datetime1">
               <a:rPr lang="en-US" smtClean="0"/>
               <a:t>07-Mar-18</a:t>
             </a:fld>
@@ -2923,7 +3279,7 @@
           <a:bodyPr/>
           <a:lstStyle/>
           <a:p>
-            <a:fld id="{F28143BE-8687-4D26-9AAF-8C4268D8E83E}" type="datetimeFigureOut">
+            <a:fld id="{F2F86A43-C3FB-4B90-8017-09CB30639877}" type="datetime1">
               <a:rPr lang="en-US" smtClean="0"/>
               <a:t>07-Mar-18</a:t>
             </a:fld>
@@ -3097,7 +3453,7 @@
           <a:bodyPr/>
           <a:lstStyle/>
           <a:p>
-            <a:fld id="{F28143BE-8687-4D26-9AAF-8C4268D8E83E}" type="datetimeFigureOut">
+            <a:fld id="{43BD5837-CBC5-4FE0-A02F-6E509FEFD101}" type="datetime1">
               <a:rPr lang="en-US" smtClean="0"/>
               <a:t>07-Mar-18</a:t>
             </a:fld>
@@ -3277,7 +3633,7 @@
           <a:bodyPr/>
           <a:lstStyle/>
           <a:p>
-            <a:fld id="{F28143BE-8687-4D26-9AAF-8C4268D8E83E}" type="datetimeFigureOut">
+            <a:fld id="{666DC0A0-8D70-4D15-BD31-78100F9AF435}" type="datetime1">
               <a:rPr lang="en-US" smtClean="0"/>
               <a:t>07-Mar-18</a:t>
             </a:fld>
@@ -3462,7 +3818,7 @@
           <a:bodyPr/>
           <a:lstStyle/>
           <a:p>
-            <a:fld id="{F28143BE-8687-4D26-9AAF-8C4268D8E83E}" type="datetimeFigureOut">
+            <a:fld id="{B89455E1-AB64-4C80-88C4-E3EAED619A1A}" type="datetime1">
               <a:rPr lang="en-US" smtClean="0"/>
               <a:t>07-Mar-18</a:t>
             </a:fld>
@@ -3718,7 +4074,7 @@
           <a:bodyPr/>
           <a:lstStyle/>
           <a:p>
-            <a:fld id="{F28143BE-8687-4D26-9AAF-8C4268D8E83E}" type="datetimeFigureOut">
+            <a:fld id="{BCC85CBD-FB27-48D2-A7F2-9D03B79E2B5A}" type="datetime1">
               <a:rPr lang="en-US" smtClean="0"/>
               <a:t>07-Mar-18</a:t>
             </a:fld>
@@ -4020,7 +4376,7 @@
           <a:bodyPr/>
           <a:lstStyle/>
           <a:p>
-            <a:fld id="{F28143BE-8687-4D26-9AAF-8C4268D8E83E}" type="datetimeFigureOut">
+            <a:fld id="{92510EBB-E10C-4B3C-B103-C432FD8ABD84}" type="datetime1">
               <a:rPr lang="en-US" smtClean="0"/>
               <a:t>07-Mar-18</a:t>
             </a:fld>
@@ -4462,7 +4818,7 @@
           <a:bodyPr/>
           <a:lstStyle/>
           <a:p>
-            <a:fld id="{F28143BE-8687-4D26-9AAF-8C4268D8E83E}" type="datetimeFigureOut">
+            <a:fld id="{B451695E-10B8-4DA1-AB44-FD860E3F1199}" type="datetime1">
               <a:rPr lang="en-US" smtClean="0"/>
               <a:t>07-Mar-18</a:t>
             </a:fld>
@@ -4580,7 +4936,7 @@
           <a:bodyPr/>
           <a:lstStyle/>
           <a:p>
-            <a:fld id="{F28143BE-8687-4D26-9AAF-8C4268D8E83E}" type="datetimeFigureOut">
+            <a:fld id="{4EA4E249-2AC4-4636-9FA4-37FA43BC6B73}" type="datetime1">
               <a:rPr lang="en-US" smtClean="0"/>
               <a:t>07-Mar-18</a:t>
             </a:fld>
@@ -4675,7 +5031,7 @@
           <a:bodyPr/>
           <a:lstStyle/>
           <a:p>
-            <a:fld id="{F28143BE-8687-4D26-9AAF-8C4268D8E83E}" type="datetimeFigureOut">
+            <a:fld id="{3CF1AC87-5BDE-4E5E-8BA3-DD5EEDF1F110}" type="datetime1">
               <a:rPr lang="en-US" smtClean="0"/>
               <a:t>07-Mar-18</a:t>
             </a:fld>
@@ -4958,7 +5314,7 @@
           <a:bodyPr/>
           <a:lstStyle/>
           <a:p>
-            <a:fld id="{F28143BE-8687-4D26-9AAF-8C4268D8E83E}" type="datetimeFigureOut">
+            <a:fld id="{12127B24-84A8-4876-804C-20F90F411ADC}" type="datetime1">
               <a:rPr lang="en-US" smtClean="0"/>
               <a:t>07-Mar-18</a:t>
             </a:fld>
@@ -5249,7 +5605,7 @@
           <a:bodyPr/>
           <a:lstStyle/>
           <a:p>
-            <a:fld id="{F28143BE-8687-4D26-9AAF-8C4268D8E83E}" type="datetimeFigureOut">
+            <a:fld id="{66C699A1-D9C5-4E8D-BBBC-E5E14AF9E976}" type="datetime1">
               <a:rPr lang="en-US" smtClean="0"/>
               <a:t>07-Mar-18</a:t>
             </a:fld>
@@ -5773,7 +6129,7 @@
             </a:lvl1pPr>
           </a:lstStyle>
           <a:p>
-            <a:fld id="{F28143BE-8687-4D26-9AAF-8C4268D8E83E}" type="datetimeFigureOut">
+            <a:fld id="{B5FF16F6-EEDA-4646-AF9A-09735A1A2BC7}" type="datetime1">
               <a:rPr lang="en-US" smtClean="0"/>
               <a:t>07-Mar-18</a:t>
             </a:fld>
@@ -5886,6 +6242,7 @@
     <p:sldLayoutId id="2147483724" r:id="rId16"/>
     <p:sldLayoutId id="2147483725" r:id="rId17"/>
   </p:sldLayoutIdLst>
+  <p:hf sldNum="0" hdr="0" ftr="0"/>
   <p:txStyles>
     <p:titleStyle>
       <a:lvl1pPr algn="ctr" defTabSz="457200" rtl="0" eaLnBrk="1" latinLnBrk="0" hangingPunct="1">
@@ -6406,7 +6763,7 @@
         </p:nvSpPr>
         <p:spPr>
           <a:xfrm>
-            <a:off x="6400800" y="6096000"/>
+            <a:off x="6432755" y="6096000"/>
             <a:ext cx="2295833" cy="369332"/>
           </a:xfrm>
           <a:prstGeom prst="rect">
@@ -6500,6 +6857,339 @@
     <p:extLst>
       <p:ext uri="{BB962C8B-B14F-4D97-AF65-F5344CB8AC3E}">
         <p14:creationId xmlns:p14="http://schemas.microsoft.com/office/powerpoint/2010/main" val="3174172348"/>
+      </p:ext>
+    </p:extLst>
+  </p:cSld>
+  <p:clrMapOvr>
+    <a:masterClrMapping/>
+  </p:clrMapOvr>
+</p:sld>
+</file>
+
+<file path=ppt/slides/slide10.xml><?xml version="1.0" encoding="utf-8"?>
+<p:sld xmlns:a="http://schemas.openxmlformats.org/drawingml/2006/main" xmlns:r="http://schemas.openxmlformats.org/officeDocument/2006/relationships" xmlns:p="http://schemas.openxmlformats.org/presentationml/2006/main">
+  <p:cSld>
+    <p:spTree>
+      <p:nvGrpSpPr>
+        <p:cNvPr id="1" name=""/>
+        <p:cNvGrpSpPr/>
+        <p:nvPr/>
+      </p:nvGrpSpPr>
+      <p:grpSpPr>
+        <a:xfrm>
+          <a:off x="0" y="0"/>
+          <a:ext cx="0" cy="0"/>
+          <a:chOff x="0" y="0"/>
+          <a:chExt cx="0" cy="0"/>
+        </a:xfrm>
+      </p:grpSpPr>
+      <p:sp>
+        <p:nvSpPr>
+          <p:cNvPr id="2" name="Title 1">
+            <a:extLst>
+              <a:ext uri="{FF2B5EF4-FFF2-40B4-BE49-F238E27FC236}">
+                <a16:creationId xmlns:a16="http://schemas.microsoft.com/office/drawing/2014/main" id="{D032060F-C1B4-4577-AE6D-3688FDF7102A}"/>
+              </a:ext>
+            </a:extLst>
+          </p:cNvPr>
+          <p:cNvSpPr>
+            <a:spLocks noGrp="1"/>
+          </p:cNvSpPr>
+          <p:nvPr>
+            <p:ph type="title"/>
+          </p:nvPr>
+        </p:nvSpPr>
+        <p:spPr/>
+        <p:txBody>
+          <a:bodyPr/>
+          <a:lstStyle/>
+          <a:p>
+            <a:r>
+              <a:rPr lang="en-US" dirty="0" err="1"/>
+              <a:t>Github</a:t>
+            </a:r>
+            <a:r>
+              <a:rPr lang="en-US" dirty="0"/>
+              <a:t> Link Here </a:t>
+            </a:r>
+          </a:p>
+        </p:txBody>
+      </p:sp>
+      <p:sp>
+        <p:nvSpPr>
+          <p:cNvPr id="3" name="Content Placeholder 2">
+            <a:extLst>
+              <a:ext uri="{FF2B5EF4-FFF2-40B4-BE49-F238E27FC236}">
+                <a16:creationId xmlns:a16="http://schemas.microsoft.com/office/drawing/2014/main" id="{86148081-02DF-472D-BD2D-979857572153}"/>
+              </a:ext>
+            </a:extLst>
+          </p:cNvPr>
+          <p:cNvSpPr>
+            <a:spLocks noGrp="1"/>
+          </p:cNvSpPr>
+          <p:nvPr>
+            <p:ph idx="1"/>
+          </p:nvPr>
+        </p:nvSpPr>
+        <p:spPr>
+          <a:xfrm>
+            <a:off x="982133" y="2667000"/>
+            <a:ext cx="7704667" cy="2209800"/>
+          </a:xfrm>
+        </p:spPr>
+        <p:txBody>
+          <a:bodyPr/>
+          <a:lstStyle/>
+          <a:p>
+            <a:r>
+              <a:rPr lang="en-US" dirty="0">
+                <a:hlinkClick r:id="rId2"/>
+              </a:rPr>
+              <a:t>https://github.com/PritomKumar/SPLproject-1</a:t>
+            </a:r>
+            <a:endParaRPr lang="en-US" dirty="0"/>
+          </a:p>
+        </p:txBody>
+      </p:sp>
+      <p:sp>
+        <p:nvSpPr>
+          <p:cNvPr id="7" name="TextBox 6">
+            <a:extLst>
+              <a:ext uri="{FF2B5EF4-FFF2-40B4-BE49-F238E27FC236}">
+                <a16:creationId xmlns:a16="http://schemas.microsoft.com/office/drawing/2014/main" id="{18363F79-6505-45E9-9470-EE68C463AD5C}"/>
+              </a:ext>
+            </a:extLst>
+          </p:cNvPr>
+          <p:cNvSpPr txBox="1"/>
+          <p:nvPr/>
+        </p:nvSpPr>
+        <p:spPr>
+          <a:xfrm>
+            <a:off x="6432755" y="6096000"/>
+            <a:ext cx="2295833" cy="369332"/>
+          </a:xfrm>
+          <a:prstGeom prst="rect">
+            <a:avLst/>
+          </a:prstGeom>
+          <a:noFill/>
+        </p:spPr>
+        <p:txBody>
+          <a:bodyPr wrap="square" rtlCol="0">
+            <a:spAutoFit/>
+          </a:bodyPr>
+          <a:lstStyle/>
+          <a:p>
+            <a:r>
+              <a:rPr lang="en-US" dirty="0"/>
+              <a:t>Date: 07 March , 2018</a:t>
+            </a:r>
+          </a:p>
+        </p:txBody>
+      </p:sp>
+      <p:sp>
+        <p:nvSpPr>
+          <p:cNvPr id="9" name="TextBox 8">
+            <a:extLst>
+              <a:ext uri="{FF2B5EF4-FFF2-40B4-BE49-F238E27FC236}">
+                <a16:creationId xmlns:a16="http://schemas.microsoft.com/office/drawing/2014/main" id="{010C29F5-9869-4D49-98CC-8E95714890A8}"/>
+              </a:ext>
+            </a:extLst>
+          </p:cNvPr>
+          <p:cNvSpPr txBox="1"/>
+          <p:nvPr/>
+        </p:nvSpPr>
+        <p:spPr>
+          <a:xfrm>
+            <a:off x="4114800" y="6324600"/>
+            <a:ext cx="1219200" cy="369332"/>
+          </a:xfrm>
+          <a:prstGeom prst="rect">
+            <a:avLst/>
+          </a:prstGeom>
+          <a:noFill/>
+        </p:spPr>
+        <p:txBody>
+          <a:bodyPr wrap="square" rtlCol="0">
+            <a:spAutoFit/>
+          </a:bodyPr>
+          <a:lstStyle/>
+          <a:p>
+            <a:r>
+              <a:rPr lang="en-US" dirty="0">
+                <a:latin typeface="Baskerville Old Face" panose="02020602080505020303" pitchFamily="18" charset="0"/>
+              </a:rPr>
+              <a:t>Slide No  9</a:t>
+            </a:r>
+          </a:p>
+        </p:txBody>
+      </p:sp>
+    </p:spTree>
+    <p:extLst>
+      <p:ext uri="{BB962C8B-B14F-4D97-AF65-F5344CB8AC3E}">
+        <p14:creationId xmlns:p14="http://schemas.microsoft.com/office/powerpoint/2010/main" val="3870140083"/>
+      </p:ext>
+    </p:extLst>
+  </p:cSld>
+  <p:clrMapOvr>
+    <a:masterClrMapping/>
+  </p:clrMapOvr>
+</p:sld>
+</file>
+
+<file path=ppt/slides/slide11.xml><?xml version="1.0" encoding="utf-8"?>
+<p:sld xmlns:a="http://schemas.openxmlformats.org/drawingml/2006/main" xmlns:r="http://schemas.openxmlformats.org/officeDocument/2006/relationships" xmlns:p="http://schemas.openxmlformats.org/presentationml/2006/main">
+  <p:cSld>
+    <p:spTree>
+      <p:nvGrpSpPr>
+        <p:cNvPr id="1" name=""/>
+        <p:cNvGrpSpPr/>
+        <p:nvPr/>
+      </p:nvGrpSpPr>
+      <p:grpSpPr>
+        <a:xfrm>
+          <a:off x="0" y="0"/>
+          <a:ext cx="0" cy="0"/>
+          <a:chOff x="0" y="0"/>
+          <a:chExt cx="0" cy="0"/>
+        </a:xfrm>
+      </p:grpSpPr>
+      <p:sp>
+        <p:nvSpPr>
+          <p:cNvPr id="2" name="Title 1">
+            <a:extLst>
+              <a:ext uri="{FF2B5EF4-FFF2-40B4-BE49-F238E27FC236}">
+                <a16:creationId xmlns:a16="http://schemas.microsoft.com/office/drawing/2014/main" id="{BF99249C-F5F1-47D9-A2C7-74A1D6970316}"/>
+              </a:ext>
+            </a:extLst>
+          </p:cNvPr>
+          <p:cNvSpPr>
+            <a:spLocks noGrp="1"/>
+          </p:cNvSpPr>
+          <p:nvPr>
+            <p:ph type="title"/>
+          </p:nvPr>
+        </p:nvSpPr>
+        <p:spPr/>
+        <p:txBody>
+          <a:bodyPr/>
+          <a:lstStyle/>
+          <a:p>
+            <a:endParaRPr lang="en-US" dirty="0"/>
+          </a:p>
+        </p:txBody>
+      </p:sp>
+      <p:sp>
+        <p:nvSpPr>
+          <p:cNvPr id="7" name="TextBox 6">
+            <a:extLst>
+              <a:ext uri="{FF2B5EF4-FFF2-40B4-BE49-F238E27FC236}">
+                <a16:creationId xmlns:a16="http://schemas.microsoft.com/office/drawing/2014/main" id="{D606B5D4-FCD5-48C9-9E4D-D36505DCC334}"/>
+              </a:ext>
+            </a:extLst>
+          </p:cNvPr>
+          <p:cNvSpPr txBox="1"/>
+          <p:nvPr/>
+        </p:nvSpPr>
+        <p:spPr>
+          <a:xfrm>
+            <a:off x="3005666" y="3420070"/>
+            <a:ext cx="3657600" cy="923330"/>
+          </a:xfrm>
+          <a:prstGeom prst="rect">
+            <a:avLst/>
+          </a:prstGeom>
+          <a:noFill/>
+        </p:spPr>
+        <p:txBody>
+          <a:bodyPr wrap="square" rtlCol="0">
+            <a:spAutoFit/>
+          </a:bodyPr>
+          <a:lstStyle/>
+          <a:p>
+            <a:pPr algn="ctr"/>
+            <a:r>
+              <a:rPr lang="en-US" sz="5400" dirty="0"/>
+              <a:t>Thank You</a:t>
+            </a:r>
+          </a:p>
+        </p:txBody>
+      </p:sp>
+      <p:sp>
+        <p:nvSpPr>
+          <p:cNvPr id="8" name="TextBox 7">
+            <a:extLst>
+              <a:ext uri="{FF2B5EF4-FFF2-40B4-BE49-F238E27FC236}">
+                <a16:creationId xmlns:a16="http://schemas.microsoft.com/office/drawing/2014/main" id="{B927AB31-0378-4D49-9D1E-B7E61ECD0905}"/>
+              </a:ext>
+            </a:extLst>
+          </p:cNvPr>
+          <p:cNvSpPr txBox="1"/>
+          <p:nvPr/>
+        </p:nvSpPr>
+        <p:spPr>
+          <a:xfrm>
+            <a:off x="6477000" y="6248400"/>
+            <a:ext cx="2295833" cy="369332"/>
+          </a:xfrm>
+          <a:prstGeom prst="rect">
+            <a:avLst/>
+          </a:prstGeom>
+          <a:noFill/>
+        </p:spPr>
+        <p:txBody>
+          <a:bodyPr wrap="square" rtlCol="0">
+            <a:spAutoFit/>
+          </a:bodyPr>
+          <a:lstStyle/>
+          <a:p>
+            <a:r>
+              <a:rPr lang="en-US" dirty="0"/>
+              <a:t>Date: 07 March , 2018</a:t>
+            </a:r>
+          </a:p>
+        </p:txBody>
+      </p:sp>
+      <p:sp>
+        <p:nvSpPr>
+          <p:cNvPr id="9" name="TextBox 8">
+            <a:extLst>
+              <a:ext uri="{FF2B5EF4-FFF2-40B4-BE49-F238E27FC236}">
+                <a16:creationId xmlns:a16="http://schemas.microsoft.com/office/drawing/2014/main" id="{41E9AFA9-A460-4451-80C0-0D60EE78EBE4}"/>
+              </a:ext>
+            </a:extLst>
+          </p:cNvPr>
+          <p:cNvSpPr txBox="1"/>
+          <p:nvPr/>
+        </p:nvSpPr>
+        <p:spPr>
+          <a:xfrm>
+            <a:off x="4114800" y="6324600"/>
+            <a:ext cx="1447800" cy="369332"/>
+          </a:xfrm>
+          <a:prstGeom prst="rect">
+            <a:avLst/>
+          </a:prstGeom>
+          <a:noFill/>
+        </p:spPr>
+        <p:txBody>
+          <a:bodyPr wrap="square" rtlCol="0">
+            <a:spAutoFit/>
+          </a:bodyPr>
+          <a:lstStyle/>
+          <a:p>
+            <a:r>
+              <a:rPr lang="en-US" dirty="0">
+                <a:latin typeface="Baskerville Old Face" panose="02020602080505020303" pitchFamily="18" charset="0"/>
+              </a:rPr>
+              <a:t>Slide No  10</a:t>
+            </a:r>
+          </a:p>
+        </p:txBody>
+      </p:sp>
+    </p:spTree>
+    <p:extLst>
+      <p:ext uri="{BB962C8B-B14F-4D97-AF65-F5344CB8AC3E}">
+        <p14:creationId xmlns:p14="http://schemas.microsoft.com/office/powerpoint/2010/main" val="109610312"/>
       </p:ext>
     </p:extLst>
   </p:cSld>
@@ -6538,7 +7228,7 @@
         </p:nvSpPr>
         <p:spPr>
           <a:xfrm>
-            <a:off x="982133" y="304801"/>
+            <a:off x="990600" y="529458"/>
             <a:ext cx="7704667" cy="1350961"/>
           </a:xfrm>
         </p:spPr>
@@ -6620,6 +7310,78 @@
             <a:r>
               <a:rPr lang="en-US" dirty="0"/>
               <a:t>figure 1 : Data Transport in network.</a:t>
+            </a:r>
+          </a:p>
+        </p:txBody>
+      </p:sp>
+      <p:sp>
+        <p:nvSpPr>
+          <p:cNvPr id="9" name="TextBox 8">
+            <a:extLst>
+              <a:ext uri="{FF2B5EF4-FFF2-40B4-BE49-F238E27FC236}">
+                <a16:creationId xmlns:a16="http://schemas.microsoft.com/office/drawing/2014/main" id="{72B3C88D-03DD-4459-BF26-8D07B4CB7055}"/>
+              </a:ext>
+            </a:extLst>
+          </p:cNvPr>
+          <p:cNvSpPr txBox="1"/>
+          <p:nvPr/>
+        </p:nvSpPr>
+        <p:spPr>
+          <a:xfrm>
+            <a:off x="6553200" y="6248400"/>
+            <a:ext cx="2295833" cy="369332"/>
+          </a:xfrm>
+          <a:prstGeom prst="rect">
+            <a:avLst/>
+          </a:prstGeom>
+          <a:noFill/>
+        </p:spPr>
+        <p:txBody>
+          <a:bodyPr wrap="square" rtlCol="0">
+            <a:spAutoFit/>
+          </a:bodyPr>
+          <a:lstStyle/>
+          <a:p>
+            <a:r>
+              <a:rPr lang="en-US" dirty="0"/>
+              <a:t>Date: 07 March , 2018</a:t>
+            </a:r>
+          </a:p>
+        </p:txBody>
+      </p:sp>
+      <p:sp>
+        <p:nvSpPr>
+          <p:cNvPr id="11" name="TextBox 10">
+            <a:extLst>
+              <a:ext uri="{FF2B5EF4-FFF2-40B4-BE49-F238E27FC236}">
+                <a16:creationId xmlns:a16="http://schemas.microsoft.com/office/drawing/2014/main" id="{D3DD6587-D3EC-4EA7-848D-E9E85B4793C2}"/>
+              </a:ext>
+            </a:extLst>
+          </p:cNvPr>
+          <p:cNvSpPr txBox="1"/>
+          <p:nvPr/>
+        </p:nvSpPr>
+        <p:spPr>
+          <a:xfrm>
+            <a:off x="4114800" y="6324600"/>
+            <a:ext cx="1219200" cy="369332"/>
+          </a:xfrm>
+          <a:prstGeom prst="rect">
+            <a:avLst/>
+          </a:prstGeom>
+          <a:noFill/>
+        </p:spPr>
+        <p:txBody>
+          <a:bodyPr wrap="square" rtlCol="0">
+            <a:spAutoFit/>
+          </a:bodyPr>
+          <a:lstStyle/>
+          <a:p>
+            <a:r>
+              <a:rPr lang="en-US" dirty="0">
+                <a:latin typeface="Baskerville Old Face" panose="02020602080505020303" pitchFamily="18" charset="0"/>
+              </a:rPr>
+              <a:t>Slide No  1</a:t>
             </a:r>
           </a:p>
         </p:txBody>
@@ -6656,7 +7418,13 @@
       </p:grpSpPr>
       <p:sp>
         <p:nvSpPr>
-          <p:cNvPr id="2" name="Title 1"/>
+          <p:cNvPr id="2" name="Title 1">
+            <a:extLst>
+              <a:ext uri="{FF2B5EF4-FFF2-40B4-BE49-F238E27FC236}">
+                <a16:creationId xmlns:a16="http://schemas.microsoft.com/office/drawing/2014/main" id="{8DB8F8A1-43E0-49F5-8DAE-35FFF5AA59C5}"/>
+              </a:ext>
+            </a:extLst>
+          </p:cNvPr>
           <p:cNvSpPr>
             <a:spLocks noGrp="1"/>
           </p:cNvSpPr>
@@ -6664,41 +7432,169 @@
             <p:ph type="title"/>
           </p:nvPr>
         </p:nvSpPr>
-        <p:spPr/>
+        <p:spPr>
+          <a:xfrm>
+            <a:off x="982133" y="457201"/>
+            <a:ext cx="7704667" cy="1371599"/>
+          </a:xfrm>
+        </p:spPr>
         <p:txBody>
           <a:bodyPr/>
           <a:lstStyle/>
           <a:p>
             <a:r>
               <a:rPr lang="en-US" dirty="0"/>
-              <a:t>Why Extracting Text From Packet</a:t>
-            </a:r>
-          </a:p>
-        </p:txBody>
-      </p:sp>
-      <p:sp>
-        <p:nvSpPr>
-          <p:cNvPr id="3" name="Content Placeholder 2"/>
-          <p:cNvSpPr>
-            <a:spLocks noGrp="1"/>
-          </p:cNvSpPr>
+              <a:t>Background</a:t>
+            </a:r>
+          </a:p>
+        </p:txBody>
+      </p:sp>
+      <p:pic>
+        <p:nvPicPr>
+          <p:cNvPr id="5" name="Content Placeholder 4">
+            <a:extLst>
+              <a:ext uri="{FF2B5EF4-FFF2-40B4-BE49-F238E27FC236}">
+                <a16:creationId xmlns:a16="http://schemas.microsoft.com/office/drawing/2014/main" id="{241210F7-DD18-4950-A567-8DBF871F98C0}"/>
+              </a:ext>
+            </a:extLst>
+          </p:cNvPr>
+          <p:cNvPicPr>
+            <a:picLocks noGrp="1" noChangeAspect="1"/>
+          </p:cNvPicPr>
           <p:nvPr>
             <p:ph idx="1"/>
           </p:nvPr>
-        </p:nvSpPr>
-        <p:spPr/>
-        <p:txBody>
-          <a:bodyPr/>
-          <a:lstStyle/>
-          <a:p>
-            <a:endParaRPr lang="en-US"/>
+        </p:nvPicPr>
+        <p:blipFill>
+          <a:blip r:embed="rId2">
+            <a:extLst>
+              <a:ext uri="{28A0092B-C50C-407E-A947-70E740481C1C}">
+                <a14:useLocalDpi xmlns:a14="http://schemas.microsoft.com/office/drawing/2010/main" val="0"/>
+              </a:ext>
+            </a:extLst>
+          </a:blip>
+          <a:stretch>
+            <a:fillRect/>
+          </a:stretch>
+        </p:blipFill>
+        <p:spPr>
+          <a:xfrm>
+            <a:off x="2521053" y="1860755"/>
+            <a:ext cx="4626825" cy="3560762"/>
+          </a:xfrm>
+        </p:spPr>
+      </p:pic>
+      <p:sp>
+        <p:nvSpPr>
+          <p:cNvPr id="6" name="TextBox 5">
+            <a:extLst>
+              <a:ext uri="{FF2B5EF4-FFF2-40B4-BE49-F238E27FC236}">
+                <a16:creationId xmlns:a16="http://schemas.microsoft.com/office/drawing/2014/main" id="{E15B5190-004E-4106-8BD8-045F8AFDC997}"/>
+              </a:ext>
+            </a:extLst>
+          </p:cNvPr>
+          <p:cNvSpPr txBox="1"/>
+          <p:nvPr/>
+        </p:nvSpPr>
+        <p:spPr>
+          <a:xfrm>
+            <a:off x="2743200" y="5791200"/>
+            <a:ext cx="3810000" cy="369332"/>
+          </a:xfrm>
+          <a:prstGeom prst="rect">
+            <a:avLst/>
+          </a:prstGeom>
+          <a:noFill/>
+        </p:spPr>
+        <p:txBody>
+          <a:bodyPr wrap="square" rtlCol="0">
+            <a:spAutoFit/>
+          </a:bodyPr>
+          <a:lstStyle/>
+          <a:p>
+            <a:r>
+              <a:rPr lang="en-US" dirty="0"/>
+              <a:t>figure 2 :  OSI to TCP Model </a:t>
+            </a:r>
+          </a:p>
+        </p:txBody>
+      </p:sp>
+      <p:sp>
+        <p:nvSpPr>
+          <p:cNvPr id="10" name="TextBox 9">
+            <a:extLst>
+              <a:ext uri="{FF2B5EF4-FFF2-40B4-BE49-F238E27FC236}">
+                <a16:creationId xmlns:a16="http://schemas.microsoft.com/office/drawing/2014/main" id="{67BBD6A6-934E-4A8E-A6AE-723C2B3D4A2E}"/>
+              </a:ext>
+            </a:extLst>
+          </p:cNvPr>
+          <p:cNvSpPr txBox="1"/>
+          <p:nvPr/>
+        </p:nvSpPr>
+        <p:spPr>
+          <a:xfrm>
+            <a:off x="6523703" y="6160883"/>
+            <a:ext cx="2295833" cy="369332"/>
+          </a:xfrm>
+          <a:prstGeom prst="rect">
+            <a:avLst/>
+          </a:prstGeom>
+          <a:noFill/>
+        </p:spPr>
+        <p:txBody>
+          <a:bodyPr wrap="square" rtlCol="0">
+            <a:spAutoFit/>
+          </a:bodyPr>
+          <a:lstStyle/>
+          <a:p>
+            <a:r>
+              <a:rPr lang="en-US" dirty="0"/>
+              <a:t>Date: 07 March , 2018</a:t>
+            </a:r>
+          </a:p>
+        </p:txBody>
+      </p:sp>
+      <p:sp>
+        <p:nvSpPr>
+          <p:cNvPr id="12" name="TextBox 11">
+            <a:extLst>
+              <a:ext uri="{FF2B5EF4-FFF2-40B4-BE49-F238E27FC236}">
+                <a16:creationId xmlns:a16="http://schemas.microsoft.com/office/drawing/2014/main" id="{4D714A5F-334E-4E3A-AF17-54830231587A}"/>
+              </a:ext>
+            </a:extLst>
+          </p:cNvPr>
+          <p:cNvSpPr txBox="1"/>
+          <p:nvPr/>
+        </p:nvSpPr>
+        <p:spPr>
+          <a:xfrm>
+            <a:off x="4114800" y="6324600"/>
+            <a:ext cx="1219200" cy="369332"/>
+          </a:xfrm>
+          <a:prstGeom prst="rect">
+            <a:avLst/>
+          </a:prstGeom>
+          <a:noFill/>
+        </p:spPr>
+        <p:txBody>
+          <a:bodyPr wrap="square" rtlCol="0">
+            <a:spAutoFit/>
+          </a:bodyPr>
+          <a:lstStyle/>
+          <a:p>
+            <a:r>
+              <a:rPr lang="en-US" dirty="0">
+                <a:latin typeface="Baskerville Old Face" panose="02020602080505020303" pitchFamily="18" charset="0"/>
+              </a:rPr>
+              <a:t>Slide No  2</a:t>
+            </a:r>
           </a:p>
         </p:txBody>
       </p:sp>
     </p:spTree>
     <p:extLst>
       <p:ext uri="{BB962C8B-B14F-4D97-AF65-F5344CB8AC3E}">
-        <p14:creationId xmlns:p14="http://schemas.microsoft.com/office/powerpoint/2010/main" val="972630345"/>
+        <p14:creationId xmlns:p14="http://schemas.microsoft.com/office/powerpoint/2010/main" val="3243298487"/>
       </p:ext>
     </p:extLst>
   </p:cSld>
@@ -6727,7 +7623,13 @@
       </p:grpSpPr>
       <p:sp>
         <p:nvSpPr>
-          <p:cNvPr id="2" name="Title 1"/>
+          <p:cNvPr id="2" name="Title 1">
+            <a:extLst>
+              <a:ext uri="{FF2B5EF4-FFF2-40B4-BE49-F238E27FC236}">
+                <a16:creationId xmlns:a16="http://schemas.microsoft.com/office/drawing/2014/main" id="{B56D2232-1910-4DF3-8DC4-53ED52FFC649}"/>
+              </a:ext>
+            </a:extLst>
+          </p:cNvPr>
           <p:cNvSpPr>
             <a:spLocks noGrp="1"/>
           </p:cNvSpPr>
@@ -6742,73 +7644,129 @@
           <a:p>
             <a:r>
               <a:rPr lang="en-US" dirty="0"/>
-              <a:t>Work </a:t>
+              <a:t>Motivation </a:t>
+            </a:r>
+          </a:p>
+        </p:txBody>
+      </p:sp>
+      <p:sp>
+        <p:nvSpPr>
+          <p:cNvPr id="3" name="Content Placeholder 2">
+            <a:extLst>
+              <a:ext uri="{FF2B5EF4-FFF2-40B4-BE49-F238E27FC236}">
+                <a16:creationId xmlns:a16="http://schemas.microsoft.com/office/drawing/2014/main" id="{4C11FD88-3C29-494C-90FA-226041D3E1D1}"/>
+              </a:ext>
+            </a:extLst>
+          </p:cNvPr>
+          <p:cNvSpPr>
+            <a:spLocks noGrp="1"/>
+          </p:cNvSpPr>
+          <p:nvPr>
+            <p:ph idx="1"/>
+          </p:nvPr>
+        </p:nvSpPr>
+        <p:spPr>
+          <a:xfrm>
+            <a:off x="982132" y="2286000"/>
+            <a:ext cx="7704667" cy="3332816"/>
+          </a:xfrm>
+        </p:spPr>
+        <p:txBody>
+          <a:bodyPr/>
+          <a:lstStyle/>
+          <a:p>
+            <a:r>
+              <a:rPr lang="en-US" sz="3200" b="1" dirty="0"/>
+              <a:t>Motivation</a:t>
+            </a:r>
+          </a:p>
+          <a:p>
+            <a:r>
+              <a:rPr lang="en-US" dirty="0"/>
+              <a:t>This project will help me learn a lot about networking and data transfer in layers and reading raw data </a:t>
             </a:r>
             <a:r>
               <a:rPr lang="en-US"/>
-              <a:t>till Mid </a:t>
-            </a:r>
+              <a:t>from packets.</a:t>
+            </a:r>
+            <a:endParaRPr lang="en-US" dirty="0"/>
+          </a:p>
+          <a:p>
+            <a:pPr marL="0" indent="0">
+              <a:buNone/>
+            </a:pPr>
+            <a:endParaRPr lang="en-US" dirty="0"/>
+          </a:p>
+        </p:txBody>
+      </p:sp>
+      <p:sp>
+        <p:nvSpPr>
+          <p:cNvPr id="5" name="TextBox 4">
+            <a:extLst>
+              <a:ext uri="{FF2B5EF4-FFF2-40B4-BE49-F238E27FC236}">
+                <a16:creationId xmlns:a16="http://schemas.microsoft.com/office/drawing/2014/main" id="{DD9AB9DE-4BEF-475E-B2B7-B64C7A3F13C3}"/>
+              </a:ext>
+            </a:extLst>
+          </p:cNvPr>
+          <p:cNvSpPr txBox="1"/>
+          <p:nvPr/>
+        </p:nvSpPr>
+        <p:spPr>
+          <a:xfrm>
+            <a:off x="6553200" y="6257912"/>
+            <a:ext cx="2295833" cy="369332"/>
+          </a:xfrm>
+          <a:prstGeom prst="rect">
+            <a:avLst/>
+          </a:prstGeom>
+          <a:noFill/>
+        </p:spPr>
+        <p:txBody>
+          <a:bodyPr wrap="square" rtlCol="0">
+            <a:spAutoFit/>
+          </a:bodyPr>
+          <a:lstStyle/>
+          <a:p>
             <a:r>
               <a:rPr lang="en-US" dirty="0"/>
-              <a:t>T</a:t>
-            </a:r>
-            <a:r>
-              <a:rPr lang="en-US"/>
-              <a:t>erm</a:t>
-            </a:r>
-            <a:endParaRPr lang="en-US" dirty="0"/>
-          </a:p>
-        </p:txBody>
-      </p:sp>
-      <p:sp>
-        <p:nvSpPr>
-          <p:cNvPr id="3" name="Content Placeholder 2"/>
-          <p:cNvSpPr>
-            <a:spLocks noGrp="1"/>
-          </p:cNvSpPr>
-          <p:nvPr>
-            <p:ph idx="1"/>
-          </p:nvPr>
-        </p:nvSpPr>
-        <p:spPr/>
-        <p:txBody>
-          <a:bodyPr/>
-          <a:lstStyle/>
-          <a:p>
-            <a:r>
-              <a:rPr lang="en-US" dirty="0"/>
-              <a:t>My work on this project is saved in my </a:t>
-            </a:r>
-            <a:r>
-              <a:rPr lang="en-US" dirty="0" err="1"/>
-              <a:t>Github</a:t>
-            </a:r>
-            <a:r>
-              <a:rPr lang="en-US" dirty="0"/>
-              <a:t> Account.</a:t>
-            </a:r>
-          </a:p>
-          <a:p>
-            <a:endParaRPr lang="en-US" dirty="0"/>
-          </a:p>
-          <a:p>
-            <a:r>
-              <a:rPr lang="en-US" dirty="0"/>
-              <a:t>Here is my  SPL Project link  on </a:t>
-            </a:r>
-            <a:r>
-              <a:rPr lang="en-US" dirty="0" err="1"/>
-              <a:t>github</a:t>
-            </a:r>
-            <a:r>
-              <a:rPr lang="en-US" dirty="0"/>
-              <a:t> .   </a:t>
-            </a:r>
-          </a:p>
-          <a:p>
-            <a:r>
-              <a:rPr lang="en-US" dirty="0"/>
-              <a:t>https://github.com/PritomKumar/SPLproject-1</a:t>
+              <a:t>Date: 07 March , 2018</a:t>
+            </a:r>
+          </a:p>
+        </p:txBody>
+      </p:sp>
+      <p:sp>
+        <p:nvSpPr>
+          <p:cNvPr id="6" name="TextBox 5">
+            <a:extLst>
+              <a:ext uri="{FF2B5EF4-FFF2-40B4-BE49-F238E27FC236}">
+                <a16:creationId xmlns:a16="http://schemas.microsoft.com/office/drawing/2014/main" id="{5A68784A-F3E8-467E-B503-83263E23DF8D}"/>
+              </a:ext>
+            </a:extLst>
+          </p:cNvPr>
+          <p:cNvSpPr txBox="1"/>
+          <p:nvPr/>
+        </p:nvSpPr>
+        <p:spPr>
+          <a:xfrm>
+            <a:off x="4114800" y="6324600"/>
+            <a:ext cx="1219200" cy="369332"/>
+          </a:xfrm>
+          <a:prstGeom prst="rect">
+            <a:avLst/>
+          </a:prstGeom>
+          <a:noFill/>
+        </p:spPr>
+        <p:txBody>
+          <a:bodyPr wrap="square" rtlCol="0">
+            <a:spAutoFit/>
+          </a:bodyPr>
+          <a:lstStyle/>
+          <a:p>
+            <a:r>
+              <a:rPr lang="en-US" dirty="0">
+                <a:latin typeface="Baskerville Old Face" panose="02020602080505020303" pitchFamily="18" charset="0"/>
+              </a:rPr>
+              <a:t>Slide No  3</a:t>
             </a:r>
           </a:p>
         </p:txBody>
@@ -6816,7 +7774,7 @@
     </p:spTree>
     <p:extLst>
       <p:ext uri="{BB962C8B-B14F-4D97-AF65-F5344CB8AC3E}">
-        <p14:creationId xmlns:p14="http://schemas.microsoft.com/office/powerpoint/2010/main" val="1665413099"/>
+        <p14:creationId xmlns:p14="http://schemas.microsoft.com/office/powerpoint/2010/main" val="2319502058"/>
       </p:ext>
     </p:extLst>
   </p:cSld>
@@ -6845,7 +7803,13 @@
       </p:grpSpPr>
       <p:sp>
         <p:nvSpPr>
-          <p:cNvPr id="2" name="Title 1"/>
+          <p:cNvPr id="2" name="Title 1">
+            <a:extLst>
+              <a:ext uri="{FF2B5EF4-FFF2-40B4-BE49-F238E27FC236}">
+                <a16:creationId xmlns:a16="http://schemas.microsoft.com/office/drawing/2014/main" id="{AD72137D-2561-4FD6-8246-A3AF86964B7A}"/>
+              </a:ext>
+            </a:extLst>
+          </p:cNvPr>
           <p:cNvSpPr>
             <a:spLocks noGrp="1"/>
           </p:cNvSpPr>
@@ -6860,34 +7824,193 @@
           <a:p>
             <a:r>
               <a:rPr lang="en-US" dirty="0"/>
-              <a:t>What to do in Future</a:t>
-            </a:r>
-          </a:p>
-        </p:txBody>
-      </p:sp>
-      <p:sp>
-        <p:nvSpPr>
-          <p:cNvPr id="3" name="Content Placeholder 2"/>
-          <p:cNvSpPr>
-            <a:spLocks noGrp="1"/>
-          </p:cNvSpPr>
+              <a:t>My Work</a:t>
+            </a:r>
+          </a:p>
+        </p:txBody>
+      </p:sp>
+      <p:pic>
+        <p:nvPicPr>
+          <p:cNvPr id="10" name="Content Placeholder 9">
+            <a:extLst>
+              <a:ext uri="{FF2B5EF4-FFF2-40B4-BE49-F238E27FC236}">
+                <a16:creationId xmlns:a16="http://schemas.microsoft.com/office/drawing/2014/main" id="{C8E17B83-2FDA-46F2-A2B6-8E882DE7EBCE}"/>
+              </a:ext>
+            </a:extLst>
+          </p:cNvPr>
+          <p:cNvPicPr>
+            <a:picLocks noGrp="1" noChangeAspect="1"/>
+          </p:cNvPicPr>
           <p:nvPr>
             <p:ph idx="1"/>
           </p:nvPr>
-        </p:nvSpPr>
-        <p:spPr/>
-        <p:txBody>
-          <a:bodyPr/>
-          <a:lstStyle/>
-          <a:p>
-            <a:endParaRPr lang="en-US"/>
+        </p:nvPicPr>
+        <p:blipFill>
+          <a:blip r:embed="rId2" cstate="print">
+            <a:extLst>
+              <a:ext uri="{28A0092B-C50C-407E-A947-70E740481C1C}">
+                <a14:useLocalDpi xmlns:a14="http://schemas.microsoft.com/office/drawing/2010/main" val="0"/>
+              </a:ext>
+            </a:extLst>
+          </a:blip>
+          <a:stretch>
+            <a:fillRect/>
+          </a:stretch>
+        </p:blipFill>
+        <p:spPr>
+          <a:xfrm>
+            <a:off x="969843" y="2273709"/>
+            <a:ext cx="3665537" cy="2971799"/>
+          </a:xfrm>
+        </p:spPr>
+      </p:pic>
+      <p:sp>
+        <p:nvSpPr>
+          <p:cNvPr id="7" name="TextBox 6">
+            <a:extLst>
+              <a:ext uri="{FF2B5EF4-FFF2-40B4-BE49-F238E27FC236}">
+                <a16:creationId xmlns:a16="http://schemas.microsoft.com/office/drawing/2014/main" id="{D809CB50-2131-46D4-B5DA-53BB8BB56F4F}"/>
+              </a:ext>
+            </a:extLst>
+          </p:cNvPr>
+          <p:cNvSpPr txBox="1"/>
+          <p:nvPr/>
+        </p:nvSpPr>
+        <p:spPr>
+          <a:xfrm>
+            <a:off x="6553200" y="6248080"/>
+            <a:ext cx="2295833" cy="369332"/>
+          </a:xfrm>
+          <a:prstGeom prst="rect">
+            <a:avLst/>
+          </a:prstGeom>
+          <a:noFill/>
+        </p:spPr>
+        <p:txBody>
+          <a:bodyPr wrap="square" rtlCol="0">
+            <a:spAutoFit/>
+          </a:bodyPr>
+          <a:lstStyle/>
+          <a:p>
+            <a:r>
+              <a:rPr lang="en-US" dirty="0"/>
+              <a:t>Date: 07 March , 2018</a:t>
+            </a:r>
+          </a:p>
+        </p:txBody>
+      </p:sp>
+      <p:pic>
+        <p:nvPicPr>
+          <p:cNvPr id="15" name="Picture 14">
+            <a:extLst>
+              <a:ext uri="{FF2B5EF4-FFF2-40B4-BE49-F238E27FC236}">
+                <a16:creationId xmlns:a16="http://schemas.microsoft.com/office/drawing/2014/main" id="{0138C525-8F14-40C6-91A3-2303C1D0B4F2}"/>
+              </a:ext>
+            </a:extLst>
+          </p:cNvPr>
+          <p:cNvPicPr>
+            <a:picLocks noChangeAspect="1"/>
+          </p:cNvPicPr>
+          <p:nvPr/>
+        </p:nvPicPr>
+        <p:blipFill>
+          <a:blip r:embed="rId3">
+            <a:extLst>
+              <a:ext uri="{28A0092B-C50C-407E-A947-70E740481C1C}">
+                <a14:useLocalDpi xmlns:a14="http://schemas.microsoft.com/office/drawing/2010/main" val="0"/>
+              </a:ext>
+            </a:extLst>
+          </a:blip>
+          <a:stretch>
+            <a:fillRect/>
+          </a:stretch>
+        </p:blipFill>
+        <p:spPr>
+          <a:xfrm>
+            <a:off x="5067963" y="2273709"/>
+            <a:ext cx="3781070" cy="2971799"/>
+          </a:xfrm>
+          <a:prstGeom prst="rect">
+            <a:avLst/>
+          </a:prstGeom>
+        </p:spPr>
+      </p:pic>
+      <p:sp>
+        <p:nvSpPr>
+          <p:cNvPr id="16" name="TextBox 15">
+            <a:extLst>
+              <a:ext uri="{FF2B5EF4-FFF2-40B4-BE49-F238E27FC236}">
+                <a16:creationId xmlns:a16="http://schemas.microsoft.com/office/drawing/2014/main" id="{222279BA-2EB0-4095-81D3-40D14C0ABA72}"/>
+              </a:ext>
+            </a:extLst>
+          </p:cNvPr>
+          <p:cNvSpPr txBox="1"/>
+          <p:nvPr/>
+        </p:nvSpPr>
+        <p:spPr>
+          <a:xfrm>
+            <a:off x="2802611" y="5878748"/>
+            <a:ext cx="3521989" cy="369332"/>
+          </a:xfrm>
+          <a:prstGeom prst="rect">
+            <a:avLst/>
+          </a:prstGeom>
+          <a:noFill/>
+        </p:spPr>
+        <p:txBody>
+          <a:bodyPr wrap="square" rtlCol="0">
+            <a:spAutoFit/>
+          </a:bodyPr>
+          <a:lstStyle/>
+          <a:p>
+            <a:r>
+              <a:rPr lang="en-US" dirty="0"/>
+              <a:t>Figure 3 : Packets to  Text file .</a:t>
+            </a:r>
+          </a:p>
+        </p:txBody>
+      </p:sp>
+      <p:sp>
+        <p:nvSpPr>
+          <p:cNvPr id="17" name="TextBox 16">
+            <a:extLst>
+              <a:ext uri="{FF2B5EF4-FFF2-40B4-BE49-F238E27FC236}">
+                <a16:creationId xmlns:a16="http://schemas.microsoft.com/office/drawing/2014/main" id="{3F427173-937B-4AB8-B2CB-E7C143C2E046}"/>
+              </a:ext>
+            </a:extLst>
+          </p:cNvPr>
+          <p:cNvSpPr txBox="1"/>
+          <p:nvPr/>
+        </p:nvSpPr>
+        <p:spPr>
+          <a:xfrm>
+            <a:off x="4114800" y="6324600"/>
+            <a:ext cx="1219200" cy="369332"/>
+          </a:xfrm>
+          <a:prstGeom prst="rect">
+            <a:avLst/>
+          </a:prstGeom>
+          <a:noFill/>
+        </p:spPr>
+        <p:txBody>
+          <a:bodyPr wrap="square" rtlCol="0">
+            <a:spAutoFit/>
+          </a:bodyPr>
+          <a:lstStyle/>
+          <a:p>
+            <a:r>
+              <a:rPr lang="en-US" dirty="0">
+                <a:latin typeface="Baskerville Old Face" panose="02020602080505020303" pitchFamily="18" charset="0"/>
+              </a:rPr>
+              <a:t>Slide No  4</a:t>
+            </a:r>
           </a:p>
         </p:txBody>
       </p:sp>
     </p:spTree>
     <p:extLst>
       <p:ext uri="{BB962C8B-B14F-4D97-AF65-F5344CB8AC3E}">
-        <p14:creationId xmlns:p14="http://schemas.microsoft.com/office/powerpoint/2010/main" val="1037824682"/>
+        <p14:creationId xmlns:p14="http://schemas.microsoft.com/office/powerpoint/2010/main" val="2993573158"/>
       </p:ext>
     </p:extLst>
   </p:cSld>
@@ -6931,7 +8054,7 @@
           <a:p>
             <a:r>
               <a:rPr lang="en-US" dirty="0"/>
-              <a:t>Advantage of Text Sniffing </a:t>
+              <a:t>My Work </a:t>
             </a:r>
           </a:p>
         </p:txBody>
@@ -6946,19 +8069,117 @@
             <p:ph idx="1"/>
           </p:nvPr>
         </p:nvSpPr>
-        <p:spPr/>
+        <p:spPr>
+          <a:xfrm>
+            <a:off x="982133" y="2286000"/>
+            <a:ext cx="7704667" cy="3332816"/>
+          </a:xfrm>
+        </p:spPr>
         <p:txBody>
           <a:bodyPr/>
           <a:lstStyle/>
           <a:p>
-            <a:endParaRPr lang="en-US" dirty="0"/>
+            <a:r>
+              <a:rPr lang="en-US" dirty="0"/>
+              <a:t>My work so far --- </a:t>
+            </a:r>
+          </a:p>
+          <a:p>
+            <a:r>
+              <a:rPr lang="en-US" dirty="0"/>
+              <a:t>Read PCAP file. </a:t>
+            </a:r>
+          </a:p>
+          <a:p>
+            <a:r>
+              <a:rPr lang="en-US" dirty="0"/>
+              <a:t>Convert binary data to character and integer . </a:t>
+            </a:r>
+          </a:p>
+          <a:p>
+            <a:r>
+              <a:rPr lang="en-US" dirty="0"/>
+              <a:t>Identify the data payload from individual packets . </a:t>
+            </a:r>
+          </a:p>
+        </p:txBody>
+      </p:sp>
+      <p:sp>
+        <p:nvSpPr>
+          <p:cNvPr id="7" name="TextBox 6">
+            <a:extLst>
+              <a:ext uri="{FF2B5EF4-FFF2-40B4-BE49-F238E27FC236}">
+                <a16:creationId xmlns:a16="http://schemas.microsoft.com/office/drawing/2014/main" id="{01DA4FBC-50C2-4ECC-9A7E-7E433D63409A}"/>
+              </a:ext>
+            </a:extLst>
+          </p:cNvPr>
+          <p:cNvSpPr txBox="1"/>
+          <p:nvPr/>
+        </p:nvSpPr>
+        <p:spPr>
+          <a:xfrm>
+            <a:off x="6390967" y="6172200"/>
+            <a:ext cx="2295833" cy="369332"/>
+          </a:xfrm>
+          <a:prstGeom prst="rect">
+            <a:avLst/>
+          </a:prstGeom>
+          <a:noFill/>
+        </p:spPr>
+        <p:txBody>
+          <a:bodyPr wrap="square" rtlCol="0">
+            <a:spAutoFit/>
+          </a:bodyPr>
+          <a:lstStyle/>
+          <a:p>
+            <a:r>
+              <a:rPr lang="en-US" dirty="0"/>
+              <a:t>Date: 07 March , 2018</a:t>
+            </a:r>
+          </a:p>
+        </p:txBody>
+      </p:sp>
+      <p:sp>
+        <p:nvSpPr>
+          <p:cNvPr id="9" name="TextBox 8">
+            <a:extLst>
+              <a:ext uri="{FF2B5EF4-FFF2-40B4-BE49-F238E27FC236}">
+                <a16:creationId xmlns:a16="http://schemas.microsoft.com/office/drawing/2014/main" id="{BA2B9994-2F45-4BD3-9B07-A25FE3A3CC95}"/>
+              </a:ext>
+            </a:extLst>
+          </p:cNvPr>
+          <p:cNvSpPr txBox="1"/>
+          <p:nvPr/>
+        </p:nvSpPr>
+        <p:spPr>
+          <a:xfrm>
+            <a:off x="4114800" y="6324600"/>
+            <a:ext cx="1219200" cy="369332"/>
+          </a:xfrm>
+          <a:prstGeom prst="rect">
+            <a:avLst/>
+          </a:prstGeom>
+          <a:noFill/>
+        </p:spPr>
+        <p:txBody>
+          <a:bodyPr wrap="square" rtlCol="0">
+            <a:spAutoFit/>
+          </a:bodyPr>
+          <a:lstStyle/>
+          <a:p>
+            <a:r>
+              <a:rPr lang="en-US" dirty="0">
+                <a:latin typeface="Baskerville Old Face" panose="02020602080505020303" pitchFamily="18" charset="0"/>
+              </a:rPr>
+              <a:t>Slide No  5</a:t>
+            </a:r>
           </a:p>
         </p:txBody>
       </p:sp>
     </p:spTree>
     <p:extLst>
       <p:ext uri="{BB962C8B-B14F-4D97-AF65-F5344CB8AC3E}">
-        <p14:creationId xmlns:p14="http://schemas.microsoft.com/office/powerpoint/2010/main" val="110616226"/>
+        <p14:creationId xmlns:p14="http://schemas.microsoft.com/office/powerpoint/2010/main" val="1665413099"/>
       </p:ext>
     </p:extLst>
   </p:cSld>
@@ -6987,13 +8208,7 @@
       </p:grpSpPr>
       <p:sp>
         <p:nvSpPr>
-          <p:cNvPr id="2" name="Title 1">
-            <a:extLst>
-              <a:ext uri="{FF2B5EF4-FFF2-40B4-BE49-F238E27FC236}">
-                <a16:creationId xmlns:a16="http://schemas.microsoft.com/office/drawing/2014/main" id="{BF99249C-F5F1-47D9-A2C7-74A1D6970316}"/>
-              </a:ext>
-            </a:extLst>
-          </p:cNvPr>
+          <p:cNvPr id="2" name="Title 1"/>
           <p:cNvSpPr>
             <a:spLocks noGrp="1"/>
           </p:cNvSpPr>
@@ -7006,6 +8221,47 @@
           <a:bodyPr/>
           <a:lstStyle/>
           <a:p>
+            <a:r>
+              <a:rPr lang="en-US" dirty="0"/>
+              <a:t>Future Work</a:t>
+            </a:r>
+          </a:p>
+        </p:txBody>
+      </p:sp>
+      <p:sp>
+        <p:nvSpPr>
+          <p:cNvPr id="3" name="Content Placeholder 2"/>
+          <p:cNvSpPr>
+            <a:spLocks noGrp="1"/>
+          </p:cNvSpPr>
+          <p:nvPr>
+            <p:ph idx="1"/>
+          </p:nvPr>
+        </p:nvSpPr>
+        <p:spPr>
+          <a:xfrm>
+            <a:off x="1023921" y="2057400"/>
+            <a:ext cx="7704667" cy="3332816"/>
+          </a:xfrm>
+        </p:spPr>
+        <p:txBody>
+          <a:bodyPr/>
+          <a:lstStyle/>
+          <a:p>
+            <a:r>
+              <a:rPr lang="en-US" dirty="0"/>
+              <a:t>Completely extract a text file from PCAP file .</a:t>
+            </a:r>
+          </a:p>
+          <a:p>
+            <a:r>
+              <a:rPr lang="en-US" dirty="0"/>
+              <a:t> Use sockets to capture </a:t>
+            </a:r>
+            <a:r>
+              <a:rPr lang="en-US"/>
+              <a:t>packets.</a:t>
+            </a:r>
             <a:endParaRPr lang="en-US" dirty="0"/>
           </a:p>
         </p:txBody>
@@ -7015,7 +8271,7 @@
           <p:cNvPr id="7" name="TextBox 6">
             <a:extLst>
               <a:ext uri="{FF2B5EF4-FFF2-40B4-BE49-F238E27FC236}">
-                <a16:creationId xmlns:a16="http://schemas.microsoft.com/office/drawing/2014/main" id="{D606B5D4-FCD5-48C9-9E4D-D36505DCC334}"/>
+                <a16:creationId xmlns:a16="http://schemas.microsoft.com/office/drawing/2014/main" id="{93BA1B4B-1EA7-4A16-BF9F-7086B960A762}"/>
               </a:ext>
             </a:extLst>
           </p:cNvPr>
@@ -7024,8 +8280,8 @@
         </p:nvSpPr>
         <p:spPr>
           <a:xfrm>
-            <a:off x="3005666" y="3810000"/>
-            <a:ext cx="3657600" cy="923330"/>
+            <a:off x="6432755" y="6096000"/>
+            <a:ext cx="2295833" cy="369332"/>
           </a:xfrm>
           <a:prstGeom prst="rect">
             <a:avLst/>
@@ -7038,10 +8294,46 @@
           </a:bodyPr>
           <a:lstStyle/>
           <a:p>
-            <a:pPr algn="ctr"/>
-            <a:r>
-              <a:rPr lang="en-US" sz="5400" dirty="0"/>
-              <a:t>Thank You</a:t>
+            <a:r>
+              <a:rPr lang="en-US" dirty="0"/>
+              <a:t>Date: 07 March , 2018</a:t>
+            </a:r>
+          </a:p>
+        </p:txBody>
+      </p:sp>
+      <p:sp>
+        <p:nvSpPr>
+          <p:cNvPr id="9" name="TextBox 8">
+            <a:extLst>
+              <a:ext uri="{FF2B5EF4-FFF2-40B4-BE49-F238E27FC236}">
+                <a16:creationId xmlns:a16="http://schemas.microsoft.com/office/drawing/2014/main" id="{3DCFE23C-278F-438F-99E2-A78DA33329D9}"/>
+              </a:ext>
+            </a:extLst>
+          </p:cNvPr>
+          <p:cNvSpPr txBox="1"/>
+          <p:nvPr/>
+        </p:nvSpPr>
+        <p:spPr>
+          <a:xfrm>
+            <a:off x="4114800" y="6324600"/>
+            <a:ext cx="1219200" cy="369332"/>
+          </a:xfrm>
+          <a:prstGeom prst="rect">
+            <a:avLst/>
+          </a:prstGeom>
+          <a:noFill/>
+        </p:spPr>
+        <p:txBody>
+          <a:bodyPr wrap="square" rtlCol="0">
+            <a:spAutoFit/>
+          </a:bodyPr>
+          <a:lstStyle/>
+          <a:p>
+            <a:r>
+              <a:rPr lang="en-US" dirty="0">
+                <a:latin typeface="Baskerville Old Face" panose="02020602080505020303" pitchFamily="18" charset="0"/>
+              </a:rPr>
+              <a:t>Slide No  6</a:t>
             </a:r>
           </a:p>
         </p:txBody>
@@ -7049,7 +8341,340 @@
     </p:spTree>
     <p:extLst>
       <p:ext uri="{BB962C8B-B14F-4D97-AF65-F5344CB8AC3E}">
-        <p14:creationId xmlns:p14="http://schemas.microsoft.com/office/powerpoint/2010/main" val="109610312"/>
+        <p14:creationId xmlns:p14="http://schemas.microsoft.com/office/powerpoint/2010/main" val="1037824682"/>
+      </p:ext>
+    </p:extLst>
+  </p:cSld>
+  <p:clrMapOvr>
+    <a:masterClrMapping/>
+  </p:clrMapOvr>
+</p:sld>
+</file>
+
+<file path=ppt/slides/slide8.xml><?xml version="1.0" encoding="utf-8"?>
+<p:sld xmlns:a="http://schemas.openxmlformats.org/drawingml/2006/main" xmlns:r="http://schemas.openxmlformats.org/officeDocument/2006/relationships" xmlns:p="http://schemas.openxmlformats.org/presentationml/2006/main">
+  <p:cSld>
+    <p:spTree>
+      <p:nvGrpSpPr>
+        <p:cNvPr id="1" name=""/>
+        <p:cNvGrpSpPr/>
+        <p:nvPr/>
+      </p:nvGrpSpPr>
+      <p:grpSpPr>
+        <a:xfrm>
+          <a:off x="0" y="0"/>
+          <a:ext cx="0" cy="0"/>
+          <a:chOff x="0" y="0"/>
+          <a:chExt cx="0" cy="0"/>
+        </a:xfrm>
+      </p:grpSpPr>
+      <p:sp>
+        <p:nvSpPr>
+          <p:cNvPr id="2" name="Title 1"/>
+          <p:cNvSpPr>
+            <a:spLocks noGrp="1"/>
+          </p:cNvSpPr>
+          <p:nvPr>
+            <p:ph type="title"/>
+          </p:nvPr>
+        </p:nvSpPr>
+        <p:spPr/>
+        <p:txBody>
+          <a:bodyPr/>
+          <a:lstStyle/>
+          <a:p>
+            <a:r>
+              <a:rPr lang="en-US" dirty="0"/>
+              <a:t>Advantage of Text Sniffing </a:t>
+            </a:r>
+          </a:p>
+        </p:txBody>
+      </p:sp>
+      <p:sp>
+        <p:nvSpPr>
+          <p:cNvPr id="3" name="Content Placeholder 2"/>
+          <p:cNvSpPr>
+            <a:spLocks noGrp="1"/>
+          </p:cNvSpPr>
+          <p:nvPr>
+            <p:ph idx="1"/>
+          </p:nvPr>
+        </p:nvSpPr>
+        <p:spPr/>
+        <p:txBody>
+          <a:bodyPr/>
+          <a:lstStyle/>
+          <a:p>
+            <a:r>
+              <a:rPr lang="en-US" dirty="0"/>
+              <a:t>Know if the packets transmitted are secured or not .</a:t>
+            </a:r>
+          </a:p>
+          <a:p>
+            <a:r>
+              <a:rPr lang="en-US" dirty="0"/>
+              <a:t>Use it for http data capturing .</a:t>
+            </a:r>
+          </a:p>
+          <a:p>
+            <a:endParaRPr lang="en-US" dirty="0"/>
+          </a:p>
+          <a:p>
+            <a:endParaRPr lang="en-US" dirty="0"/>
+          </a:p>
+        </p:txBody>
+      </p:sp>
+      <p:sp>
+        <p:nvSpPr>
+          <p:cNvPr id="7" name="TextBox 6">
+            <a:extLst>
+              <a:ext uri="{FF2B5EF4-FFF2-40B4-BE49-F238E27FC236}">
+                <a16:creationId xmlns:a16="http://schemas.microsoft.com/office/drawing/2014/main" id="{2DA811E7-E7C1-44CF-B29F-203F47857704}"/>
+              </a:ext>
+            </a:extLst>
+          </p:cNvPr>
+          <p:cNvSpPr txBox="1"/>
+          <p:nvPr/>
+        </p:nvSpPr>
+        <p:spPr>
+          <a:xfrm>
+            <a:off x="6553200" y="6257912"/>
+            <a:ext cx="2295833" cy="369332"/>
+          </a:xfrm>
+          <a:prstGeom prst="rect">
+            <a:avLst/>
+          </a:prstGeom>
+          <a:noFill/>
+        </p:spPr>
+        <p:txBody>
+          <a:bodyPr wrap="square" rtlCol="0">
+            <a:spAutoFit/>
+          </a:bodyPr>
+          <a:lstStyle/>
+          <a:p>
+            <a:r>
+              <a:rPr lang="en-US" dirty="0"/>
+              <a:t>Date: 07 March , 2018</a:t>
+            </a:r>
+          </a:p>
+        </p:txBody>
+      </p:sp>
+      <p:sp>
+        <p:nvSpPr>
+          <p:cNvPr id="9" name="TextBox 8">
+            <a:extLst>
+              <a:ext uri="{FF2B5EF4-FFF2-40B4-BE49-F238E27FC236}">
+                <a16:creationId xmlns:a16="http://schemas.microsoft.com/office/drawing/2014/main" id="{B8AC3DFE-D327-480F-A5A2-BEC318561501}"/>
+              </a:ext>
+            </a:extLst>
+          </p:cNvPr>
+          <p:cNvSpPr txBox="1"/>
+          <p:nvPr/>
+        </p:nvSpPr>
+        <p:spPr>
+          <a:xfrm>
+            <a:off x="4114800" y="6324600"/>
+            <a:ext cx="1219200" cy="369332"/>
+          </a:xfrm>
+          <a:prstGeom prst="rect">
+            <a:avLst/>
+          </a:prstGeom>
+          <a:noFill/>
+        </p:spPr>
+        <p:txBody>
+          <a:bodyPr wrap="square" rtlCol="0">
+            <a:spAutoFit/>
+          </a:bodyPr>
+          <a:lstStyle/>
+          <a:p>
+            <a:r>
+              <a:rPr lang="en-US" dirty="0">
+                <a:latin typeface="Baskerville Old Face" panose="02020602080505020303" pitchFamily="18" charset="0"/>
+              </a:rPr>
+              <a:t>Slide No  7</a:t>
+            </a:r>
+          </a:p>
+        </p:txBody>
+      </p:sp>
+    </p:spTree>
+    <p:extLst>
+      <p:ext uri="{BB962C8B-B14F-4D97-AF65-F5344CB8AC3E}">
+        <p14:creationId xmlns:p14="http://schemas.microsoft.com/office/powerpoint/2010/main" val="110616226"/>
+      </p:ext>
+    </p:extLst>
+  </p:cSld>
+  <p:clrMapOvr>
+    <a:masterClrMapping/>
+  </p:clrMapOvr>
+</p:sld>
+</file>
+
+<file path=ppt/slides/slide9.xml><?xml version="1.0" encoding="utf-8"?>
+<p:sld xmlns:a="http://schemas.openxmlformats.org/drawingml/2006/main" xmlns:r="http://schemas.openxmlformats.org/officeDocument/2006/relationships" xmlns:p="http://schemas.openxmlformats.org/presentationml/2006/main">
+  <p:cSld>
+    <p:spTree>
+      <p:nvGrpSpPr>
+        <p:cNvPr id="1" name=""/>
+        <p:cNvGrpSpPr/>
+        <p:nvPr/>
+      </p:nvGrpSpPr>
+      <p:grpSpPr>
+        <a:xfrm>
+          <a:off x="0" y="0"/>
+          <a:ext cx="0" cy="0"/>
+          <a:chOff x="0" y="0"/>
+          <a:chExt cx="0" cy="0"/>
+        </a:xfrm>
+      </p:grpSpPr>
+      <p:sp>
+        <p:nvSpPr>
+          <p:cNvPr id="2" name="Title 1">
+            <a:extLst>
+              <a:ext uri="{FF2B5EF4-FFF2-40B4-BE49-F238E27FC236}">
+                <a16:creationId xmlns:a16="http://schemas.microsoft.com/office/drawing/2014/main" id="{083B62B9-A3D4-4AB5-BFB3-322A3C38522A}"/>
+              </a:ext>
+            </a:extLst>
+          </p:cNvPr>
+          <p:cNvSpPr>
+            <a:spLocks noGrp="1"/>
+          </p:cNvSpPr>
+          <p:nvPr>
+            <p:ph type="title"/>
+          </p:nvPr>
+        </p:nvSpPr>
+        <p:spPr/>
+        <p:txBody>
+          <a:bodyPr/>
+          <a:lstStyle/>
+          <a:p>
+            <a:r>
+              <a:rPr lang="en-US" dirty="0"/>
+              <a:t>Project Boundary</a:t>
+            </a:r>
+          </a:p>
+        </p:txBody>
+      </p:sp>
+      <p:sp>
+        <p:nvSpPr>
+          <p:cNvPr id="3" name="Content Placeholder 2">
+            <a:extLst>
+              <a:ext uri="{FF2B5EF4-FFF2-40B4-BE49-F238E27FC236}">
+                <a16:creationId xmlns:a16="http://schemas.microsoft.com/office/drawing/2014/main" id="{FA3C9B44-987F-4F57-9901-8DFCE0C451C2}"/>
+              </a:ext>
+            </a:extLst>
+          </p:cNvPr>
+          <p:cNvSpPr>
+            <a:spLocks noGrp="1"/>
+          </p:cNvSpPr>
+          <p:nvPr>
+            <p:ph idx="1"/>
+          </p:nvPr>
+        </p:nvSpPr>
+        <p:spPr/>
+        <p:txBody>
+          <a:bodyPr/>
+          <a:lstStyle/>
+          <a:p>
+            <a:pPr marL="0" indent="0">
+              <a:buNone/>
+            </a:pPr>
+            <a:r>
+              <a:rPr lang="en-US" dirty="0"/>
+              <a:t>This project can only extract readable data without http/</a:t>
+            </a:r>
+            <a:r>
+              <a:rPr lang="en-US" dirty="0" err="1"/>
+              <a:t>tcp</a:t>
+            </a:r>
+            <a:endParaRPr lang="en-US" dirty="0"/>
+          </a:p>
+          <a:p>
+            <a:pPr marL="0" indent="0">
+              <a:buNone/>
+            </a:pPr>
+            <a:r>
+              <a:rPr lang="en-US" dirty="0"/>
+              <a:t>Packets .</a:t>
+            </a:r>
+          </a:p>
+        </p:txBody>
+      </p:sp>
+      <p:sp>
+        <p:nvSpPr>
+          <p:cNvPr id="5" name="TextBox 4">
+            <a:extLst>
+              <a:ext uri="{FF2B5EF4-FFF2-40B4-BE49-F238E27FC236}">
+                <a16:creationId xmlns:a16="http://schemas.microsoft.com/office/drawing/2014/main" id="{CB20E1BD-CC28-4DF6-87D0-2D61067B8FFA}"/>
+              </a:ext>
+            </a:extLst>
+          </p:cNvPr>
+          <p:cNvSpPr txBox="1"/>
+          <p:nvPr/>
+        </p:nvSpPr>
+        <p:spPr>
+          <a:xfrm>
+            <a:off x="6553200" y="6203514"/>
+            <a:ext cx="2295833" cy="369332"/>
+          </a:xfrm>
+          <a:prstGeom prst="rect">
+            <a:avLst/>
+          </a:prstGeom>
+          <a:noFill/>
+        </p:spPr>
+        <p:txBody>
+          <a:bodyPr wrap="square" rtlCol="0">
+            <a:spAutoFit/>
+          </a:bodyPr>
+          <a:lstStyle/>
+          <a:p>
+            <a:r>
+              <a:rPr lang="en-US" dirty="0"/>
+              <a:t>Date: 07 March , 2018</a:t>
+            </a:r>
+          </a:p>
+        </p:txBody>
+      </p:sp>
+      <p:sp>
+        <p:nvSpPr>
+          <p:cNvPr id="6" name="TextBox 5">
+            <a:extLst>
+              <a:ext uri="{FF2B5EF4-FFF2-40B4-BE49-F238E27FC236}">
+                <a16:creationId xmlns:a16="http://schemas.microsoft.com/office/drawing/2014/main" id="{2AFABE14-CC67-4F37-B449-226B2A201159}"/>
+              </a:ext>
+            </a:extLst>
+          </p:cNvPr>
+          <p:cNvSpPr txBox="1"/>
+          <p:nvPr/>
+        </p:nvSpPr>
+        <p:spPr>
+          <a:xfrm>
+            <a:off x="4114800" y="6324600"/>
+            <a:ext cx="1219200" cy="369332"/>
+          </a:xfrm>
+          <a:prstGeom prst="rect">
+            <a:avLst/>
+          </a:prstGeom>
+          <a:noFill/>
+        </p:spPr>
+        <p:txBody>
+          <a:bodyPr wrap="square" rtlCol="0">
+            <a:spAutoFit/>
+          </a:bodyPr>
+          <a:lstStyle/>
+          <a:p>
+            <a:r>
+              <a:rPr lang="en-US" dirty="0">
+                <a:latin typeface="Baskerville Old Face" panose="02020602080505020303" pitchFamily="18" charset="0"/>
+              </a:rPr>
+              <a:t>Slide No  8</a:t>
+            </a:r>
+          </a:p>
+        </p:txBody>
+      </p:sp>
+    </p:spTree>
+    <p:extLst>
+      <p:ext uri="{BB962C8B-B14F-4D97-AF65-F5344CB8AC3E}">
+        <p14:creationId xmlns:p14="http://schemas.microsoft.com/office/powerpoint/2010/main" val="2195641550"/>
       </p:ext>
     </p:extLst>
   </p:cSld>
@@ -7313,4 +8938,299 @@
     </a:ext>
   </a:extLst>
 </a:theme>
+</file>
+
+<file path=ppt/theme/theme2.xml><?xml version="1.0" encoding="utf-8"?>
+<a:theme xmlns:a="http://schemas.openxmlformats.org/drawingml/2006/main" name="Office Theme">
+  <a:themeElements>
+    <a:clrScheme name="Office">
+      <a:dk1>
+        <a:sysClr val="windowText" lastClr="000000"/>
+      </a:dk1>
+      <a:lt1>
+        <a:sysClr val="window" lastClr="FFFFFF"/>
+      </a:lt1>
+      <a:dk2>
+        <a:srgbClr val="44546A"/>
+      </a:dk2>
+      <a:lt2>
+        <a:srgbClr val="E7E6E6"/>
+      </a:lt2>
+      <a:accent1>
+        <a:srgbClr val="4472C4"/>
+      </a:accent1>
+      <a:accent2>
+        <a:srgbClr val="ED7D31"/>
+      </a:accent2>
+      <a:accent3>
+        <a:srgbClr val="A5A5A5"/>
+      </a:accent3>
+      <a:accent4>
+        <a:srgbClr val="FFC000"/>
+      </a:accent4>
+      <a:accent5>
+        <a:srgbClr val="5B9BD5"/>
+      </a:accent5>
+      <a:accent6>
+        <a:srgbClr val="70AD47"/>
+      </a:accent6>
+      <a:hlink>
+        <a:srgbClr val="0563C1"/>
+      </a:hlink>
+      <a:folHlink>
+        <a:srgbClr val="954F72"/>
+      </a:folHlink>
+    </a:clrScheme>
+    <a:fontScheme name="Office">
+      <a:majorFont>
+        <a:latin typeface="Calibri Light" panose="020F0302020204030204"/>
+        <a:ea typeface=""/>
+        <a:cs typeface=""/>
+        <a:font script="Jpan" typeface="游ゴシック Light"/>
+        <a:font script="Hang" typeface="맑은 고딕"/>
+        <a:font script="Hans" typeface="等线 Light"/>
+        <a:font script="Hant" typeface="新細明體"/>
+        <a:font script="Arab" typeface="Times New Roman"/>
+        <a:font script="Hebr" typeface="Times New Roman"/>
+        <a:font script="Thai" typeface="Angsana New"/>
+        <a:font script="Ethi" typeface="Nyala"/>
+        <a:font script="Beng" typeface="Vrinda"/>
+        <a:font script="Gujr" typeface="Shruti"/>
+        <a:font script="Khmr" typeface="MoolBoran"/>
+        <a:font script="Knda" typeface="Tunga"/>
+        <a:font script="Guru" typeface="Raavi"/>
+        <a:font script="Cans" typeface="Euphemia"/>
+        <a:font script="Cher" typeface="Plantagenet Cherokee"/>
+        <a:font script="Yiii" typeface="Microsoft Yi Baiti"/>
+        <a:font script="Tibt" typeface="Microsoft Himalaya"/>
+        <a:font script="Thaa" typeface="MV Boli"/>
+        <a:font script="Deva" typeface="Mangal"/>
+        <a:font script="Telu" typeface="Gautami"/>
+        <a:font script="Taml" typeface="Latha"/>
+        <a:font script="Syrc" typeface="Estrangelo Edessa"/>
+        <a:font script="Orya" typeface="Kalinga"/>
+        <a:font script="Mlym" typeface="Kartika"/>
+        <a:font script="Laoo" typeface="DokChampa"/>
+        <a:font script="Sinh" typeface="Iskoola Pota"/>
+        <a:font script="Mong" typeface="Mongolian Baiti"/>
+        <a:font script="Viet" typeface="Times New Roman"/>
+        <a:font script="Uigh" typeface="Microsoft Uighur"/>
+        <a:font script="Geor" typeface="Sylfaen"/>
+        <a:font script="Armn" typeface="Arial"/>
+        <a:font script="Bugi" typeface="Leelawadee UI"/>
+        <a:font script="Bopo" typeface="Microsoft JhengHei"/>
+        <a:font script="Java" typeface="Javanese Text"/>
+        <a:font script="Lisu" typeface="Segoe UI"/>
+        <a:font script="Mymr" typeface="Myanmar Text"/>
+        <a:font script="Nkoo" typeface="Ebrima"/>
+        <a:font script="Olck" typeface="Nirmala UI"/>
+        <a:font script="Osma" typeface="Ebrima"/>
+        <a:font script="Phag" typeface="Phagspa"/>
+        <a:font script="Syrn" typeface="Estrangelo Edessa"/>
+        <a:font script="Syrj" typeface="Estrangelo Edessa"/>
+        <a:font script="Syre" typeface="Estrangelo Edessa"/>
+        <a:font script="Sora" typeface="Nirmala UI"/>
+        <a:font script="Tale" typeface="Microsoft Tai Le"/>
+        <a:font script="Talu" typeface="Microsoft New Tai Lue"/>
+        <a:font script="Tfng" typeface="Ebrima"/>
+      </a:majorFont>
+      <a:minorFont>
+        <a:latin typeface="Calibri" panose="020F0502020204030204"/>
+        <a:ea typeface=""/>
+        <a:cs typeface=""/>
+        <a:font script="Jpan" typeface="游ゴシック"/>
+        <a:font script="Hang" typeface="맑은 고딕"/>
+        <a:font script="Hans" typeface="等线"/>
+        <a:font script="Hant" typeface="新細明體"/>
+        <a:font script="Arab" typeface="Arial"/>
+        <a:font script="Hebr" typeface="Arial"/>
+        <a:font script="Thai" typeface="Cordia New"/>
+        <a:font script="Ethi" typeface="Nyala"/>
+        <a:font script="Beng" typeface="Vrinda"/>
+        <a:font script="Gujr" typeface="Shruti"/>
+        <a:font script="Khmr" typeface="DaunPenh"/>
+        <a:font script="Knda" typeface="Tunga"/>
+        <a:font script="Guru" typeface="Raavi"/>
+        <a:font script="Cans" typeface="Euphemia"/>
+        <a:font script="Cher" typeface="Plantagenet Cherokee"/>
+        <a:font script="Yiii" typeface="Microsoft Yi Baiti"/>
+        <a:font script="Tibt" typeface="Microsoft Himalaya"/>
+        <a:font script="Thaa" typeface="MV Boli"/>
+        <a:font script="Deva" typeface="Mangal"/>
+        <a:font script="Telu" typeface="Gautami"/>
+        <a:font script="Taml" typeface="Latha"/>
+        <a:font script="Syrc" typeface="Estrangelo Edessa"/>
+        <a:font script="Orya" typeface="Kalinga"/>
+        <a:font script="Mlym" typeface="Kartika"/>
+        <a:font script="Laoo" typeface="DokChampa"/>
+        <a:font script="Sinh" typeface="Iskoola Pota"/>
+        <a:font script="Mong" typeface="Mongolian Baiti"/>
+        <a:font script="Viet" typeface="Arial"/>
+        <a:font script="Uigh" typeface="Microsoft Uighur"/>
+        <a:font script="Geor" typeface="Sylfaen"/>
+        <a:font script="Armn" typeface="Arial"/>
+        <a:font script="Bugi" typeface="Leelawadee UI"/>
+        <a:font script="Bopo" typeface="Microsoft JhengHei"/>
+        <a:font script="Java" typeface="Javanese Text"/>
+        <a:font script="Lisu" typeface="Segoe UI"/>
+        <a:font script="Mymr" typeface="Myanmar Text"/>
+        <a:font script="Nkoo" typeface="Ebrima"/>
+        <a:font script="Olck" typeface="Nirmala UI"/>
+        <a:font script="Osma" typeface="Ebrima"/>
+        <a:font script="Phag" typeface="Phagspa"/>
+        <a:font script="Syrn" typeface="Estrangelo Edessa"/>
+        <a:font script="Syrj" typeface="Estrangelo Edessa"/>
+        <a:font script="Syre" typeface="Estrangelo Edessa"/>
+        <a:font script="Sora" typeface="Nirmala UI"/>
+        <a:font script="Tale" typeface="Microsoft Tai Le"/>
+        <a:font script="Talu" typeface="Microsoft New Tai Lue"/>
+        <a:font script="Tfng" typeface="Ebrima"/>
+      </a:minorFont>
+    </a:fontScheme>
+    <a:fmtScheme name="Office">
+      <a:fillStyleLst>
+        <a:solidFill>
+          <a:schemeClr val="phClr"/>
+        </a:solidFill>
+        <a:gradFill rotWithShape="1">
+          <a:gsLst>
+            <a:gs pos="0">
+              <a:schemeClr val="phClr">
+                <a:lumMod val="110000"/>
+                <a:satMod val="105000"/>
+                <a:tint val="67000"/>
+              </a:schemeClr>
+            </a:gs>
+            <a:gs pos="50000">
+              <a:schemeClr val="phClr">
+                <a:lumMod val="105000"/>
+                <a:satMod val="103000"/>
+                <a:tint val="73000"/>
+              </a:schemeClr>
+            </a:gs>
+            <a:gs pos="100000">
+              <a:schemeClr val="phClr">
+                <a:lumMod val="105000"/>
+                <a:satMod val="109000"/>
+                <a:tint val="81000"/>
+              </a:schemeClr>
+            </a:gs>
+          </a:gsLst>
+          <a:lin ang="5400000" scaled="0"/>
+        </a:gradFill>
+        <a:gradFill rotWithShape="1">
+          <a:gsLst>
+            <a:gs pos="0">
+              <a:schemeClr val="phClr">
+                <a:satMod val="103000"/>
+                <a:lumMod val="102000"/>
+                <a:tint val="94000"/>
+              </a:schemeClr>
+            </a:gs>
+            <a:gs pos="50000">
+              <a:schemeClr val="phClr">
+                <a:satMod val="110000"/>
+                <a:lumMod val="100000"/>
+                <a:shade val="100000"/>
+              </a:schemeClr>
+            </a:gs>
+            <a:gs pos="100000">
+              <a:schemeClr val="phClr">
+                <a:lumMod val="99000"/>
+                <a:satMod val="120000"/>
+                <a:shade val="78000"/>
+              </a:schemeClr>
+            </a:gs>
+          </a:gsLst>
+          <a:lin ang="5400000" scaled="0"/>
+        </a:gradFill>
+      </a:fillStyleLst>
+      <a:lnStyleLst>
+        <a:ln w="6350" cap="flat" cmpd="sng" algn="ctr">
+          <a:solidFill>
+            <a:schemeClr val="phClr"/>
+          </a:solidFill>
+          <a:prstDash val="solid"/>
+          <a:miter lim="800000"/>
+        </a:ln>
+        <a:ln w="12700" cap="flat" cmpd="sng" algn="ctr">
+          <a:solidFill>
+            <a:schemeClr val="phClr"/>
+          </a:solidFill>
+          <a:prstDash val="solid"/>
+          <a:miter lim="800000"/>
+        </a:ln>
+        <a:ln w="19050" cap="flat" cmpd="sng" algn="ctr">
+          <a:solidFill>
+            <a:schemeClr val="phClr"/>
+          </a:solidFill>
+          <a:prstDash val="solid"/>
+          <a:miter lim="800000"/>
+        </a:ln>
+      </a:lnStyleLst>
+      <a:effectStyleLst>
+        <a:effectStyle>
+          <a:effectLst/>
+        </a:effectStyle>
+        <a:effectStyle>
+          <a:effectLst/>
+        </a:effectStyle>
+        <a:effectStyle>
+          <a:effectLst>
+            <a:outerShdw blurRad="57150" dist="19050" dir="5400000" algn="ctr" rotWithShape="0">
+              <a:srgbClr val="000000">
+                <a:alpha val="63000"/>
+              </a:srgbClr>
+            </a:outerShdw>
+          </a:effectLst>
+        </a:effectStyle>
+      </a:effectStyleLst>
+      <a:bgFillStyleLst>
+        <a:solidFill>
+          <a:schemeClr val="phClr"/>
+        </a:solidFill>
+        <a:solidFill>
+          <a:schemeClr val="phClr">
+            <a:tint val="95000"/>
+            <a:satMod val="170000"/>
+          </a:schemeClr>
+        </a:solidFill>
+        <a:gradFill rotWithShape="1">
+          <a:gsLst>
+            <a:gs pos="0">
+              <a:schemeClr val="phClr">
+                <a:tint val="93000"/>
+                <a:satMod val="150000"/>
+                <a:shade val="98000"/>
+                <a:lumMod val="102000"/>
+              </a:schemeClr>
+            </a:gs>
+            <a:gs pos="50000">
+              <a:schemeClr val="phClr">
+                <a:tint val="98000"/>
+                <a:satMod val="130000"/>
+                <a:shade val="90000"/>
+                <a:lumMod val="103000"/>
+              </a:schemeClr>
+            </a:gs>
+            <a:gs pos="100000">
+              <a:schemeClr val="phClr">
+                <a:shade val="63000"/>
+                <a:satMod val="120000"/>
+              </a:schemeClr>
+            </a:gs>
+          </a:gsLst>
+          <a:lin ang="5400000" scaled="0"/>
+        </a:gradFill>
+      </a:bgFillStyleLst>
+    </a:fmtScheme>
+  </a:themeElements>
+  <a:objectDefaults/>
+  <a:extraClrSchemeLst/>
+  <a:extLst>
+    <a:ext uri="{05A4C25C-085E-4340-85A3-A5531E510DB2}">
+      <thm15:themeFamily xmlns:thm15="http://schemas.microsoft.com/office/thememl/2012/main" name="Office Theme" id="{62F939B6-93AF-4DB8-9C6B-D6C7DFDC589F}" vid="{4A3C46E8-61CC-4603-A589-7422A47A8E4A}"/>
+    </a:ext>
+  </a:extLst>
+</a:theme>
 </file>